--- a/results/figures/pptx/eq5d5l_health_score.pptx
+++ b/results/figures/pptx/eq5d5l_health_score.pptx
@@ -2271,15 +2271,15 @@
           </p:nvSpPr>
           <p:spPr>
             <a:xfrm>
-              <a:off x="3138613" y="1712339"/>
-              <a:ext cx="0" cy="396839"/>
+              <a:off x="3138613" y="1711386"/>
+              <a:ext cx="0" cy="395886"/>
             </a:xfrm>
             <a:custGeom>
               <a:avLst/>
               <a:pathLst>
-                <a:path w="0" h="396839">
+                <a:path w="0" h="395886">
                   <a:moveTo>
-                    <a:pt x="0" y="396839"/>
+                    <a:pt x="0" y="395886"/>
                   </a:moveTo>
                   <a:lnTo>
                     <a:pt x="0" y="0"/>
@@ -2311,18 +2311,18 @@
           </p:nvSpPr>
           <p:spPr>
             <a:xfrm>
-              <a:off x="3138613" y="2902857"/>
-              <a:ext cx="0" cy="1190517"/>
+              <a:off x="3138613" y="2899045"/>
+              <a:ext cx="0" cy="1187659"/>
             </a:xfrm>
             <a:custGeom>
               <a:avLst/>
               <a:pathLst>
-                <a:path w="0" h="1190517">
+                <a:path w="0" h="1187659">
                   <a:moveTo>
                     <a:pt x="0" y="0"/>
                   </a:moveTo>
                   <a:lnTo>
-                    <a:pt x="0" y="1190517"/>
+                    <a:pt x="0" y="1187659"/>
                   </a:lnTo>
                 </a:path>
               </a:pathLst>
@@ -2351,21 +2351,21 @@
           </p:nvSpPr>
           <p:spPr>
             <a:xfrm>
-              <a:off x="2114935" y="2109179"/>
-              <a:ext cx="2047356" cy="793678"/>
+              <a:off x="2114935" y="2107272"/>
+              <a:ext cx="2047356" cy="791772"/>
             </a:xfrm>
             <a:custGeom>
               <a:avLst/>
               <a:pathLst>
-                <a:path w="2047356" h="793678">
+                <a:path w="2047356" h="791772">
                   <a:moveTo>
                     <a:pt x="0" y="0"/>
                   </a:moveTo>
                   <a:lnTo>
-                    <a:pt x="0" y="793678"/>
+                    <a:pt x="0" y="791772"/>
                   </a:lnTo>
                   <a:lnTo>
-                    <a:pt x="2047356" y="793678"/>
+                    <a:pt x="2047356" y="791772"/>
                   </a:lnTo>
                   <a:lnTo>
                     <a:pt x="2047356" y="0"/>
@@ -2403,7 +2403,7 @@
           </p:nvSpPr>
           <p:spPr>
             <a:xfrm>
-              <a:off x="2114935" y="2506018"/>
+              <a:off x="2114935" y="2503158"/>
               <a:ext cx="2047356" cy="0"/>
             </a:xfrm>
             <a:custGeom>
@@ -2443,15 +2443,15 @@
           </p:nvSpPr>
           <p:spPr>
             <a:xfrm>
-              <a:off x="6550875" y="1712339"/>
-              <a:ext cx="0" cy="793678"/>
+              <a:off x="6550875" y="1711386"/>
+              <a:ext cx="0" cy="791772"/>
             </a:xfrm>
             <a:custGeom>
               <a:avLst/>
               <a:pathLst>
-                <a:path w="0" h="793678">
+                <a:path w="0" h="791772">
                   <a:moveTo>
-                    <a:pt x="0" y="793678"/>
+                    <a:pt x="0" y="791772"/>
                   </a:moveTo>
                   <a:lnTo>
                     <a:pt x="0" y="0"/>
@@ -2483,18 +2483,18 @@
           </p:nvSpPr>
           <p:spPr>
             <a:xfrm>
-              <a:off x="6550875" y="3815587"/>
-              <a:ext cx="0" cy="1865144"/>
+              <a:off x="6550875" y="3809584"/>
+              <a:ext cx="0" cy="1860666"/>
             </a:xfrm>
             <a:custGeom>
               <a:avLst/>
               <a:pathLst>
-                <a:path w="0" h="1865144">
+                <a:path w="0" h="1860666">
                   <a:moveTo>
                     <a:pt x="0" y="0"/>
                   </a:moveTo>
                   <a:lnTo>
-                    <a:pt x="0" y="1865144"/>
+                    <a:pt x="0" y="1860666"/>
                   </a:lnTo>
                 </a:path>
               </a:pathLst>
@@ -2523,21 +2523,21 @@
           </p:nvSpPr>
           <p:spPr>
             <a:xfrm>
-              <a:off x="5527196" y="2506018"/>
-              <a:ext cx="2047356" cy="1309569"/>
+              <a:off x="5527196" y="2503158"/>
+              <a:ext cx="2047356" cy="1306425"/>
             </a:xfrm>
             <a:custGeom>
               <a:avLst/>
               <a:pathLst>
-                <a:path w="2047356" h="1309569">
+                <a:path w="2047356" h="1306425">
                   <a:moveTo>
                     <a:pt x="0" y="0"/>
                   </a:moveTo>
                   <a:lnTo>
-                    <a:pt x="0" y="1309569"/>
+                    <a:pt x="0" y="1306425"/>
                   </a:lnTo>
                   <a:lnTo>
-                    <a:pt x="2047356" y="1309569"/>
+                    <a:pt x="2047356" y="1306425"/>
                   </a:lnTo>
                   <a:lnTo>
                     <a:pt x="2047356" y="0"/>
@@ -2575,7 +2575,7 @@
           </p:nvSpPr>
           <p:spPr>
             <a:xfrm>
-              <a:off x="5527196" y="3101277"/>
+              <a:off x="5527196" y="3096988"/>
               <a:ext cx="2047356" cy="0"/>
             </a:xfrm>
             <a:custGeom>
@@ -2615,7 +2615,7 @@
           </p:nvSpPr>
           <p:spPr>
             <a:xfrm>
-              <a:off x="3139252" y="2885302"/>
+              <a:off x="3123429" y="2859738"/>
               <a:ext cx="49651" cy="49651"/>
             </a:xfrm>
             <a:prstGeom prst="ellipse">
@@ -2650,7 +2650,7 @@
           </p:nvSpPr>
           <p:spPr>
             <a:xfrm>
-              <a:off x="6547968" y="3086827"/>
+              <a:off x="6512859" y="3062957"/>
               <a:ext cx="49651" cy="49651"/>
             </a:xfrm>
             <a:prstGeom prst="ellipse">
@@ -2685,7 +2685,7 @@
           </p:nvSpPr>
           <p:spPr>
             <a:xfrm>
-              <a:off x="3124331" y="2081501"/>
+              <a:off x="3112178" y="2088505"/>
               <a:ext cx="49651" cy="49651"/>
             </a:xfrm>
             <a:prstGeom prst="ellipse">
@@ -2720,7 +2720,7 @@
           </p:nvSpPr>
           <p:spPr>
             <a:xfrm>
-              <a:off x="6500348" y="2689105"/>
+              <a:off x="6518187" y="2688123"/>
               <a:ext cx="49651" cy="49651"/>
             </a:xfrm>
             <a:prstGeom prst="ellipse">
@@ -2755,7 +2755,7 @@
           </p:nvSpPr>
           <p:spPr>
             <a:xfrm>
-              <a:off x="3126250" y="2887589"/>
+              <a:off x="3139550" y="2884228"/>
               <a:ext cx="49651" cy="49651"/>
             </a:xfrm>
             <a:prstGeom prst="ellipse">
@@ -2790,7 +2790,7 @@
           </p:nvSpPr>
           <p:spPr>
             <a:xfrm>
-              <a:off x="6523021" y="4057947"/>
+              <a:off x="6525878" y="4055628"/>
               <a:ext cx="49651" cy="49651"/>
             </a:xfrm>
             <a:prstGeom prst="ellipse">
@@ -2825,7 +2825,7 @@
           </p:nvSpPr>
           <p:spPr>
             <a:xfrm>
-              <a:off x="3116614" y="4073243"/>
+              <a:off x="3144898" y="4054623"/>
               <a:ext cx="49651" cy="49651"/>
             </a:xfrm>
             <a:prstGeom prst="ellipse">
@@ -2860,7 +2860,7 @@
           </p:nvSpPr>
           <p:spPr>
             <a:xfrm>
-              <a:off x="6499490" y="3064568"/>
+              <a:off x="6510759" y="3058945"/>
               <a:ext cx="49651" cy="49651"/>
             </a:xfrm>
             <a:prstGeom prst="ellipse">
@@ -2895,7 +2895,7 @@
           </p:nvSpPr>
           <p:spPr>
             <a:xfrm>
-              <a:off x="3083563" y="2469235"/>
+              <a:off x="3144053" y="2485092"/>
               <a:ext cx="49651" cy="49651"/>
             </a:xfrm>
             <a:prstGeom prst="ellipse">
@@ -2930,7 +2930,7 @@
           </p:nvSpPr>
           <p:spPr>
             <a:xfrm>
-              <a:off x="6507738" y="3669683"/>
+              <a:off x="6534373" y="3660676"/>
               <a:ext cx="49651" cy="49651"/>
             </a:xfrm>
             <a:prstGeom prst="ellipse">
@@ -2965,7 +2965,7 @@
           </p:nvSpPr>
           <p:spPr>
             <a:xfrm>
-              <a:off x="3128724" y="1876778"/>
+              <a:off x="3120876" y="1869243"/>
               <a:ext cx="49651" cy="49651"/>
             </a:xfrm>
             <a:prstGeom prst="ellipse">
@@ -3000,7 +3000,7 @@
           </p:nvSpPr>
           <p:spPr>
             <a:xfrm>
-              <a:off x="6524870" y="3075484"/>
+              <a:off x="6514468" y="3074051"/>
               <a:ext cx="49651" cy="49651"/>
             </a:xfrm>
             <a:prstGeom prst="ellipse">
@@ -3035,7 +3035,7 @@
           </p:nvSpPr>
           <p:spPr>
             <a:xfrm>
-              <a:off x="3107413" y="1774896"/>
+              <a:off x="3118182" y="1750054"/>
               <a:ext cx="49651" cy="49651"/>
             </a:xfrm>
             <a:prstGeom prst="ellipse">
@@ -3070,7 +3070,7 @@
           </p:nvSpPr>
           <p:spPr>
             <a:xfrm>
-              <a:off x="6515885" y="1819445"/>
+              <a:off x="6552764" y="1805154"/>
               <a:ext cx="49651" cy="49651"/>
             </a:xfrm>
             <a:prstGeom prst="ellipse">
@@ -3105,7 +3105,7 @@
           </p:nvSpPr>
           <p:spPr>
             <a:xfrm>
-              <a:off x="3094390" y="4386138"/>
+              <a:off x="3094576" y="4380549"/>
               <a:ext cx="49651" cy="49651"/>
             </a:xfrm>
             <a:prstGeom prst="ellipse">
@@ -3140,7 +3140,7 @@
           </p:nvSpPr>
           <p:spPr>
             <a:xfrm>
-              <a:off x="6511413" y="4034161"/>
+              <a:off x="6503039" y="4006625"/>
               <a:ext cx="49651" cy="49651"/>
             </a:xfrm>
             <a:prstGeom prst="ellipse">
@@ -3175,7 +3175,7 @@
           </p:nvSpPr>
           <p:spPr>
             <a:xfrm>
-              <a:off x="3093616" y="2874554"/>
+              <a:off x="3121611" y="2876691"/>
               <a:ext cx="49651" cy="49651"/>
             </a:xfrm>
             <a:prstGeom prst="ellipse">
@@ -3210,7 +3210,7 @@
           </p:nvSpPr>
           <p:spPr>
             <a:xfrm>
-              <a:off x="6518569" y="2487140"/>
+              <a:off x="6543408" y="2476108"/>
               <a:ext cx="49651" cy="49651"/>
             </a:xfrm>
             <a:prstGeom prst="ellipse">
@@ -3245,7 +3245,7 @@
           </p:nvSpPr>
           <p:spPr>
             <a:xfrm>
-              <a:off x="3144455" y="1966072"/>
+              <a:off x="3142552" y="1972897"/>
               <a:ext cx="49651" cy="49651"/>
             </a:xfrm>
             <a:prstGeom prst="ellipse">
@@ -3280,7 +3280,7 @@
           </p:nvSpPr>
           <p:spPr>
             <a:xfrm>
-              <a:off x="6498170" y="2272559"/>
+              <a:off x="6554388" y="2268814"/>
               <a:ext cx="49651" cy="49651"/>
             </a:xfrm>
             <a:prstGeom prst="ellipse">
@@ -3315,7 +3315,7 @@
           </p:nvSpPr>
           <p:spPr>
             <a:xfrm>
-              <a:off x="3125175" y="2098717"/>
+              <a:off x="3116365" y="2091839"/>
               <a:ext cx="49651" cy="49651"/>
             </a:xfrm>
             <a:prstGeom prst="ellipse">
@@ -3350,7 +3350,7 @@
           </p:nvSpPr>
           <p:spPr>
             <a:xfrm>
-              <a:off x="6528732" y="3278185"/>
+              <a:off x="6547526" y="3261475"/>
               <a:ext cx="49651" cy="49651"/>
             </a:xfrm>
             <a:prstGeom prst="ellipse">
@@ -3385,7 +3385,7 @@
           </p:nvSpPr>
           <p:spPr>
             <a:xfrm>
-              <a:off x="3117513" y="4273002"/>
+              <a:off x="3119971" y="4245774"/>
               <a:ext cx="49651" cy="49651"/>
             </a:xfrm>
             <a:prstGeom prst="ellipse">
@@ -3420,7 +3420,7 @@
           </p:nvSpPr>
           <p:spPr>
             <a:xfrm>
-              <a:off x="6503783" y="4871050"/>
+              <a:off x="6492919" y="4845210"/>
               <a:ext cx="49651" cy="49651"/>
             </a:xfrm>
             <a:prstGeom prst="ellipse">
@@ -3455,7 +3455,7 @@
           </p:nvSpPr>
           <p:spPr>
             <a:xfrm>
-              <a:off x="3134825" y="2694865"/>
+              <a:off x="3118627" y="2672543"/>
               <a:ext cx="49651" cy="49651"/>
             </a:xfrm>
             <a:prstGeom prst="ellipse">
@@ -3490,7 +3490,7 @@
           </p:nvSpPr>
           <p:spPr>
             <a:xfrm>
-              <a:off x="6552165" y="3065825"/>
+              <a:off x="6496290" y="3059789"/>
               <a:ext cx="49651" cy="49651"/>
             </a:xfrm>
             <a:prstGeom prst="ellipse">
@@ -3525,7 +3525,7 @@
           </p:nvSpPr>
           <p:spPr>
             <a:xfrm>
-              <a:off x="3134553" y="2886711"/>
+              <a:off x="3086858" y="2859363"/>
               <a:ext cx="49651" cy="49651"/>
             </a:xfrm>
             <a:prstGeom prst="ellipse">
@@ -3560,7 +3560,7 @@
           </p:nvSpPr>
           <p:spPr>
             <a:xfrm>
-              <a:off x="6555341" y="5652001"/>
+              <a:off x="6535495" y="5648702"/>
               <a:ext cx="49651" cy="49651"/>
             </a:xfrm>
             <a:prstGeom prst="ellipse">
@@ -3595,7 +3595,7 @@
           </p:nvSpPr>
           <p:spPr>
             <a:xfrm>
-              <a:off x="3121883" y="2097098"/>
+              <a:off x="3092335" y="2082350"/>
               <a:ext cx="49651" cy="49651"/>
             </a:xfrm>
             <a:prstGeom prst="ellipse">
@@ -3630,7 +3630,7 @@
           </p:nvSpPr>
           <p:spPr>
             <a:xfrm>
-              <a:off x="6549215" y="4458357"/>
+              <a:off x="6549429" y="4457364"/>
               <a:ext cx="49651" cy="49651"/>
             </a:xfrm>
             <a:prstGeom prst="ellipse">
@@ -3665,7 +3665,7 @@
           </p:nvSpPr>
           <p:spPr>
             <a:xfrm>
-              <a:off x="3121011" y="1720001"/>
+              <a:off x="3084773" y="1730423"/>
               <a:ext cx="49651" cy="49651"/>
             </a:xfrm>
             <a:prstGeom prst="ellipse">
@@ -3700,7 +3700,7 @@
           </p:nvSpPr>
           <p:spPr>
             <a:xfrm>
-              <a:off x="6508654" y="2070179"/>
+              <a:off x="6520293" y="2098024"/>
               <a:ext cx="49651" cy="49651"/>
             </a:xfrm>
             <a:prstGeom prst="ellipse">
@@ -3735,7 +3735,7 @@
           </p:nvSpPr>
           <p:spPr>
             <a:xfrm>
-              <a:off x="3145480" y="3276904"/>
+              <a:off x="3146966" y="3272446"/>
               <a:ext cx="49651" cy="49651"/>
             </a:xfrm>
             <a:prstGeom prst="ellipse">
@@ -3770,7 +3770,7 @@
           </p:nvSpPr>
           <p:spPr>
             <a:xfrm>
-              <a:off x="6518220" y="3274595"/>
+              <a:off x="6532743" y="3272051"/>
               <a:ext cx="49651" cy="49651"/>
             </a:xfrm>
             <a:prstGeom prst="ellipse">
@@ -3805,7 +3805,7 @@
           </p:nvSpPr>
           <p:spPr>
             <a:xfrm>
-              <a:off x="3125415" y="1872308"/>
+              <a:off x="3084642" y="1897712"/>
               <a:ext cx="49651" cy="49651"/>
             </a:xfrm>
             <a:prstGeom prst="ellipse">
@@ -3840,7 +3840,7 @@
           </p:nvSpPr>
           <p:spPr>
             <a:xfrm>
-              <a:off x="6557727" y="4465036"/>
+              <a:off x="6547543" y="4449525"/>
               <a:ext cx="49651" cy="49651"/>
             </a:xfrm>
             <a:prstGeom prst="ellipse">
@@ -3875,7 +3875,7 @@
           </p:nvSpPr>
           <p:spPr>
             <a:xfrm>
-              <a:off x="3106192" y="2475773"/>
+              <a:off x="3129916" y="2493369"/>
               <a:ext cx="49651" cy="49651"/>
             </a:xfrm>
             <a:prstGeom prst="ellipse">
@@ -3910,7 +3910,7 @@
           </p:nvSpPr>
           <p:spPr>
             <a:xfrm>
-              <a:off x="6508911" y="3664002"/>
+              <a:off x="6507935" y="3679159"/>
               <a:ext cx="49651" cy="49651"/>
             </a:xfrm>
             <a:prstGeom prst="ellipse">
@@ -3945,7 +3945,7 @@
           </p:nvSpPr>
           <p:spPr>
             <a:xfrm>
-              <a:off x="3130355" y="2674787"/>
+              <a:off x="3131225" y="2680312"/>
               <a:ext cx="49651" cy="49651"/>
             </a:xfrm>
             <a:prstGeom prst="ellipse">
@@ -3980,7 +3980,7 @@
           </p:nvSpPr>
           <p:spPr>
             <a:xfrm>
-              <a:off x="6547583" y="3277193"/>
+              <a:off x="6524767" y="3270842"/>
               <a:ext cx="49651" cy="49651"/>
             </a:xfrm>
             <a:prstGeom prst="ellipse">
@@ -4015,7 +4015,7 @@
           </p:nvSpPr>
           <p:spPr>
             <a:xfrm>
-              <a:off x="3137357" y="2679019"/>
+              <a:off x="3101718" y="2685227"/>
               <a:ext cx="49651" cy="49651"/>
             </a:xfrm>
             <a:prstGeom prst="ellipse">
@@ -4050,7 +4050,7 @@
           </p:nvSpPr>
           <p:spPr>
             <a:xfrm>
-              <a:off x="6525646" y="4678661"/>
+              <a:off x="6503292" y="4670414"/>
               <a:ext cx="49651" cy="49651"/>
             </a:xfrm>
             <a:prstGeom prst="ellipse">
@@ -4085,7 +4085,7 @@
           </p:nvSpPr>
           <p:spPr>
             <a:xfrm>
-              <a:off x="3133528" y="3073211"/>
+              <a:off x="3143364" y="3070044"/>
               <a:ext cx="49651" cy="49651"/>
             </a:xfrm>
             <a:prstGeom prst="ellipse">
@@ -4120,7 +4120,7 @@
           </p:nvSpPr>
           <p:spPr>
             <a:xfrm>
-              <a:off x="6500551" y="2694993"/>
+              <a:off x="6510258" y="2690668"/>
               <a:ext cx="49651" cy="49651"/>
             </a:xfrm>
             <a:prstGeom prst="ellipse">
@@ -4155,7 +4155,7 @@
           </p:nvSpPr>
           <p:spPr>
             <a:xfrm>
-              <a:off x="3135270" y="1700221"/>
+              <a:off x="3092257" y="1696308"/>
               <a:ext cx="49651" cy="49651"/>
             </a:xfrm>
             <a:prstGeom prst="ellipse">
@@ -4190,7 +4190,7 @@
           </p:nvSpPr>
           <p:spPr>
             <a:xfrm>
-              <a:off x="6499697" y="3269420"/>
+              <a:off x="6521519" y="3262126"/>
               <a:ext cx="49651" cy="49651"/>
             </a:xfrm>
             <a:prstGeom prst="ellipse">
@@ -4225,7 +4225,7 @@
           </p:nvSpPr>
           <p:spPr>
             <a:xfrm>
-              <a:off x="3147006" y="2677846"/>
+              <a:off x="3098187" y="2676568"/>
               <a:ext cx="49651" cy="49651"/>
             </a:xfrm>
             <a:prstGeom prst="ellipse">
@@ -4260,7 +4260,7 @@
           </p:nvSpPr>
           <p:spPr>
             <a:xfrm>
-              <a:off x="6492403" y="3677011"/>
+              <a:off x="6512750" y="3660963"/>
               <a:ext cx="49651" cy="49651"/>
             </a:xfrm>
             <a:prstGeom prst="ellipse">
@@ -4295,7 +4295,7 @@
           </p:nvSpPr>
           <p:spPr>
             <a:xfrm>
-              <a:off x="3103165" y="3367286"/>
+              <a:off x="3143146" y="3348166"/>
               <a:ext cx="49651" cy="49651"/>
             </a:xfrm>
             <a:prstGeom prst="ellipse">
@@ -4330,7 +4330,7 @@
           </p:nvSpPr>
           <p:spPr>
             <a:xfrm>
-              <a:off x="6525354" y="2176901"/>
+              <a:off x="6520269" y="2166359"/>
               <a:ext cx="49651" cy="49651"/>
             </a:xfrm>
             <a:prstGeom prst="ellipse">
@@ -4365,7 +4365,7 @@
           </p:nvSpPr>
           <p:spPr>
             <a:xfrm>
-              <a:off x="3108896" y="1890869"/>
+              <a:off x="3138277" y="1876492"/>
               <a:ext cx="49651" cy="49651"/>
             </a:xfrm>
             <a:prstGeom prst="ellipse">
@@ -4400,7 +4400,7 @@
           </p:nvSpPr>
           <p:spPr>
             <a:xfrm>
-              <a:off x="6523892" y="3081056"/>
+              <a:off x="6552873" y="3059586"/>
               <a:ext cx="49651" cy="49651"/>
             </a:xfrm>
             <a:prstGeom prst="ellipse">
@@ -4435,7 +4435,7 @@
           </p:nvSpPr>
           <p:spPr>
             <a:xfrm>
-              <a:off x="3114057" y="1889894"/>
+              <a:off x="3113606" y="1874242"/>
               <a:ext cx="49651" cy="49651"/>
             </a:xfrm>
             <a:prstGeom prst="ellipse">
@@ -4470,7 +4470,7 @@
           </p:nvSpPr>
           <p:spPr>
             <a:xfrm>
-              <a:off x="6507369" y="3082680"/>
+              <a:off x="6520592" y="3086233"/>
               <a:ext cx="49651" cy="49651"/>
             </a:xfrm>
             <a:prstGeom prst="ellipse">
@@ -4505,7 +4505,7 @@
           </p:nvSpPr>
           <p:spPr>
             <a:xfrm>
-              <a:off x="3094399" y="3064873"/>
+              <a:off x="3090308" y="3057072"/>
               <a:ext cx="49651" cy="49651"/>
             </a:xfrm>
             <a:prstGeom prst="ellipse">
@@ -4540,7 +4540,7 @@
           </p:nvSpPr>
           <p:spPr>
             <a:xfrm>
-              <a:off x="6543446" y="1881277"/>
+              <a:off x="6520100" y="1898088"/>
               <a:ext cx="49651" cy="49651"/>
             </a:xfrm>
             <a:prstGeom prst="ellipse">
@@ -4575,7 +4575,7 @@
           </p:nvSpPr>
           <p:spPr>
             <a:xfrm>
-              <a:off x="3094713" y="3269173"/>
+              <a:off x="3116201" y="3281389"/>
               <a:ext cx="49651" cy="49651"/>
             </a:xfrm>
             <a:prstGeom prst="ellipse">
@@ -4610,7 +4610,7 @@
           </p:nvSpPr>
           <p:spPr>
             <a:xfrm>
-              <a:off x="6521176" y="3665366"/>
+              <a:off x="6497428" y="3653635"/>
               <a:ext cx="49651" cy="49651"/>
             </a:xfrm>
             <a:prstGeom prst="ellipse">
@@ -4645,7 +4645,7 @@
           </p:nvSpPr>
           <p:spPr>
             <a:xfrm>
-              <a:off x="3099489" y="2688858"/>
+              <a:off x="3128690" y="2685659"/>
               <a:ext cx="49651" cy="49651"/>
             </a:xfrm>
             <a:prstGeom prst="ellipse">
@@ -4680,7 +4680,7 @@
           </p:nvSpPr>
           <p:spPr>
             <a:xfrm>
-              <a:off x="6552394" y="2863005"/>
+              <a:off x="6493703" y="2862348"/>
               <a:ext cx="49651" cy="49651"/>
             </a:xfrm>
             <a:prstGeom prst="ellipse">
@@ -4715,7 +4715,7 @@
           </p:nvSpPr>
           <p:spPr>
             <a:xfrm>
-              <a:off x="3113904" y="2082362"/>
+              <a:off x="3085424" y="2073471"/>
               <a:ext cx="49651" cy="49651"/>
             </a:xfrm>
             <a:prstGeom prst="ellipse">
@@ -4750,7 +4750,7 @@
           </p:nvSpPr>
           <p:spPr>
             <a:xfrm>
-              <a:off x="6554250" y="2866105"/>
+              <a:off x="6547304" y="2881675"/>
               <a:ext cx="49651" cy="49651"/>
             </a:xfrm>
             <a:prstGeom prst="ellipse">
@@ -4785,7 +4785,7 @@
           </p:nvSpPr>
           <p:spPr>
             <a:xfrm>
-              <a:off x="3087228" y="3076047"/>
+              <a:off x="3079823" y="3064358"/>
               <a:ext cx="49651" cy="49651"/>
             </a:xfrm>
             <a:prstGeom prst="ellipse">
@@ -4820,7 +4820,7 @@
           </p:nvSpPr>
           <p:spPr>
             <a:xfrm>
-              <a:off x="6511416" y="4276143"/>
+              <a:off x="6531919" y="4251630"/>
               <a:ext cx="49651" cy="49651"/>
             </a:xfrm>
             <a:prstGeom prst="ellipse">
@@ -4855,7 +4855,7 @@
           </p:nvSpPr>
           <p:spPr>
             <a:xfrm>
-              <a:off x="3105611" y="2083219"/>
+              <a:off x="3096074" y="2070627"/>
               <a:ext cx="49651" cy="49651"/>
             </a:xfrm>
             <a:prstGeom prst="ellipse">
@@ -4890,7 +4890,7 @@
           </p:nvSpPr>
           <p:spPr>
             <a:xfrm>
-              <a:off x="6542084" y="2863539"/>
+              <a:off x="6555561" y="2887397"/>
               <a:ext cx="49651" cy="49651"/>
             </a:xfrm>
             <a:prstGeom prst="ellipse">
@@ -4925,7 +4925,7 @@
           </p:nvSpPr>
           <p:spPr>
             <a:xfrm>
-              <a:off x="3141708" y="1883902"/>
+              <a:off x="3132890" y="1870968"/>
               <a:ext cx="49651" cy="49651"/>
             </a:xfrm>
             <a:prstGeom prst="ellipse">
@@ -4960,7 +4960,7 @@
           </p:nvSpPr>
           <p:spPr>
             <a:xfrm>
-              <a:off x="6510555" y="2072474"/>
+              <a:off x="6547219" y="2084740"/>
               <a:ext cx="49651" cy="49651"/>
             </a:xfrm>
             <a:prstGeom prst="ellipse">
@@ -4995,7 +4995,7 @@
           </p:nvSpPr>
           <p:spPr>
             <a:xfrm>
-              <a:off x="3093447" y="4465755"/>
+              <a:off x="3108638" y="4454931"/>
               <a:ext cx="49651" cy="49651"/>
             </a:xfrm>
             <a:prstGeom prst="ellipse">
@@ -5030,7 +5030,7 @@
           </p:nvSpPr>
           <p:spPr>
             <a:xfrm>
-              <a:off x="6542998" y="4063704"/>
+              <a:off x="6505732" y="4048243"/>
               <a:ext cx="49651" cy="49651"/>
             </a:xfrm>
             <a:prstGeom prst="ellipse">
@@ -5065,7 +5065,7 @@
           </p:nvSpPr>
           <p:spPr>
             <a:xfrm>
-              <a:off x="3093779" y="2161840"/>
+              <a:off x="3086912" y="2171070"/>
               <a:ext cx="49651" cy="49651"/>
             </a:xfrm>
             <a:prstGeom prst="ellipse">
@@ -5100,7 +5100,7 @@
           </p:nvSpPr>
           <p:spPr>
             <a:xfrm>
-              <a:off x="6536884" y="3815737"/>
+              <a:off x="6499317" y="3824737"/>
               <a:ext cx="49651" cy="49651"/>
             </a:xfrm>
             <a:prstGeom prst="ellipse">
@@ -5135,7 +5135,7 @@
           </p:nvSpPr>
           <p:spPr>
             <a:xfrm>
-              <a:off x="3111067" y="3263708"/>
+              <a:off x="3141240" y="3268247"/>
               <a:ext cx="49651" cy="49651"/>
             </a:xfrm>
             <a:prstGeom prst="ellipse">
@@ -5170,7 +5170,7 @@
           </p:nvSpPr>
           <p:spPr>
             <a:xfrm>
-              <a:off x="6503470" y="2275949"/>
+              <a:off x="6555715" y="2289325"/>
               <a:ext cx="49651" cy="49651"/>
             </a:xfrm>
             <a:prstGeom prst="ellipse">
@@ -5205,7 +5205,7 @@
           </p:nvSpPr>
           <p:spPr>
             <a:xfrm>
-              <a:off x="3101551" y="1673905"/>
+              <a:off x="3137810" y="1690541"/>
               <a:ext cx="49651" cy="49651"/>
             </a:xfrm>
             <a:prstGeom prst="ellipse">
@@ -5240,7 +5240,7 @@
           </p:nvSpPr>
           <p:spPr>
             <a:xfrm>
-              <a:off x="6542954" y="2473976"/>
+              <a:off x="6541545" y="2485460"/>
               <a:ext cx="49651" cy="49651"/>
             </a:xfrm>
             <a:prstGeom prst="ellipse">
@@ -5275,7 +5275,7 @@
           </p:nvSpPr>
           <p:spPr>
             <a:xfrm>
-              <a:off x="3123019" y="2285174"/>
+              <a:off x="3105852" y="2280543"/>
               <a:ext cx="49651" cy="49651"/>
             </a:xfrm>
             <a:prstGeom prst="ellipse">
@@ -5310,7 +5310,7 @@
           </p:nvSpPr>
           <p:spPr>
             <a:xfrm>
-              <a:off x="6541205" y="3075687"/>
+              <a:off x="6557341" y="3063644"/>
               <a:ext cx="49651" cy="49651"/>
             </a:xfrm>
             <a:prstGeom prst="ellipse">
@@ -5345,7 +5345,7 @@
           </p:nvSpPr>
           <p:spPr>
             <a:xfrm>
-              <a:off x="3143233" y="3489097"/>
+              <a:off x="3097879" y="3456268"/>
               <a:ext cx="49651" cy="49651"/>
             </a:xfrm>
             <a:prstGeom prst="ellipse">
@@ -5380,7 +5380,7 @@
           </p:nvSpPr>
           <p:spPr>
             <a:xfrm>
-              <a:off x="6540729" y="2865775"/>
+              <a:off x="6536747" y="2884044"/>
               <a:ext cx="49651" cy="49651"/>
             </a:xfrm>
             <a:prstGeom prst="ellipse">
@@ -5415,7 +5415,7 @@
           </p:nvSpPr>
           <p:spPr>
             <a:xfrm>
-              <a:off x="3145788" y="2472617"/>
+              <a:off x="3146867" y="2468353"/>
               <a:ext cx="49651" cy="49651"/>
             </a:xfrm>
             <a:prstGeom prst="ellipse">
@@ -5450,7 +5450,7 @@
           </p:nvSpPr>
           <p:spPr>
             <a:xfrm>
-              <a:off x="6512865" y="3288502"/>
+              <a:off x="6548281" y="3255605"/>
               <a:ext cx="49651" cy="49651"/>
             </a:xfrm>
             <a:prstGeom prst="ellipse">
@@ -5485,7 +5485,7 @@
           </p:nvSpPr>
           <p:spPr>
             <a:xfrm>
-              <a:off x="3109870" y="2474146"/>
+              <a:off x="3130680" y="2465717"/>
               <a:ext cx="49651" cy="49651"/>
             </a:xfrm>
             <a:prstGeom prst="ellipse">
@@ -5520,7 +5520,7 @@
           </p:nvSpPr>
           <p:spPr>
             <a:xfrm>
-              <a:off x="6492026" y="3282593"/>
+              <a:off x="6559513" y="3254598"/>
               <a:ext cx="49651" cy="49651"/>
             </a:xfrm>
             <a:prstGeom prst="ellipse">
@@ -5555,7 +5555,7 @@
           </p:nvSpPr>
           <p:spPr>
             <a:xfrm>
-              <a:off x="3102260" y="2086580"/>
+              <a:off x="3083402" y="2093120"/>
               <a:ext cx="49651" cy="49651"/>
             </a:xfrm>
             <a:prstGeom prst="ellipse">
@@ -5590,7 +5590,7 @@
           </p:nvSpPr>
           <p:spPr>
             <a:xfrm>
-              <a:off x="6496598" y="3281573"/>
+              <a:off x="6524595" y="3276127"/>
               <a:ext cx="49651" cy="49651"/>
             </a:xfrm>
             <a:prstGeom prst="ellipse">
@@ -5625,7 +5625,7 @@
           </p:nvSpPr>
           <p:spPr>
             <a:xfrm>
-              <a:off x="3115998" y="2487748"/>
+              <a:off x="3136757" y="2489129"/>
               <a:ext cx="49651" cy="49651"/>
             </a:xfrm>
             <a:prstGeom prst="ellipse">
@@ -5660,7 +5660,7 @@
           </p:nvSpPr>
           <p:spPr>
             <a:xfrm>
-              <a:off x="6502547" y="2872953"/>
+              <a:off x="6511270" y="2866530"/>
               <a:ext cx="49651" cy="49651"/>
             </a:xfrm>
             <a:prstGeom prst="ellipse">
@@ -5695,7 +5695,7 @@
           </p:nvSpPr>
           <p:spPr>
             <a:xfrm>
-              <a:off x="3094284" y="2492780"/>
+              <a:off x="3103263" y="2467765"/>
               <a:ext cx="49651" cy="49651"/>
             </a:xfrm>
             <a:prstGeom prst="ellipse">
@@ -5730,7 +5730,7 @@
           </p:nvSpPr>
           <p:spPr>
             <a:xfrm>
-              <a:off x="6526007" y="4053362"/>
+              <a:off x="6498874" y="4059716"/>
               <a:ext cx="49651" cy="49651"/>
             </a:xfrm>
             <a:prstGeom prst="ellipse">
@@ -5765,7 +5765,7 @@
           </p:nvSpPr>
           <p:spPr>
             <a:xfrm>
-              <a:off x="3140197" y="2479060"/>
+              <a:off x="3105895" y="2474814"/>
               <a:ext cx="49651" cy="49651"/>
             </a:xfrm>
             <a:prstGeom prst="ellipse">
@@ -5800,7 +5800,7 @@
           </p:nvSpPr>
           <p:spPr>
             <a:xfrm>
-              <a:off x="6559337" y="5640680"/>
+              <a:off x="6497177" y="5655906"/>
               <a:ext cx="49651" cy="49651"/>
             </a:xfrm>
             <a:prstGeom prst="ellipse">
@@ -5835,7 +5835,7 @@
           </p:nvSpPr>
           <p:spPr>
             <a:xfrm>
-              <a:off x="3097123" y="2096271"/>
+              <a:off x="3093296" y="2095404"/>
               <a:ext cx="49651" cy="49651"/>
             </a:xfrm>
             <a:prstGeom prst="ellipse">
@@ -5870,7 +5870,7 @@
           </p:nvSpPr>
           <p:spPr>
             <a:xfrm>
-              <a:off x="6538788" y="3664666"/>
+              <a:off x="6516951" y="3672303"/>
               <a:ext cx="49651" cy="49651"/>
             </a:xfrm>
             <a:prstGeom prst="ellipse">
@@ -5905,7 +5905,7 @@
           </p:nvSpPr>
           <p:spPr>
             <a:xfrm>
-              <a:off x="3115858" y="1673503"/>
+              <a:off x="3084833" y="1683229"/>
               <a:ext cx="49651" cy="49651"/>
             </a:xfrm>
             <a:prstGeom prst="ellipse">
@@ -5940,7 +5940,7 @@
           </p:nvSpPr>
           <p:spPr>
             <a:xfrm>
-              <a:off x="6554063" y="4479817"/>
+              <a:off x="6493129" y="4445207"/>
               <a:ext cx="49651" cy="49651"/>
             </a:xfrm>
             <a:prstGeom prst="ellipse">
@@ -5975,7 +5975,7 @@
           </p:nvSpPr>
           <p:spPr>
             <a:xfrm>
-              <a:off x="3138654" y="2470904"/>
+              <a:off x="3128566" y="2481611"/>
               <a:ext cx="49651" cy="49651"/>
             </a:xfrm>
             <a:prstGeom prst="ellipse">
@@ -6010,7 +6010,7 @@
           </p:nvSpPr>
           <p:spPr>
             <a:xfrm>
-              <a:off x="6549957" y="2092332"/>
+              <a:off x="6501122" y="2081448"/>
               <a:ext cx="49651" cy="49651"/>
             </a:xfrm>
             <a:prstGeom prst="ellipse">
@@ -6045,7 +6045,7 @@
           </p:nvSpPr>
           <p:spPr>
             <a:xfrm>
-              <a:off x="3094671" y="2291958"/>
+              <a:off x="3109736" y="2273681"/>
               <a:ext cx="49651" cy="49651"/>
             </a:xfrm>
             <a:prstGeom prst="ellipse">
@@ -6080,7 +6080,7 @@
           </p:nvSpPr>
           <p:spPr>
             <a:xfrm>
-              <a:off x="6558842" y="3685851"/>
+              <a:off x="6513167" y="3661769"/>
               <a:ext cx="49651" cy="49651"/>
             </a:xfrm>
             <a:prstGeom prst="ellipse">
@@ -6115,7 +6115,7 @@
           </p:nvSpPr>
           <p:spPr>
             <a:xfrm>
-              <a:off x="3112908" y="2483802"/>
+              <a:off x="3127443" y="2484642"/>
               <a:ext cx="49651" cy="49651"/>
             </a:xfrm>
             <a:prstGeom prst="ellipse">
@@ -6150,7 +6150,7 @@
           </p:nvSpPr>
           <p:spPr>
             <a:xfrm>
-              <a:off x="6530765" y="2290761"/>
+              <a:off x="6513860" y="2266770"/>
               <a:ext cx="49651" cy="49651"/>
             </a:xfrm>
             <a:prstGeom prst="ellipse">
@@ -6185,7 +6185,7 @@
           </p:nvSpPr>
           <p:spPr>
             <a:xfrm>
-              <a:off x="3145923" y="1698912"/>
+              <a:off x="3136259" y="1700899"/>
               <a:ext cx="49651" cy="49651"/>
             </a:xfrm>
             <a:prstGeom prst="ellipse">
@@ -6220,7 +6220,7 @@
           </p:nvSpPr>
           <p:spPr>
             <a:xfrm>
-              <a:off x="6500411" y="2864243"/>
+              <a:off x="6518759" y="2883916"/>
               <a:ext cx="49651" cy="49651"/>
             </a:xfrm>
             <a:prstGeom prst="ellipse">
@@ -6255,7 +6255,7 @@
           </p:nvSpPr>
           <p:spPr>
             <a:xfrm>
-              <a:off x="3101331" y="2684425"/>
+              <a:off x="3103321" y="2662402"/>
               <a:ext cx="49651" cy="49651"/>
             </a:xfrm>
             <a:prstGeom prst="ellipse">
@@ -6290,7 +6290,7 @@
           </p:nvSpPr>
           <p:spPr>
             <a:xfrm>
-              <a:off x="6523586" y="2269472"/>
+              <a:off x="6498809" y="2289918"/>
               <a:ext cx="49651" cy="49651"/>
             </a:xfrm>
             <a:prstGeom prst="ellipse">
@@ -6325,7 +6325,7 @@
           </p:nvSpPr>
           <p:spPr>
             <a:xfrm>
-              <a:off x="3086186" y="2151657"/>
+              <a:off x="3137437" y="2156378"/>
               <a:ext cx="49651" cy="49651"/>
             </a:xfrm>
             <a:prstGeom prst="ellipse">
@@ -6360,7 +6360,7 @@
           </p:nvSpPr>
           <p:spPr>
             <a:xfrm>
-              <a:off x="6548997" y="3062405"/>
+              <a:off x="6502613" y="3074865"/>
               <a:ext cx="49651" cy="49651"/>
             </a:xfrm>
             <a:prstGeom prst="ellipse">
@@ -6395,7 +6395,7 @@
           </p:nvSpPr>
           <p:spPr>
             <a:xfrm>
-              <a:off x="3096715" y="2466153"/>
+              <a:off x="3107000" y="2468319"/>
               <a:ext cx="49651" cy="49651"/>
             </a:xfrm>
             <a:prstGeom prst="ellipse">
@@ -6430,7 +6430,7 @@
           </p:nvSpPr>
           <p:spPr>
             <a:xfrm>
-              <a:off x="6501748" y="3671614"/>
+              <a:off x="6524559" y="3663874"/>
               <a:ext cx="49651" cy="49651"/>
             </a:xfrm>
             <a:prstGeom prst="ellipse">
@@ -6465,7 +6465,7 @@
           </p:nvSpPr>
           <p:spPr>
             <a:xfrm>
-              <a:off x="3102507" y="2670748"/>
+              <a:off x="3116042" y="2676470"/>
               <a:ext cx="49651" cy="49651"/>
             </a:xfrm>
             <a:prstGeom prst="ellipse">
@@ -6500,7 +6500,7 @@
           </p:nvSpPr>
           <p:spPr>
             <a:xfrm>
-              <a:off x="6539113" y="3880524"/>
+              <a:off x="6502685" y="3870223"/>
               <a:ext cx="49651" cy="49651"/>
             </a:xfrm>
             <a:prstGeom prst="ellipse">
@@ -6535,7 +6535,7 @@
           </p:nvSpPr>
           <p:spPr>
             <a:xfrm>
-              <a:off x="3124056" y="1875199"/>
+              <a:off x="3133371" y="1887151"/>
               <a:ext cx="49651" cy="49651"/>
             </a:xfrm>
             <a:prstGeom prst="ellipse">
@@ -6570,7 +6570,7 @@
           </p:nvSpPr>
           <p:spPr>
             <a:xfrm>
-              <a:off x="6514022" y="2890753"/>
+              <a:off x="6509273" y="2880645"/>
               <a:ext cx="49651" cy="49651"/>
             </a:xfrm>
             <a:prstGeom prst="ellipse">
@@ -6605,7 +6605,7 @@
           </p:nvSpPr>
           <p:spPr>
             <a:xfrm>
-              <a:off x="3145590" y="2867179"/>
+              <a:off x="3136026" y="2870878"/>
               <a:ext cx="49651" cy="49651"/>
             </a:xfrm>
             <a:prstGeom prst="ellipse">
@@ -6640,7 +6640,7 @@
           </p:nvSpPr>
           <p:spPr>
             <a:xfrm>
-              <a:off x="6518923" y="3474518"/>
+              <a:off x="6537664" y="3454276"/>
               <a:ext cx="49651" cy="49651"/>
             </a:xfrm>
             <a:prstGeom prst="ellipse">
@@ -6675,7 +6675,7 @@
           </p:nvSpPr>
           <p:spPr>
             <a:xfrm>
-              <a:off x="3082098" y="4846474"/>
+              <a:off x="3146200" y="4865990"/>
               <a:ext cx="49651" cy="49651"/>
             </a:xfrm>
             <a:prstGeom prst="ellipse">
@@ -6710,7 +6710,7 @@
           </p:nvSpPr>
           <p:spPr>
             <a:xfrm>
-              <a:off x="6506202" y="3277138"/>
+              <a:off x="6556636" y="3281129"/>
               <a:ext cx="49651" cy="49651"/>
             </a:xfrm>
             <a:prstGeom prst="ellipse">
@@ -6745,7 +6745,7 @@
           </p:nvSpPr>
           <p:spPr>
             <a:xfrm>
-              <a:off x="3097301" y="1678937"/>
+              <a:off x="3139767" y="1693619"/>
               <a:ext cx="49651" cy="49651"/>
             </a:xfrm>
             <a:prstGeom prst="ellipse">
@@ -6780,7 +6780,7 @@
           </p:nvSpPr>
           <p:spPr>
             <a:xfrm>
-              <a:off x="6534326" y="2072237"/>
+              <a:off x="6508539" y="2078684"/>
               <a:ext cx="49651" cy="49651"/>
             </a:xfrm>
             <a:prstGeom prst="ellipse">
@@ -6815,7 +6815,7 @@
           </p:nvSpPr>
           <p:spPr>
             <a:xfrm>
-              <a:off x="3094820" y="4262494"/>
+              <a:off x="3098286" y="4248424"/>
               <a:ext cx="49651" cy="49651"/>
             </a:xfrm>
             <a:prstGeom prst="ellipse">
@@ -6850,7 +6850,7 @@
           </p:nvSpPr>
           <p:spPr>
             <a:xfrm>
-              <a:off x="6550110" y="4079695"/>
+              <a:off x="6550361" y="4061273"/>
               <a:ext cx="49651" cy="49651"/>
             </a:xfrm>
             <a:prstGeom prst="ellipse">
@@ -6885,7 +6885,7 @@
           </p:nvSpPr>
           <p:spPr>
             <a:xfrm>
-              <a:off x="3096134" y="2298345"/>
+              <a:off x="3135614" y="2288915"/>
               <a:ext cx="49651" cy="49651"/>
             </a:xfrm>
             <a:prstGeom prst="ellipse">
@@ -6920,7 +6920,7 @@
           </p:nvSpPr>
           <p:spPr>
             <a:xfrm>
-              <a:off x="6501440" y="2680873"/>
+              <a:off x="6554296" y="2676868"/>
               <a:ext cx="49651" cy="49651"/>
             </a:xfrm>
             <a:prstGeom prst="ellipse">
@@ -6955,7 +6955,7 @@
           </p:nvSpPr>
           <p:spPr>
             <a:xfrm>
-              <a:off x="3113288" y="2294440"/>
+              <a:off x="3109924" y="2286035"/>
               <a:ext cx="49651" cy="49651"/>
             </a:xfrm>
             <a:prstGeom prst="ellipse">
@@ -6990,7 +6990,7 @@
           </p:nvSpPr>
           <p:spPr>
             <a:xfrm>
-              <a:off x="6547621" y="2073277"/>
+              <a:off x="6498315" y="2098099"/>
               <a:ext cx="49651" cy="49651"/>
             </a:xfrm>
             <a:prstGeom prst="ellipse">
@@ -7025,7 +7025,7 @@
           </p:nvSpPr>
           <p:spPr>
             <a:xfrm>
-              <a:off x="3091872" y="1694645"/>
+              <a:off x="3110198" y="1692625"/>
               <a:ext cx="49651" cy="49651"/>
             </a:xfrm>
             <a:prstGeom prst="ellipse">
@@ -7060,7 +7060,7 @@
           </p:nvSpPr>
           <p:spPr>
             <a:xfrm>
-              <a:off x="6498266" y="3090847"/>
+              <a:off x="6494459" y="3085273"/>
               <a:ext cx="49651" cy="49651"/>
             </a:xfrm>
             <a:prstGeom prst="ellipse">
@@ -7095,7 +7095,7 @@
           </p:nvSpPr>
           <p:spPr>
             <a:xfrm>
-              <a:off x="3110292" y="4075397"/>
+              <a:off x="3106389" y="4048976"/>
               <a:ext cx="49651" cy="49651"/>
             </a:xfrm>
             <a:prstGeom prst="ellipse">
@@ -7130,7 +7130,7 @@
           </p:nvSpPr>
           <p:spPr>
             <a:xfrm>
-              <a:off x="6554356" y="4079875"/>
+              <a:off x="6556493" y="4066758"/>
               <a:ext cx="49651" cy="49651"/>
             </a:xfrm>
             <a:prstGeom prst="ellipse">
@@ -7165,7 +7165,7 @@
           </p:nvSpPr>
           <p:spPr>
             <a:xfrm>
-              <a:off x="3110202" y="1878365"/>
+              <a:off x="3107064" y="1869301"/>
               <a:ext cx="49651" cy="49651"/>
             </a:xfrm>
             <a:prstGeom prst="ellipse">
@@ -7200,7 +7200,7 @@
           </p:nvSpPr>
           <p:spPr>
             <a:xfrm>
-              <a:off x="6552970" y="4452137"/>
+              <a:off x="6522091" y="4459161"/>
               <a:ext cx="49651" cy="49651"/>
             </a:xfrm>
             <a:prstGeom prst="ellipse">
@@ -7235,7 +7235,7 @@
           </p:nvSpPr>
           <p:spPr>
             <a:xfrm>
-              <a:off x="3144583" y="3267696"/>
+              <a:off x="3125826" y="3282763"/>
               <a:ext cx="49651" cy="49651"/>
             </a:xfrm>
             <a:prstGeom prst="ellipse">
@@ -7270,7 +7270,7 @@
           </p:nvSpPr>
           <p:spPr>
             <a:xfrm>
-              <a:off x="6560063" y="2875466"/>
+              <a:off x="6529060" y="2859842"/>
               <a:ext cx="49651" cy="49651"/>
             </a:xfrm>
             <a:prstGeom prst="ellipse">
@@ -7305,7 +7305,7 @@
           </p:nvSpPr>
           <p:spPr>
             <a:xfrm>
-              <a:off x="3089489" y="1684785"/>
+              <a:off x="3090411" y="1695314"/>
               <a:ext cx="49651" cy="49651"/>
             </a:xfrm>
             <a:prstGeom prst="ellipse">
@@ -7340,7 +7340,7 @@
           </p:nvSpPr>
           <p:spPr>
             <a:xfrm>
-              <a:off x="6530852" y="4454018"/>
+              <a:off x="6493373" y="4472230"/>
               <a:ext cx="49651" cy="49651"/>
             </a:xfrm>
             <a:prstGeom prst="ellipse">
@@ -7375,7 +7375,7 @@
           </p:nvSpPr>
           <p:spPr>
             <a:xfrm>
-              <a:off x="3119351" y="2476331"/>
+              <a:off x="3107105" y="2487051"/>
               <a:ext cx="49651" cy="49651"/>
             </a:xfrm>
             <a:prstGeom prst="ellipse">
@@ -7410,7 +7410,7 @@
           </p:nvSpPr>
           <p:spPr>
             <a:xfrm>
-              <a:off x="6498509" y="3667289"/>
+              <a:off x="6514538" y="3664059"/>
               <a:ext cx="49651" cy="49651"/>
             </a:xfrm>
             <a:prstGeom prst="ellipse">
@@ -7445,7 +7445,7 @@
           </p:nvSpPr>
           <p:spPr>
             <a:xfrm>
-              <a:off x="3087896" y="2881651"/>
+              <a:off x="3128348" y="2871223"/>
               <a:ext cx="49651" cy="49651"/>
             </a:xfrm>
             <a:prstGeom prst="ellipse">
@@ -7480,7 +7480,7 @@
           </p:nvSpPr>
           <p:spPr>
             <a:xfrm>
-              <a:off x="6496312" y="3877576"/>
+              <a:off x="6554432" y="3874111"/>
               <a:ext cx="49651" cy="49651"/>
             </a:xfrm>
             <a:prstGeom prst="ellipse">
@@ -7515,7 +7515,7 @@
           </p:nvSpPr>
           <p:spPr>
             <a:xfrm>
-              <a:off x="3093524" y="1676625"/>
+              <a:off x="3126862" y="1673503"/>
               <a:ext cx="49651" cy="49651"/>
             </a:xfrm>
             <a:prstGeom prst="ellipse">
@@ -7550,7 +7550,7 @@
           </p:nvSpPr>
           <p:spPr>
             <a:xfrm>
-              <a:off x="6534843" y="2671301"/>
+              <a:off x="6524717" y="2683630"/>
               <a:ext cx="49651" cy="49651"/>
             </a:xfrm>
             <a:prstGeom prst="ellipse">
@@ -7585,7 +7585,7 @@
           </p:nvSpPr>
           <p:spPr>
             <a:xfrm>
-              <a:off x="3131287" y="2113468"/>
+              <a:off x="3129354" y="2124278"/>
               <a:ext cx="49651" cy="49651"/>
             </a:xfrm>
             <a:prstGeom prst="ellipse">
@@ -7620,7 +7620,7 @@
           </p:nvSpPr>
           <p:spPr>
             <a:xfrm>
-              <a:off x="6535212" y="2122531"/>
+              <a:off x="6540325" y="2129185"/>
               <a:ext cx="49651" cy="49651"/>
             </a:xfrm>
             <a:prstGeom prst="ellipse">
@@ -7655,7 +7655,7 @@
           </p:nvSpPr>
           <p:spPr>
             <a:xfrm>
-              <a:off x="3082215" y="3659381"/>
+              <a:off x="3141777" y="3674390"/>
               <a:ext cx="49651" cy="49651"/>
             </a:xfrm>
             <a:prstGeom prst="ellipse">
@@ -7690,7 +7690,7 @@
           </p:nvSpPr>
           <p:spPr>
             <a:xfrm>
-              <a:off x="6496435" y="3685300"/>
+              <a:off x="6549909" y="3656330"/>
               <a:ext cx="49651" cy="49651"/>
             </a:xfrm>
             <a:prstGeom prst="ellipse">
@@ -7725,7 +7725,7 @@
           </p:nvSpPr>
           <p:spPr>
             <a:xfrm>
-              <a:off x="3129290" y="2072870"/>
+              <a:off x="3103805" y="2091092"/>
               <a:ext cx="49651" cy="49651"/>
             </a:xfrm>
             <a:prstGeom prst="ellipse">
@@ -7760,7 +7760,7 @@
           </p:nvSpPr>
           <p:spPr>
             <a:xfrm>
-              <a:off x="6519259" y="3268393"/>
+              <a:off x="6498964" y="3280108"/>
               <a:ext cx="49651" cy="49651"/>
             </a:xfrm>
             <a:prstGeom prst="ellipse">
@@ -7795,7 +7795,7 @@
           </p:nvSpPr>
           <p:spPr>
             <a:xfrm>
-              <a:off x="3146956" y="2270468"/>
+              <a:off x="3144655" y="2265827"/>
               <a:ext cx="49651" cy="49651"/>
             </a:xfrm>
             <a:prstGeom prst="ellipse">
@@ -7830,7 +7830,7 @@
           </p:nvSpPr>
           <p:spPr>
             <a:xfrm>
-              <a:off x="6536166" y="3673748"/>
+              <a:off x="6557217" y="3666380"/>
               <a:ext cx="49651" cy="49651"/>
             </a:xfrm>
             <a:prstGeom prst="ellipse">
@@ -7865,7 +7865,7 @@
           </p:nvSpPr>
           <p:spPr>
             <a:xfrm>
-              <a:off x="3091412" y="2688142"/>
+              <a:off x="3121782" y="2666581"/>
               <a:ext cx="49651" cy="49651"/>
             </a:xfrm>
             <a:prstGeom prst="ellipse">
@@ -7900,7 +7900,7 @@
           </p:nvSpPr>
           <p:spPr>
             <a:xfrm>
-              <a:off x="6510630" y="3275454"/>
+              <a:off x="6514011" y="3276325"/>
               <a:ext cx="49651" cy="49651"/>
             </a:xfrm>
             <a:prstGeom prst="ellipse">
@@ -7935,7 +7935,7 @@
           </p:nvSpPr>
           <p:spPr>
             <a:xfrm>
-              <a:off x="3126297" y="1884850"/>
+              <a:off x="3114069" y="1869188"/>
               <a:ext cx="49651" cy="49651"/>
             </a:xfrm>
             <a:prstGeom prst="ellipse">
@@ -7970,7 +7970,7 @@
           </p:nvSpPr>
           <p:spPr>
             <a:xfrm>
-              <a:off x="6506158" y="2082501"/>
+              <a:off x="6528314" y="2082331"/>
               <a:ext cx="49651" cy="49651"/>
             </a:xfrm>
             <a:prstGeom prst="ellipse">
@@ -8005,7 +8005,7 @@
           </p:nvSpPr>
           <p:spPr>
             <a:xfrm>
-              <a:off x="3082841" y="2881241"/>
+              <a:off x="3141271" y="2885974"/>
               <a:ext cx="49651" cy="49651"/>
             </a:xfrm>
             <a:prstGeom prst="ellipse">
@@ -8040,7 +8040,7 @@
           </p:nvSpPr>
           <p:spPr>
             <a:xfrm>
-              <a:off x="6520391" y="2493571"/>
+              <a:off x="6518140" y="2486601"/>
               <a:ext cx="49651" cy="49651"/>
             </a:xfrm>
             <a:prstGeom prst="ellipse">
@@ -8075,7 +8075,7 @@
           </p:nvSpPr>
           <p:spPr>
             <a:xfrm>
-              <a:off x="3085616" y="2078245"/>
+              <a:off x="3144952" y="2092690"/>
               <a:ext cx="49651" cy="49651"/>
             </a:xfrm>
             <a:prstGeom prst="ellipse">
@@ -8110,7 +8110,7 @@
           </p:nvSpPr>
           <p:spPr>
             <a:xfrm>
-              <a:off x="6513144" y="3671943"/>
+              <a:off x="6516958" y="3658906"/>
               <a:ext cx="49651" cy="49651"/>
             </a:xfrm>
             <a:prstGeom prst="ellipse">
@@ -8145,7 +8145,7 @@
           </p:nvSpPr>
           <p:spPr>
             <a:xfrm>
-              <a:off x="3115809" y="2387693"/>
+              <a:off x="3142570" y="2389507"/>
               <a:ext cx="49651" cy="49651"/>
             </a:xfrm>
             <a:prstGeom prst="ellipse">
@@ -8180,7 +8180,7 @@
           </p:nvSpPr>
           <p:spPr>
             <a:xfrm>
-              <a:off x="6554381" y="4276575"/>
+              <a:off x="6514079" y="4267748"/>
               <a:ext cx="49651" cy="49651"/>
             </a:xfrm>
             <a:prstGeom prst="ellipse">
@@ -8215,7 +8215,7 @@
           </p:nvSpPr>
           <p:spPr>
             <a:xfrm>
-              <a:off x="3114934" y="2279498"/>
+              <a:off x="3095878" y="2276255"/>
               <a:ext cx="49651" cy="49651"/>
             </a:xfrm>
             <a:prstGeom prst="ellipse">
@@ -8250,7 +8250,7 @@
           </p:nvSpPr>
           <p:spPr>
             <a:xfrm>
-              <a:off x="6551718" y="2691209"/>
+              <a:off x="6559889" y="2682783"/>
               <a:ext cx="49651" cy="49651"/>
             </a:xfrm>
             <a:prstGeom prst="ellipse">
@@ -8285,7 +8285,7 @@
           </p:nvSpPr>
           <p:spPr>
             <a:xfrm>
-              <a:off x="3091893" y="3674493"/>
+              <a:off x="3084560" y="3656768"/>
               <a:ext cx="49651" cy="49651"/>
             </a:xfrm>
             <a:prstGeom prst="ellipse">
@@ -8320,7 +8320,7 @@
           </p:nvSpPr>
           <p:spPr>
             <a:xfrm>
-              <a:off x="6550531" y="3669527"/>
+              <a:off x="6513578" y="3679168"/>
               <a:ext cx="49651" cy="49651"/>
             </a:xfrm>
             <a:prstGeom prst="ellipse">
@@ -8355,7 +8355,7 @@
           </p:nvSpPr>
           <p:spPr>
             <a:xfrm>
-              <a:off x="3122118" y="2196365"/>
+              <a:off x="3094329" y="2208823"/>
               <a:ext cx="49651" cy="49651"/>
             </a:xfrm>
             <a:prstGeom prst="ellipse">
@@ -8390,7 +8390,7 @@
           </p:nvSpPr>
           <p:spPr>
             <a:xfrm>
-              <a:off x="6510624" y="2991503"/>
+              <a:off x="6497626" y="3002043"/>
               <a:ext cx="49651" cy="49651"/>
             </a:xfrm>
             <a:prstGeom prst="ellipse">
@@ -8425,7 +8425,7 @@
           </p:nvSpPr>
           <p:spPr>
             <a:xfrm>
-              <a:off x="3099104" y="2484675"/>
+              <a:off x="3112892" y="2488267"/>
               <a:ext cx="49651" cy="49651"/>
             </a:xfrm>
             <a:prstGeom prst="ellipse">
@@ -8460,7 +8460,7 @@
           </p:nvSpPr>
           <p:spPr>
             <a:xfrm>
-              <a:off x="6512422" y="2076480"/>
+              <a:off x="6554943" y="2075431"/>
               <a:ext cx="49651" cy="49651"/>
             </a:xfrm>
             <a:prstGeom prst="ellipse">
@@ -8495,7 +8495,7 @@
           </p:nvSpPr>
           <p:spPr>
             <a:xfrm>
-              <a:off x="3102748" y="2771616"/>
+              <a:off x="3082169" y="2743859"/>
               <a:ext cx="49651" cy="49651"/>
             </a:xfrm>
             <a:prstGeom prst="ellipse">
@@ -8530,7 +8530,7 @@
           </p:nvSpPr>
           <p:spPr>
             <a:xfrm>
-              <a:off x="6524700" y="4194000"/>
+              <a:off x="6531462" y="4188999"/>
               <a:ext cx="49651" cy="49651"/>
             </a:xfrm>
             <a:prstGeom prst="ellipse">
@@ -8565,7 +8565,7 @@
           </p:nvSpPr>
           <p:spPr>
             <a:xfrm>
-              <a:off x="3126356" y="2099924"/>
+              <a:off x="3083188" y="2081255"/>
               <a:ext cx="49651" cy="49651"/>
             </a:xfrm>
             <a:prstGeom prst="ellipse">
@@ -8600,7 +8600,7 @@
           </p:nvSpPr>
           <p:spPr>
             <a:xfrm>
-              <a:off x="6552351" y="4469057"/>
+              <a:off x="6517807" y="4461978"/>
               <a:ext cx="49651" cy="49651"/>
             </a:xfrm>
             <a:prstGeom prst="ellipse">
@@ -8635,7 +8635,7 @@
           </p:nvSpPr>
           <p:spPr>
             <a:xfrm>
-              <a:off x="3091844" y="3667828"/>
+              <a:off x="3145566" y="3667617"/>
               <a:ext cx="49651" cy="49651"/>
             </a:xfrm>
             <a:prstGeom prst="ellipse">
@@ -8670,7 +8670,7 @@
           </p:nvSpPr>
           <p:spPr>
             <a:xfrm>
-              <a:off x="6529626" y="4661127"/>
+              <a:off x="6559016" y="4659568"/>
               <a:ext cx="49651" cy="49651"/>
             </a:xfrm>
             <a:prstGeom prst="ellipse">
@@ -8705,7 +8705,7 @@
           </p:nvSpPr>
           <p:spPr>
             <a:xfrm>
-              <a:off x="3082194" y="2287046"/>
+              <a:off x="3123641" y="2286842"/>
               <a:ext cx="49651" cy="49651"/>
             </a:xfrm>
             <a:prstGeom prst="ellipse">
@@ -8740,7 +8740,7 @@
           </p:nvSpPr>
           <p:spPr>
             <a:xfrm>
-              <a:off x="6517775" y="3475693"/>
+              <a:off x="6526774" y="3477027"/>
               <a:ext cx="49651" cy="49651"/>
             </a:xfrm>
             <a:prstGeom prst="ellipse">
@@ -8775,7 +8775,7 @@
           </p:nvSpPr>
           <p:spPr>
             <a:xfrm>
-              <a:off x="3125501" y="2082039"/>
+              <a:off x="3134616" y="2080624"/>
               <a:ext cx="49651" cy="49651"/>
             </a:xfrm>
             <a:prstGeom prst="ellipse">
@@ -8810,7 +8810,7 @@
           </p:nvSpPr>
           <p:spPr>
             <a:xfrm>
-              <a:off x="6506564" y="5055627"/>
+              <a:off x="6552081" y="5039619"/>
               <a:ext cx="49651" cy="49651"/>
             </a:xfrm>
             <a:prstGeom prst="ellipse">
@@ -8845,7 +8845,7 @@
           </p:nvSpPr>
           <p:spPr>
             <a:xfrm>
-              <a:off x="3104858" y="2287925"/>
+              <a:off x="3121002" y="2268693"/>
               <a:ext cx="49651" cy="49651"/>
             </a:xfrm>
             <a:prstGeom prst="ellipse">
@@ -8880,7 +8880,7 @@
           </p:nvSpPr>
           <p:spPr>
             <a:xfrm>
-              <a:off x="6492005" y="1889824"/>
+              <a:off x="6544950" y="1869729"/>
               <a:ext cx="49651" cy="49651"/>
             </a:xfrm>
             <a:prstGeom prst="ellipse">
@@ -8915,7 +8915,7 @@
           </p:nvSpPr>
           <p:spPr>
             <a:xfrm>
-              <a:off x="3123576" y="3090604"/>
+              <a:off x="3082328" y="3062471"/>
               <a:ext cx="49651" cy="49651"/>
             </a:xfrm>
             <a:prstGeom prst="ellipse">
@@ -8950,7 +8950,7 @@
           </p:nvSpPr>
           <p:spPr>
             <a:xfrm>
-              <a:off x="6556716" y="2466119"/>
+              <a:off x="6556554" y="2466020"/>
               <a:ext cx="49651" cy="49651"/>
             </a:xfrm>
             <a:prstGeom prst="ellipse">
@@ -8985,7 +8985,7 @@
           </p:nvSpPr>
           <p:spPr>
             <a:xfrm>
-              <a:off x="3127170" y="4457497"/>
+              <a:off x="3085471" y="4469087"/>
               <a:ext cx="49651" cy="49651"/>
             </a:xfrm>
             <a:prstGeom prst="ellipse">
@@ -9020,7 +9020,7 @@
           </p:nvSpPr>
           <p:spPr>
             <a:xfrm>
-              <a:off x="6517557" y="2881419"/>
+              <a:off x="6537138" y="2865689"/>
               <a:ext cx="49651" cy="49651"/>
             </a:xfrm>
             <a:prstGeom prst="ellipse">
@@ -9055,7 +9055,7 @@
           </p:nvSpPr>
           <p:spPr>
             <a:xfrm>
-              <a:off x="3094635" y="4464353"/>
+              <a:off x="3101459" y="4465051"/>
               <a:ext cx="49651" cy="49651"/>
             </a:xfrm>
             <a:prstGeom prst="ellipse">
@@ -9090,7 +9090,7 @@
           </p:nvSpPr>
           <p:spPr>
             <a:xfrm>
-              <a:off x="6519465" y="4063495"/>
+              <a:off x="6542450" y="4061284"/>
               <a:ext cx="49651" cy="49651"/>
             </a:xfrm>
             <a:prstGeom prst="ellipse">
@@ -9125,7 +9125,7 @@
           </p:nvSpPr>
           <p:spPr>
             <a:xfrm>
-              <a:off x="3112572" y="2695036"/>
+              <a:off x="3108326" y="2687610"/>
               <a:ext cx="49651" cy="49651"/>
             </a:xfrm>
             <a:prstGeom prst="ellipse">
@@ -9160,7 +9160,7 @@
           </p:nvSpPr>
           <p:spPr>
             <a:xfrm>
-              <a:off x="6550759" y="3657704"/>
+              <a:off x="6529937" y="3676179"/>
               <a:ext cx="49651" cy="49651"/>
             </a:xfrm>
             <a:prstGeom prst="ellipse">
@@ -9195,7 +9195,7 @@
           </p:nvSpPr>
           <p:spPr>
             <a:xfrm>
-              <a:off x="3145205" y="2281301"/>
+              <a:off x="3095324" y="2274026"/>
               <a:ext cx="49651" cy="49651"/>
             </a:xfrm>
             <a:prstGeom prst="ellipse">
@@ -9230,7 +9230,7 @@
           </p:nvSpPr>
           <p:spPr>
             <a:xfrm>
-              <a:off x="6500494" y="3866429"/>
+              <a:off x="6498888" y="3873796"/>
               <a:ext cx="49651" cy="49651"/>
             </a:xfrm>
             <a:prstGeom prst="ellipse">
@@ -9265,7 +9265,7 @@
           </p:nvSpPr>
           <p:spPr>
             <a:xfrm>
-              <a:off x="3116717" y="1886232"/>
+              <a:off x="3086466" y="1882448"/>
               <a:ext cx="49651" cy="49651"/>
             </a:xfrm>
             <a:prstGeom prst="ellipse">
@@ -9300,7 +9300,7 @@
           </p:nvSpPr>
           <p:spPr>
             <a:xfrm>
-              <a:off x="6505658" y="3065560"/>
+              <a:off x="6503880" y="3069771"/>
               <a:ext cx="49651" cy="49651"/>
             </a:xfrm>
             <a:prstGeom prst="ellipse">
@@ -9335,7 +9335,7 @@
           </p:nvSpPr>
           <p:spPr>
             <a:xfrm>
-              <a:off x="3079937" y="2876681"/>
+              <a:off x="3112797" y="2873331"/>
               <a:ext cx="49651" cy="49651"/>
             </a:xfrm>
             <a:prstGeom prst="ellipse">
@@ -9370,7 +9370,7 @@
           </p:nvSpPr>
           <p:spPr>
             <a:xfrm>
-              <a:off x="6538454" y="4454022"/>
+              <a:off x="6522349" y="4460494"/>
               <a:ext cx="49651" cy="49651"/>
             </a:xfrm>
             <a:prstGeom prst="ellipse">
@@ -9405,7 +9405,7 @@
           </p:nvSpPr>
           <p:spPr>
             <a:xfrm>
-              <a:off x="3125530" y="2079123"/>
+              <a:off x="3099839" y="2086500"/>
               <a:ext cx="49651" cy="49651"/>
             </a:xfrm>
             <a:prstGeom prst="ellipse">
@@ -9440,7 +9440,7 @@
           </p:nvSpPr>
           <p:spPr>
             <a:xfrm>
-              <a:off x="6557476" y="2079895"/>
+              <a:off x="6523321" y="2076401"/>
               <a:ext cx="49651" cy="49651"/>
             </a:xfrm>
             <a:prstGeom prst="ellipse">
@@ -9475,7 +9475,7 @@
           </p:nvSpPr>
           <p:spPr>
             <a:xfrm>
-              <a:off x="3083758" y="2685508"/>
+              <a:off x="3096864" y="2667311"/>
               <a:ext cx="49651" cy="49651"/>
             </a:xfrm>
             <a:prstGeom prst="ellipse">
@@ -9510,7 +9510,7 @@
           </p:nvSpPr>
           <p:spPr>
             <a:xfrm>
-              <a:off x="6495667" y="3264906"/>
+              <a:off x="6511000" y="3271944"/>
               <a:ext cx="49651" cy="49651"/>
             </a:xfrm>
             <a:prstGeom prst="ellipse">
@@ -9545,7 +9545,7 @@
           </p:nvSpPr>
           <p:spPr>
             <a:xfrm>
-              <a:off x="3123927" y="3271547"/>
+              <a:off x="3144560" y="3281585"/>
               <a:ext cx="49651" cy="49651"/>
             </a:xfrm>
             <a:prstGeom prst="ellipse">
@@ -9580,7 +9580,7 @@
           </p:nvSpPr>
           <p:spPr>
             <a:xfrm>
-              <a:off x="6512850" y="3678552"/>
+              <a:off x="6533680" y="3671526"/>
               <a:ext cx="49651" cy="49651"/>
             </a:xfrm>
             <a:prstGeom prst="ellipse">
@@ -9615,7 +9615,7 @@
           </p:nvSpPr>
           <p:spPr>
             <a:xfrm>
-              <a:off x="3080833" y="2071260"/>
+              <a:off x="3143290" y="2090974"/>
               <a:ext cx="49651" cy="49651"/>
             </a:xfrm>
             <a:prstGeom prst="ellipse">
@@ -9650,7 +9650,7 @@
           </p:nvSpPr>
           <p:spPr>
             <a:xfrm>
-              <a:off x="6521376" y="3262720"/>
+              <a:off x="6537973" y="3273792"/>
               <a:ext cx="49651" cy="49651"/>
             </a:xfrm>
             <a:prstGeom prst="ellipse">
@@ -9685,7 +9685,7 @@
           </p:nvSpPr>
           <p:spPr>
             <a:xfrm>
-              <a:off x="3131875" y="2888515"/>
+              <a:off x="3125631" y="2862570"/>
               <a:ext cx="49651" cy="49651"/>
             </a:xfrm>
             <a:prstGeom prst="ellipse">
@@ -9720,7 +9720,7 @@
           </p:nvSpPr>
           <p:spPr>
             <a:xfrm>
-              <a:off x="6527256" y="2494518"/>
+              <a:off x="6521337" y="2490717"/>
               <a:ext cx="49651" cy="49651"/>
             </a:xfrm>
             <a:prstGeom prst="ellipse">
@@ -9755,7 +9755,7 @@
           </p:nvSpPr>
           <p:spPr>
             <a:xfrm>
-              <a:off x="3107061" y="3684488"/>
+              <a:off x="3140310" y="3675401"/>
               <a:ext cx="49651" cy="49651"/>
             </a:xfrm>
             <a:prstGeom prst="ellipse">
@@ -9790,7 +9790,7 @@
           </p:nvSpPr>
           <p:spPr>
             <a:xfrm>
-              <a:off x="6542225" y="2870522"/>
+              <a:off x="6549877" y="2888340"/>
               <a:ext cx="49651" cy="49651"/>
             </a:xfrm>
             <a:prstGeom prst="ellipse">
@@ -9825,7 +9825,7 @@
           </p:nvSpPr>
           <p:spPr>
             <a:xfrm>
-              <a:off x="6497252" y="3269903"/>
+              <a:off x="6539841" y="3261467"/>
               <a:ext cx="49651" cy="49651"/>
             </a:xfrm>
             <a:prstGeom prst="ellipse">
@@ -9860,7 +9860,7 @@
           </p:nvSpPr>
           <p:spPr>
             <a:xfrm>
-              <a:off x="3111634" y="2870755"/>
+              <a:off x="3137226" y="2875868"/>
               <a:ext cx="49651" cy="49651"/>
             </a:xfrm>
             <a:prstGeom prst="ellipse">
@@ -9895,7 +9895,7 @@
           </p:nvSpPr>
           <p:spPr>
             <a:xfrm>
-              <a:off x="6517384" y="2480613"/>
+              <a:off x="6509215" y="2477846"/>
               <a:ext cx="49651" cy="49651"/>
             </a:xfrm>
             <a:prstGeom prst="ellipse">
@@ -9930,7 +9930,7 @@
           </p:nvSpPr>
           <p:spPr>
             <a:xfrm>
-              <a:off x="3108783" y="1686921"/>
+              <a:off x="3131745" y="1683365"/>
               <a:ext cx="49651" cy="49651"/>
             </a:xfrm>
             <a:prstGeom prst="ellipse">
@@ -9965,7 +9965,7 @@
           </p:nvSpPr>
           <p:spPr>
             <a:xfrm>
-              <a:off x="6499178" y="2866212"/>
+              <a:off x="6539991" y="2859655"/>
               <a:ext cx="49651" cy="49651"/>
             </a:xfrm>
             <a:prstGeom prst="ellipse">
@@ -10000,7 +10000,7 @@
           </p:nvSpPr>
           <p:spPr>
             <a:xfrm>
-              <a:off x="3133304" y="2886584"/>
+              <a:off x="3098245" y="2860340"/>
               <a:ext cx="49651" cy="49651"/>
             </a:xfrm>
             <a:prstGeom prst="ellipse">
@@ -10035,7 +10035,7 @@
           </p:nvSpPr>
           <p:spPr>
             <a:xfrm>
-              <a:off x="6512274" y="2560299"/>
+              <a:off x="6509663" y="2551625"/>
               <a:ext cx="49651" cy="49651"/>
             </a:xfrm>
             <a:prstGeom prst="ellipse">
@@ -10070,7 +10070,7 @@
           </p:nvSpPr>
           <p:spPr>
             <a:xfrm>
-              <a:off x="3133591" y="1889312"/>
+              <a:off x="3127022" y="1880358"/>
               <a:ext cx="49651" cy="49651"/>
             </a:xfrm>
             <a:prstGeom prst="ellipse">
@@ -10105,7 +10105,7 @@
           </p:nvSpPr>
           <p:spPr>
             <a:xfrm>
-              <a:off x="6532399" y="2465402"/>
+              <a:off x="6501414" y="2469204"/>
               <a:ext cx="49651" cy="49651"/>
             </a:xfrm>
             <a:prstGeom prst="ellipse">
@@ -10140,7 +10140,7 @@
           </p:nvSpPr>
           <p:spPr>
             <a:xfrm>
-              <a:off x="3106691" y="2083500"/>
+              <a:off x="3123130" y="2081290"/>
               <a:ext cx="49651" cy="49651"/>
             </a:xfrm>
             <a:prstGeom prst="ellipse">
@@ -10175,7 +10175,7 @@
           </p:nvSpPr>
           <p:spPr>
             <a:xfrm>
-              <a:off x="6542975" y="2869040"/>
+              <a:off x="6515205" y="2877223"/>
               <a:ext cx="49651" cy="49651"/>
             </a:xfrm>
             <a:prstGeom prst="ellipse">
@@ -10210,7 +10210,7 @@
           </p:nvSpPr>
           <p:spPr>
             <a:xfrm>
-              <a:off x="3128832" y="1753392"/>
+              <a:off x="3082609" y="1765688"/>
               <a:ext cx="49651" cy="49651"/>
             </a:xfrm>
             <a:prstGeom prst="ellipse">
@@ -10245,7 +10245,7 @@
           </p:nvSpPr>
           <p:spPr>
             <a:xfrm>
-              <a:off x="6544551" y="1743049"/>
+              <a:off x="6543339" y="1733710"/>
               <a:ext cx="49651" cy="49651"/>
             </a:xfrm>
             <a:prstGeom prst="ellipse">
@@ -10280,7 +10280,7 @@
           </p:nvSpPr>
           <p:spPr>
             <a:xfrm>
-              <a:off x="3082377" y="4054808"/>
+              <a:off x="3082907" y="4074976"/>
               <a:ext cx="49651" cy="49651"/>
             </a:xfrm>
             <a:prstGeom prst="ellipse">
@@ -10315,7 +10315,7 @@
           </p:nvSpPr>
           <p:spPr>
             <a:xfrm>
-              <a:off x="6543267" y="2892581"/>
+              <a:off x="6535075" y="2870386"/>
               <a:ext cx="49651" cy="49651"/>
             </a:xfrm>
             <a:prstGeom prst="ellipse">
@@ -10350,7 +10350,7 @@
           </p:nvSpPr>
           <p:spPr>
             <a:xfrm>
-              <a:off x="3104143" y="2483351"/>
+              <a:off x="3106322" y="2472235"/>
               <a:ext cx="49651" cy="49651"/>
             </a:xfrm>
             <a:prstGeom prst="ellipse">
@@ -10385,7 +10385,7 @@
           </p:nvSpPr>
           <p:spPr>
             <a:xfrm>
-              <a:off x="6527256" y="2892920"/>
+              <a:off x="6495058" y="2878253"/>
               <a:ext cx="49651" cy="49651"/>
             </a:xfrm>
             <a:prstGeom prst="ellipse">
@@ -10420,7 +10420,7 @@
           </p:nvSpPr>
           <p:spPr>
             <a:xfrm>
-              <a:off x="3145167" y="3274073"/>
+              <a:off x="3102177" y="3260092"/>
               <a:ext cx="49651" cy="49651"/>
             </a:xfrm>
             <a:prstGeom prst="ellipse">
@@ -10455,7 +10455,7 @@
           </p:nvSpPr>
           <p:spPr>
             <a:xfrm>
-              <a:off x="6518262" y="2882335"/>
+              <a:off x="6497435" y="2863367"/>
               <a:ext cx="49651" cy="49651"/>
             </a:xfrm>
             <a:prstGeom prst="ellipse">
@@ -10490,7 +10490,7 @@
           </p:nvSpPr>
           <p:spPr>
             <a:xfrm>
-              <a:off x="3107698" y="2284825"/>
+              <a:off x="3146348" y="2266078"/>
               <a:ext cx="49651" cy="49651"/>
             </a:xfrm>
             <a:prstGeom prst="ellipse">
@@ -10525,7 +10525,7 @@
           </p:nvSpPr>
           <p:spPr>
             <a:xfrm>
-              <a:off x="6501398" y="4449742"/>
+              <a:off x="6541091" y="4472531"/>
               <a:ext cx="49651" cy="49651"/>
             </a:xfrm>
             <a:prstGeom prst="ellipse">
@@ -10560,7 +10560,7 @@
           </p:nvSpPr>
           <p:spPr>
             <a:xfrm>
-              <a:off x="3092530" y="2477251"/>
+              <a:off x="3098105" y="2490464"/>
               <a:ext cx="49651" cy="49651"/>
             </a:xfrm>
             <a:prstGeom prst="ellipse">
@@ -10595,7 +10595,7 @@
           </p:nvSpPr>
           <p:spPr>
             <a:xfrm>
-              <a:off x="6536498" y="3290696"/>
+              <a:off x="6513940" y="3255186"/>
               <a:ext cx="49651" cy="49651"/>
             </a:xfrm>
             <a:prstGeom prst="ellipse">
@@ -10630,7 +10630,7 @@
           </p:nvSpPr>
           <p:spPr>
             <a:xfrm>
-              <a:off x="3108170" y="2489664"/>
+              <a:off x="3122896" y="2464660"/>
               <a:ext cx="49651" cy="49651"/>
             </a:xfrm>
             <a:prstGeom prst="ellipse">
@@ -10665,7 +10665,7 @@
           </p:nvSpPr>
           <p:spPr>
             <a:xfrm>
-              <a:off x="6522683" y="5268931"/>
+              <a:off x="6532223" y="5258242"/>
               <a:ext cx="49651" cy="49651"/>
             </a:xfrm>
             <a:prstGeom prst="ellipse">
@@ -10700,7 +10700,7 @@
           </p:nvSpPr>
           <p:spPr>
             <a:xfrm>
-              <a:off x="3120426" y="3266943"/>
+              <a:off x="3111340" y="3274263"/>
               <a:ext cx="49651" cy="49651"/>
             </a:xfrm>
             <a:prstGeom prst="ellipse">
@@ -10735,7 +10735,7 @@
           </p:nvSpPr>
           <p:spPr>
             <a:xfrm>
-              <a:off x="6512713" y="4478998"/>
+              <a:off x="6503007" y="4447487"/>
               <a:ext cx="49651" cy="49651"/>
             </a:xfrm>
             <a:prstGeom prst="ellipse">
@@ -10770,7 +10770,7 @@
           </p:nvSpPr>
           <p:spPr>
             <a:xfrm>
-              <a:off x="3098395" y="2098219"/>
+              <a:off x="3080429" y="2074577"/>
               <a:ext cx="49651" cy="49651"/>
             </a:xfrm>
             <a:prstGeom prst="ellipse">
@@ -10805,7 +10805,7 @@
           </p:nvSpPr>
           <p:spPr>
             <a:xfrm>
-              <a:off x="6512780" y="4864773"/>
+              <a:off x="6550290" y="4868679"/>
               <a:ext cx="49651" cy="49651"/>
             </a:xfrm>
             <a:prstGeom prst="ellipse">
@@ -10840,7 +10840,7 @@
           </p:nvSpPr>
           <p:spPr>
             <a:xfrm>
-              <a:off x="3111788" y="2091731"/>
+              <a:off x="3103240" y="2074147"/>
               <a:ext cx="49651" cy="49651"/>
             </a:xfrm>
             <a:prstGeom prst="ellipse">
@@ -10875,7 +10875,7 @@
           </p:nvSpPr>
           <p:spPr>
             <a:xfrm>
-              <a:off x="6526900" y="1761910"/>
+              <a:off x="6500685" y="1764755"/>
               <a:ext cx="49651" cy="49651"/>
             </a:xfrm>
             <a:prstGeom prst="ellipse">
@@ -10910,7 +10910,7 @@
           </p:nvSpPr>
           <p:spPr>
             <a:xfrm>
-              <a:off x="3136247" y="1720136"/>
+              <a:off x="3086640" y="1718837"/>
               <a:ext cx="49651" cy="49651"/>
             </a:xfrm>
             <a:prstGeom prst="ellipse">
@@ -10945,7 +10945,7 @@
           </p:nvSpPr>
           <p:spPr>
             <a:xfrm>
-              <a:off x="6498944" y="1882376"/>
+              <a:off x="6556909" y="1875756"/>
               <a:ext cx="49651" cy="49651"/>
             </a:xfrm>
             <a:prstGeom prst="ellipse">
@@ -10980,7 +10980,7 @@
           </p:nvSpPr>
           <p:spPr>
             <a:xfrm>
-              <a:off x="3139727" y="2079130"/>
+              <a:off x="3087574" y="2078298"/>
               <a:ext cx="49651" cy="49651"/>
             </a:xfrm>
             <a:prstGeom prst="ellipse">
@@ -11015,7 +11015,7 @@
           </p:nvSpPr>
           <p:spPr>
             <a:xfrm>
-              <a:off x="6540690" y="2469681"/>
+              <a:off x="6554152" y="2476546"/>
               <a:ext cx="49651" cy="49651"/>
             </a:xfrm>
             <a:prstGeom prst="ellipse">
@@ -11050,7 +11050,7 @@
           </p:nvSpPr>
           <p:spPr>
             <a:xfrm>
-              <a:off x="3088884" y="2289177"/>
+              <a:off x="3142172" y="2273109"/>
               <a:ext cx="49651" cy="49651"/>
             </a:xfrm>
             <a:prstGeom prst="ellipse">
@@ -11085,7 +11085,7 @@
           </p:nvSpPr>
           <p:spPr>
             <a:xfrm>
-              <a:off x="6532245" y="2267451"/>
+              <a:off x="6556960" y="2279482"/>
               <a:ext cx="49651" cy="49651"/>
             </a:xfrm>
             <a:prstGeom prst="ellipse">
@@ -11120,7 +11120,7 @@
           </p:nvSpPr>
           <p:spPr>
             <a:xfrm>
-              <a:off x="3100048" y="2074534"/>
+              <a:off x="3130480" y="2090690"/>
               <a:ext cx="49651" cy="49651"/>
             </a:xfrm>
             <a:prstGeom prst="ellipse">
@@ -11155,7 +11155,7 @@
           </p:nvSpPr>
           <p:spPr>
             <a:xfrm>
-              <a:off x="6545548" y="2482759"/>
+              <a:off x="6553567" y="2493257"/>
               <a:ext cx="49651" cy="49651"/>
             </a:xfrm>
             <a:prstGeom prst="ellipse">
@@ -11190,7 +11190,7 @@
           </p:nvSpPr>
           <p:spPr>
             <a:xfrm>
-              <a:off x="3114582" y="5247030"/>
+              <a:off x="3126789" y="5256371"/>
               <a:ext cx="49651" cy="49651"/>
             </a:xfrm>
             <a:prstGeom prst="ellipse">
@@ -11225,7 +11225,7 @@
           </p:nvSpPr>
           <p:spPr>
             <a:xfrm>
-              <a:off x="6515258" y="5250990"/>
+              <a:off x="6545228" y="5252157"/>
               <a:ext cx="49651" cy="49651"/>
             </a:xfrm>
             <a:prstGeom prst="ellipse">
@@ -11260,7 +11260,7 @@
           </p:nvSpPr>
           <p:spPr>
             <a:xfrm>
-              <a:off x="3098967" y="2283285"/>
+              <a:off x="3079756" y="2296095"/>
               <a:ext cx="49651" cy="49651"/>
             </a:xfrm>
             <a:prstGeom prst="ellipse">
@@ -11295,7 +11295,7 @@
           </p:nvSpPr>
           <p:spPr>
             <a:xfrm>
-              <a:off x="6511313" y="2867820"/>
+              <a:off x="6544151" y="2859403"/>
               <a:ext cx="49651" cy="49651"/>
             </a:xfrm>
             <a:prstGeom prst="ellipse">
@@ -11330,7 +11330,7 @@
           </p:nvSpPr>
           <p:spPr>
             <a:xfrm>
-              <a:off x="3138903" y="5590416"/>
+              <a:off x="3132577" y="5565721"/>
               <a:ext cx="49651" cy="49651"/>
             </a:xfrm>
             <a:prstGeom prst="ellipse">
@@ -11365,7 +11365,7 @@
           </p:nvSpPr>
           <p:spPr>
             <a:xfrm>
-              <a:off x="6513905" y="5581098"/>
+              <a:off x="6511903" y="5570510"/>
               <a:ext cx="49651" cy="49651"/>
             </a:xfrm>
             <a:prstGeom prst="ellipse">
@@ -11400,7 +11400,7 @@
           </p:nvSpPr>
           <p:spPr>
             <a:xfrm>
-              <a:off x="3103497" y="5064176"/>
+              <a:off x="3145012" y="5058100"/>
               <a:ext cx="49651" cy="49651"/>
             </a:xfrm>
             <a:prstGeom prst="ellipse">
@@ -11435,7 +11435,7 @@
           </p:nvSpPr>
           <p:spPr>
             <a:xfrm>
-              <a:off x="6548383" y="4458818"/>
+              <a:off x="6553514" y="4458544"/>
               <a:ext cx="49651" cy="49651"/>
             </a:xfrm>
             <a:prstGeom prst="ellipse">
@@ -11470,7 +11470,7 @@
           </p:nvSpPr>
           <p:spPr>
             <a:xfrm>
-              <a:off x="3124604" y="3079930"/>
+              <a:off x="3096379" y="3072473"/>
               <a:ext cx="49651" cy="49651"/>
             </a:xfrm>
             <a:prstGeom prst="ellipse">
@@ -11505,7 +11505,7 @@
           </p:nvSpPr>
           <p:spPr>
             <a:xfrm>
-              <a:off x="6558056" y="3685530"/>
+              <a:off x="6529929" y="3681596"/>
               <a:ext cx="49651" cy="49651"/>
             </a:xfrm>
             <a:prstGeom prst="ellipse">
@@ -11540,7 +11540,7 @@
           </p:nvSpPr>
           <p:spPr>
             <a:xfrm>
-              <a:off x="3121372" y="2475777"/>
+              <a:off x="3116691" y="2484680"/>
               <a:ext cx="49651" cy="49651"/>
             </a:xfrm>
             <a:prstGeom prst="ellipse">
@@ -11575,7 +11575,7 @@
           </p:nvSpPr>
           <p:spPr>
             <a:xfrm>
-              <a:off x="6516131" y="4459179"/>
+              <a:off x="6513030" y="4446920"/>
               <a:ext cx="49651" cy="49651"/>
             </a:xfrm>
             <a:prstGeom prst="ellipse">
@@ -11610,7 +11610,7 @@
           </p:nvSpPr>
           <p:spPr>
             <a:xfrm>
-              <a:off x="3108915" y="2093818"/>
+              <a:off x="3112769" y="2077248"/>
               <a:ext cx="49651" cy="49651"/>
             </a:xfrm>
             <a:prstGeom prst="ellipse">
@@ -11645,7 +11645,7 @@
           </p:nvSpPr>
           <p:spPr>
             <a:xfrm>
-              <a:off x="6528106" y="2469472"/>
+              <a:off x="6531623" y="2471113"/>
               <a:ext cx="49651" cy="49651"/>
             </a:xfrm>
             <a:prstGeom prst="ellipse">
@@ -11680,7 +11680,7 @@
           </p:nvSpPr>
           <p:spPr>
             <a:xfrm>
-              <a:off x="3104344" y="2471284"/>
+              <a:off x="3120876" y="2492262"/>
               <a:ext cx="49651" cy="49651"/>
             </a:xfrm>
             <a:prstGeom prst="ellipse">
@@ -11715,7 +11715,7 @@
           </p:nvSpPr>
           <p:spPr>
             <a:xfrm>
-              <a:off x="6537675" y="3276423"/>
+              <a:off x="6546927" y="3264567"/>
               <a:ext cx="49651" cy="49651"/>
             </a:xfrm>
             <a:prstGeom prst="ellipse">
@@ -11750,7 +11750,7 @@
           </p:nvSpPr>
           <p:spPr>
             <a:xfrm>
-              <a:off x="3119013" y="2286525"/>
+              <a:off x="3130436" y="2290434"/>
               <a:ext cx="49651" cy="49651"/>
             </a:xfrm>
             <a:prstGeom prst="ellipse">
@@ -11785,7 +11785,7 @@
           </p:nvSpPr>
           <p:spPr>
             <a:xfrm>
-              <a:off x="6537301" y="4648177"/>
+              <a:off x="6503909" y="4671509"/>
               <a:ext cx="49651" cy="49651"/>
             </a:xfrm>
             <a:prstGeom prst="ellipse">
@@ -11820,7 +11820,7 @@
           </p:nvSpPr>
           <p:spPr>
             <a:xfrm>
-              <a:off x="3137468" y="4860944"/>
+              <a:off x="3106457" y="4845515"/>
               <a:ext cx="49651" cy="49651"/>
             </a:xfrm>
             <a:prstGeom prst="ellipse">
@@ -11855,7 +11855,7 @@
           </p:nvSpPr>
           <p:spPr>
             <a:xfrm>
-              <a:off x="6510721" y="2470038"/>
+              <a:off x="6492720" y="2492231"/>
               <a:ext cx="49651" cy="49651"/>
             </a:xfrm>
             <a:prstGeom prst="ellipse">
@@ -11890,7 +11890,7 @@
           </p:nvSpPr>
           <p:spPr>
             <a:xfrm>
-              <a:off x="3105401" y="2690508"/>
+              <a:off x="3132905" y="2691059"/>
               <a:ext cx="49651" cy="49651"/>
             </a:xfrm>
             <a:prstGeom prst="ellipse">
@@ -11925,7 +11925,7 @@
           </p:nvSpPr>
           <p:spPr>
             <a:xfrm>
-              <a:off x="6536464" y="2200209"/>
+              <a:off x="6542240" y="2206467"/>
               <a:ext cx="49651" cy="49651"/>
             </a:xfrm>
             <a:prstGeom prst="ellipse">
@@ -11960,7 +11960,7 @@
           </p:nvSpPr>
           <p:spPr>
             <a:xfrm>
-              <a:off x="3088810" y="1890490"/>
+              <a:off x="3132183" y="1881148"/>
               <a:ext cx="49651" cy="49651"/>
             </a:xfrm>
             <a:prstGeom prst="ellipse">
@@ -11995,7 +11995,7 @@
           </p:nvSpPr>
           <p:spPr>
             <a:xfrm>
-              <a:off x="6520282" y="2878595"/>
+              <a:off x="6527268" y="2888342"/>
               <a:ext cx="49651" cy="49651"/>
             </a:xfrm>
             <a:prstGeom prst="ellipse">
@@ -12030,7 +12030,7 @@
           </p:nvSpPr>
           <p:spPr>
             <a:xfrm>
-              <a:off x="3135672" y="2868972"/>
+              <a:off x="3113228" y="2863161"/>
               <a:ext cx="49651" cy="49651"/>
             </a:xfrm>
             <a:prstGeom prst="ellipse">
@@ -12065,7 +12065,7 @@
           </p:nvSpPr>
           <p:spPr>
             <a:xfrm>
-              <a:off x="6507949" y="2862282"/>
+              <a:off x="6506328" y="2884150"/>
               <a:ext cx="49651" cy="49651"/>
             </a:xfrm>
             <a:prstGeom prst="ellipse">
@@ -12100,7 +12100,7 @@
           </p:nvSpPr>
           <p:spPr>
             <a:xfrm>
-              <a:off x="3127484" y="2491088"/>
+              <a:off x="3088483" y="2480989"/>
               <a:ext cx="49651" cy="49651"/>
             </a:xfrm>
             <a:prstGeom prst="ellipse">
@@ -12135,7 +12135,7 @@
           </p:nvSpPr>
           <p:spPr>
             <a:xfrm>
-              <a:off x="6520491" y="2486021"/>
+              <a:off x="6533923" y="2475272"/>
               <a:ext cx="49651" cy="49651"/>
             </a:xfrm>
             <a:prstGeom prst="ellipse">
@@ -12170,7 +12170,7 @@
           </p:nvSpPr>
           <p:spPr>
             <a:xfrm>
-              <a:off x="3102171" y="3284253"/>
+              <a:off x="3087423" y="3266934"/>
               <a:ext cx="49651" cy="49651"/>
             </a:xfrm>
             <a:prstGeom prst="ellipse">
@@ -12205,7 +12205,7 @@
           </p:nvSpPr>
           <p:spPr>
             <a:xfrm>
-              <a:off x="6558782" y="2878900"/>
+              <a:off x="6560092" y="2860875"/>
               <a:ext cx="49651" cy="49651"/>
             </a:xfrm>
             <a:prstGeom prst="ellipse">
@@ -12240,7 +12240,7 @@
           </p:nvSpPr>
           <p:spPr>
             <a:xfrm>
-              <a:off x="3112514" y="2092063"/>
+              <a:off x="3099102" y="2096699"/>
               <a:ext cx="49651" cy="49651"/>
             </a:xfrm>
             <a:prstGeom prst="ellipse">
@@ -12275,7 +12275,7 @@
           </p:nvSpPr>
           <p:spPr>
             <a:xfrm>
-              <a:off x="6513938" y="1991988"/>
+              <a:off x="6499097" y="1987475"/>
               <a:ext cx="49651" cy="49651"/>
             </a:xfrm>
             <a:prstGeom prst="ellipse">
@@ -12310,7 +12310,7 @@
           </p:nvSpPr>
           <p:spPr>
             <a:xfrm>
-              <a:off x="3112503" y="2685747"/>
+              <a:off x="3114576" y="2690543"/>
               <a:ext cx="49651" cy="49651"/>
             </a:xfrm>
             <a:prstGeom prst="ellipse">
@@ -12345,7 +12345,7 @@
           </p:nvSpPr>
           <p:spPr>
             <a:xfrm>
-              <a:off x="6523803" y="2472150"/>
+              <a:off x="6529918" y="2473785"/>
               <a:ext cx="49651" cy="49651"/>
             </a:xfrm>
             <a:prstGeom prst="ellipse">
@@ -12380,7 +12380,7 @@
           </p:nvSpPr>
           <p:spPr>
             <a:xfrm>
-              <a:off x="3123261" y="1700597"/>
+              <a:off x="3087748" y="1692804"/>
               <a:ext cx="49651" cy="49651"/>
             </a:xfrm>
             <a:prstGeom prst="ellipse">
@@ -12415,7 +12415,7 @@
           </p:nvSpPr>
           <p:spPr>
             <a:xfrm>
-              <a:off x="6546840" y="1674824"/>
+              <a:off x="6523391" y="1689734"/>
               <a:ext cx="49651" cy="49651"/>
             </a:xfrm>
             <a:prstGeom prst="ellipse">
@@ -12450,7 +12450,7 @@
           </p:nvSpPr>
           <p:spPr>
             <a:xfrm>
-              <a:off x="3081772" y="1700215"/>
+              <a:off x="3097220" y="1697179"/>
               <a:ext cx="49651" cy="49651"/>
             </a:xfrm>
             <a:prstGeom prst="ellipse">
@@ -12485,7 +12485,7 @@
           </p:nvSpPr>
           <p:spPr>
             <a:xfrm>
-              <a:off x="6550813" y="2297908"/>
+              <a:off x="6506474" y="2285912"/>
               <a:ext cx="49651" cy="49651"/>
             </a:xfrm>
             <a:prstGeom prst="ellipse">
@@ -12520,7 +12520,7 @@
           </p:nvSpPr>
           <p:spPr>
             <a:xfrm>
-              <a:off x="3113951" y="2483085"/>
+              <a:off x="3132545" y="2475683"/>
               <a:ext cx="49651" cy="49651"/>
             </a:xfrm>
             <a:prstGeom prst="ellipse">
@@ -12555,7 +12555,7 @@
           </p:nvSpPr>
           <p:spPr>
             <a:xfrm>
-              <a:off x="6517098" y="5057101"/>
+              <a:off x="6497992" y="5047603"/>
               <a:ext cx="49651" cy="49651"/>
             </a:xfrm>
             <a:prstGeom prst="ellipse">
@@ -12590,7 +12590,7 @@
           </p:nvSpPr>
           <p:spPr>
             <a:xfrm>
-              <a:off x="3136027" y="2278398"/>
+              <a:off x="3131496" y="2285568"/>
               <a:ext cx="49651" cy="49651"/>
             </a:xfrm>
             <a:prstGeom prst="ellipse">
@@ -12625,7 +12625,7 @@
           </p:nvSpPr>
           <p:spPr>
             <a:xfrm>
-              <a:off x="6531616" y="3067101"/>
+              <a:off x="6523890" y="3061615"/>
               <a:ext cx="49651" cy="49651"/>
             </a:xfrm>
             <a:prstGeom prst="ellipse">
@@ -12660,7 +12660,7 @@
           </p:nvSpPr>
           <p:spPr>
             <a:xfrm>
-              <a:off x="3101035" y="3267467"/>
+              <a:off x="3112731" y="3262720"/>
               <a:ext cx="49651" cy="49651"/>
             </a:xfrm>
             <a:prstGeom prst="ellipse">
@@ -12695,7 +12695,7 @@
           </p:nvSpPr>
           <p:spPr>
             <a:xfrm>
-              <a:off x="6523429" y="2870929"/>
+              <a:off x="6494145" y="2875641"/>
               <a:ext cx="49651" cy="49651"/>
             </a:xfrm>
             <a:prstGeom prst="ellipse">
@@ -12730,7 +12730,7 @@
           </p:nvSpPr>
           <p:spPr>
             <a:xfrm>
-              <a:off x="3130306" y="2492512"/>
+              <a:off x="3142513" y="2484232"/>
               <a:ext cx="49651" cy="49651"/>
             </a:xfrm>
             <a:prstGeom prst="ellipse">
@@ -12765,7 +12765,7 @@
           </p:nvSpPr>
           <p:spPr>
             <a:xfrm>
-              <a:off x="6492604" y="3474540"/>
+              <a:off x="6522429" y="3458559"/>
               <a:ext cx="49651" cy="49651"/>
             </a:xfrm>
             <a:prstGeom prst="ellipse">
@@ -12840,7 +12840,7 @@
           </p:nvSpPr>
           <p:spPr>
             <a:xfrm>
-              <a:off x="924257" y="5623879"/>
+              <a:off x="924257" y="5613398"/>
               <a:ext cx="84757" cy="111397"/>
             </a:xfrm>
             <a:prstGeom prst="rect">
@@ -12886,7 +12886,7 @@
           </p:nvSpPr>
           <p:spPr>
             <a:xfrm>
-              <a:off x="839500" y="4631781"/>
+              <a:off x="839500" y="4623682"/>
               <a:ext cx="169515" cy="111397"/>
             </a:xfrm>
             <a:prstGeom prst="rect">
@@ -12932,7 +12932,7 @@
           </p:nvSpPr>
           <p:spPr>
             <a:xfrm>
-              <a:off x="839500" y="3639683"/>
+              <a:off x="839500" y="3633965"/>
               <a:ext cx="169515" cy="111397"/>
             </a:xfrm>
             <a:prstGeom prst="rect">
@@ -12978,7 +12978,7 @@
           </p:nvSpPr>
           <p:spPr>
             <a:xfrm>
-              <a:off x="839500" y="2649446"/>
+              <a:off x="839500" y="2646110"/>
               <a:ext cx="169515" cy="109537"/>
             </a:xfrm>
             <a:prstGeom prst="rect">
@@ -13024,7 +13024,7 @@
           </p:nvSpPr>
           <p:spPr>
             <a:xfrm>
-              <a:off x="754742" y="1655487"/>
+              <a:off x="754742" y="1654533"/>
               <a:ext cx="254272" cy="111397"/>
             </a:xfrm>
             <a:prstGeom prst="rect">
@@ -13070,7 +13070,7 @@
           </p:nvSpPr>
           <p:spPr>
             <a:xfrm>
-              <a:off x="1046973" y="5680732"/>
+              <a:off x="1046973" y="5670250"/>
               <a:ext cx="44283" cy="0"/>
             </a:xfrm>
             <a:custGeom>
@@ -13110,7 +13110,7 @@
           </p:nvSpPr>
           <p:spPr>
             <a:xfrm>
-              <a:off x="1046973" y="4688634"/>
+              <a:off x="1046973" y="4680534"/>
               <a:ext cx="44283" cy="0"/>
             </a:xfrm>
             <a:custGeom>
@@ -13150,7 +13150,7 @@
           </p:nvSpPr>
           <p:spPr>
             <a:xfrm>
-              <a:off x="1046973" y="3696536"/>
+              <a:off x="1046973" y="3690818"/>
               <a:ext cx="44283" cy="0"/>
             </a:xfrm>
             <a:custGeom>
@@ -13190,7 +13190,7 @@
           </p:nvSpPr>
           <p:spPr>
             <a:xfrm>
-              <a:off x="1046973" y="2704438"/>
+              <a:off x="1046973" y="2701102"/>
               <a:ext cx="44283" cy="0"/>
             </a:xfrm>
             <a:custGeom>
@@ -13230,7 +13230,7 @@
           </p:nvSpPr>
           <p:spPr>
             <a:xfrm>
-              <a:off x="1046973" y="1712339"/>
+              <a:off x="1046973" y="1711386"/>
               <a:ext cx="44283" cy="0"/>
             </a:xfrm>
             <a:custGeom>

--- a/results/figures/pptx/eq5d5l_health_score.pptx
+++ b/results/figures/pptx/eq5d5l_health_score.pptx
@@ -2271,15 +2271,15 @@
           </p:nvSpPr>
           <p:spPr>
             <a:xfrm>
-              <a:off x="3138613" y="1711386"/>
-              <a:ext cx="0" cy="395886"/>
+              <a:off x="3138613" y="1703072"/>
+              <a:ext cx="0" cy="376190"/>
             </a:xfrm>
             <a:custGeom>
               <a:avLst/>
               <a:pathLst>
-                <a:path w="0" h="395886">
+                <a:path w="0" h="376190">
                   <a:moveTo>
-                    <a:pt x="0" y="395886"/>
+                    <a:pt x="0" y="376190"/>
                   </a:moveTo>
                   <a:lnTo>
                     <a:pt x="0" y="0"/>
@@ -2311,18 +2311,18 @@
           </p:nvSpPr>
           <p:spPr>
             <a:xfrm>
-              <a:off x="3138613" y="2899045"/>
-              <a:ext cx="0" cy="1187659"/>
+              <a:off x="3138613" y="2831644"/>
+              <a:ext cx="0" cy="1128571"/>
             </a:xfrm>
             <a:custGeom>
               <a:avLst/>
               <a:pathLst>
-                <a:path w="0" h="1187659">
+                <a:path w="0" h="1128571">
                   <a:moveTo>
                     <a:pt x="0" y="0"/>
                   </a:moveTo>
                   <a:lnTo>
-                    <a:pt x="0" y="1187659"/>
+                    <a:pt x="0" y="1128571"/>
                   </a:lnTo>
                 </a:path>
               </a:pathLst>
@@ -2351,24 +2351,24 @@
           </p:nvSpPr>
           <p:spPr>
             <a:xfrm>
-              <a:off x="2114935" y="2107272"/>
-              <a:ext cx="2047356" cy="791772"/>
+              <a:off x="2626774" y="2079262"/>
+              <a:ext cx="1023678" cy="752381"/>
             </a:xfrm>
             <a:custGeom>
               <a:avLst/>
               <a:pathLst>
-                <a:path w="2047356" h="791772">
+                <a:path w="1023678" h="752381">
                   <a:moveTo>
                     <a:pt x="0" y="0"/>
                   </a:moveTo>
                   <a:lnTo>
-                    <a:pt x="0" y="791772"/>
+                    <a:pt x="0" y="752381"/>
                   </a:lnTo>
                   <a:lnTo>
-                    <a:pt x="2047356" y="791772"/>
+                    <a:pt x="1023678" y="752381"/>
                   </a:lnTo>
                   <a:lnTo>
-                    <a:pt x="2047356" y="0"/>
+                    <a:pt x="1023678" y="0"/>
                   </a:lnTo>
                   <a:close/>
                 </a:path>
@@ -2403,18 +2403,18 @@
           </p:nvSpPr>
           <p:spPr>
             <a:xfrm>
-              <a:off x="2114935" y="2503158"/>
-              <a:ext cx="2047356" cy="0"/>
+              <a:off x="2626774" y="2455453"/>
+              <a:ext cx="1023678" cy="0"/>
             </a:xfrm>
             <a:custGeom>
               <a:avLst/>
               <a:pathLst>
-                <a:path w="2047356" h="0">
+                <a:path w="1023678" h="0">
                   <a:moveTo>
                     <a:pt x="0" y="0"/>
                   </a:moveTo>
                   <a:lnTo>
-                    <a:pt x="2047356" y="0"/>
+                    <a:pt x="1023678" y="0"/>
                   </a:lnTo>
                 </a:path>
               </a:pathLst>
@@ -2443,15 +2443,15 @@
           </p:nvSpPr>
           <p:spPr>
             <a:xfrm>
-              <a:off x="6550875" y="1711386"/>
-              <a:ext cx="0" cy="791772"/>
+              <a:off x="6550875" y="1703072"/>
+              <a:ext cx="0" cy="752381"/>
             </a:xfrm>
             <a:custGeom>
               <a:avLst/>
               <a:pathLst>
-                <a:path w="0" h="791772">
+                <a:path w="0" h="752381">
                   <a:moveTo>
-                    <a:pt x="0" y="791772"/>
+                    <a:pt x="0" y="752381"/>
                   </a:moveTo>
                   <a:lnTo>
                     <a:pt x="0" y="0"/>
@@ -2483,18 +2483,18 @@
           </p:nvSpPr>
           <p:spPr>
             <a:xfrm>
-              <a:off x="6550875" y="3809584"/>
-              <a:ext cx="0" cy="1860666"/>
+              <a:off x="6550875" y="3696882"/>
+              <a:ext cx="0" cy="1768096"/>
             </a:xfrm>
             <a:custGeom>
               <a:avLst/>
               <a:pathLst>
-                <a:path w="0" h="1860666">
+                <a:path w="0" h="1768096">
                   <a:moveTo>
                     <a:pt x="0" y="0"/>
                   </a:moveTo>
                   <a:lnTo>
-                    <a:pt x="0" y="1860666"/>
+                    <a:pt x="0" y="1768096"/>
                   </a:lnTo>
                 </a:path>
               </a:pathLst>
@@ -2523,24 +2523,24 @@
           </p:nvSpPr>
           <p:spPr>
             <a:xfrm>
-              <a:off x="5527196" y="2503158"/>
-              <a:ext cx="2047356" cy="1306425"/>
+              <a:off x="6039036" y="2455453"/>
+              <a:ext cx="1023678" cy="1241429"/>
             </a:xfrm>
             <a:custGeom>
               <a:avLst/>
               <a:pathLst>
-                <a:path w="2047356" h="1306425">
+                <a:path w="1023678" h="1241429">
                   <a:moveTo>
                     <a:pt x="0" y="0"/>
                   </a:moveTo>
                   <a:lnTo>
-                    <a:pt x="0" y="1306425"/>
+                    <a:pt x="0" y="1241429"/>
                   </a:lnTo>
                   <a:lnTo>
-                    <a:pt x="2047356" y="1306425"/>
+                    <a:pt x="1023678" y="1241429"/>
                   </a:lnTo>
                   <a:lnTo>
-                    <a:pt x="2047356" y="0"/>
+                    <a:pt x="1023678" y="0"/>
                   </a:lnTo>
                   <a:close/>
                 </a:path>
@@ -2575,18 +2575,18 @@
           </p:nvSpPr>
           <p:spPr>
             <a:xfrm>
-              <a:off x="5527196" y="3096988"/>
-              <a:ext cx="2047356" cy="0"/>
+              <a:off x="6039036" y="3019739"/>
+              <a:ext cx="1023678" cy="0"/>
             </a:xfrm>
             <a:custGeom>
               <a:avLst/>
               <a:pathLst>
-                <a:path w="2047356" h="0">
+                <a:path w="1023678" h="0">
                   <a:moveTo>
                     <a:pt x="0" y="0"/>
                   </a:moveTo>
                   <a:lnTo>
-                    <a:pt x="2047356" y="0"/>
+                    <a:pt x="1023678" y="0"/>
                   </a:lnTo>
                 </a:path>
               </a:pathLst>
@@ -2615,7 +2615,7 @@
           </p:nvSpPr>
           <p:spPr>
             <a:xfrm>
-              <a:off x="3123429" y="2859738"/>
+              <a:off x="3142810" y="2794621"/>
               <a:ext cx="49651" cy="49651"/>
             </a:xfrm>
             <a:prstGeom prst="ellipse">
@@ -2650,7 +2650,7 @@
           </p:nvSpPr>
           <p:spPr>
             <a:xfrm>
-              <a:off x="6512859" y="3062957"/>
+              <a:off x="6531753" y="2993996"/>
               <a:ext cx="49651" cy="49651"/>
             </a:xfrm>
             <a:prstGeom prst="ellipse">
@@ -2685,7 +2685,7 @@
           </p:nvSpPr>
           <p:spPr>
             <a:xfrm>
-              <a:off x="3112178" y="2088505"/>
+              <a:off x="3100420" y="2059186"/>
               <a:ext cx="49651" cy="49651"/>
             </a:xfrm>
             <a:prstGeom prst="ellipse">
@@ -2720,7 +2720,7 @@
           </p:nvSpPr>
           <p:spPr>
             <a:xfrm>
-              <a:off x="6518187" y="2688123"/>
+              <a:off x="6546635" y="2609711"/>
               <a:ext cx="49651" cy="49651"/>
             </a:xfrm>
             <a:prstGeom prst="ellipse">
@@ -2755,7 +2755,7 @@
           </p:nvSpPr>
           <p:spPr>
             <a:xfrm>
-              <a:off x="3139550" y="2884228"/>
+              <a:off x="3085844" y="2806399"/>
               <a:ext cx="49651" cy="49651"/>
             </a:xfrm>
             <a:prstGeom prst="ellipse">
@@ -2790,7 +2790,7 @@
           </p:nvSpPr>
           <p:spPr>
             <a:xfrm>
-              <a:off x="6525878" y="4055628"/>
+              <a:off x="6534884" y="3926532"/>
               <a:ext cx="49651" cy="49651"/>
             </a:xfrm>
             <a:prstGeom prst="ellipse">
@@ -2825,7 +2825,7 @@
           </p:nvSpPr>
           <p:spPr>
             <a:xfrm>
-              <a:off x="3144898" y="4054623"/>
+              <a:off x="3099214" y="3950297"/>
               <a:ext cx="49651" cy="49651"/>
             </a:xfrm>
             <a:prstGeom prst="ellipse">
@@ -2860,7 +2860,7 @@
           </p:nvSpPr>
           <p:spPr>
             <a:xfrm>
-              <a:off x="6510759" y="3058945"/>
+              <a:off x="6527485" y="2987499"/>
               <a:ext cx="49651" cy="49651"/>
             </a:xfrm>
             <a:prstGeom prst="ellipse">
@@ -2895,7 +2895,7 @@
           </p:nvSpPr>
           <p:spPr>
             <a:xfrm>
-              <a:off x="3144053" y="2485092"/>
+              <a:off x="3116664" y="2436252"/>
               <a:ext cx="49651" cy="49651"/>
             </a:xfrm>
             <a:prstGeom prst="ellipse">
@@ -2930,7 +2930,7 @@
           </p:nvSpPr>
           <p:spPr>
             <a:xfrm>
-              <a:off x="6534373" y="3660676"/>
+              <a:off x="6498340" y="3561315"/>
               <a:ext cx="49651" cy="49651"/>
             </a:xfrm>
             <a:prstGeom prst="ellipse">
@@ -2965,7 +2965,7 @@
           </p:nvSpPr>
           <p:spPr>
             <a:xfrm>
-              <a:off x="3120876" y="1869243"/>
+              <a:off x="3088800" y="1880301"/>
               <a:ext cx="49651" cy="49651"/>
             </a:xfrm>
             <a:prstGeom prst="ellipse">
@@ -3000,7 +3000,7 @@
           </p:nvSpPr>
           <p:spPr>
             <a:xfrm>
-              <a:off x="6514468" y="3074051"/>
+              <a:off x="6528601" y="2985404"/>
               <a:ext cx="49651" cy="49651"/>
             </a:xfrm>
             <a:prstGeom prst="ellipse">
@@ -3035,7 +3035,7 @@
           </p:nvSpPr>
           <p:spPr>
             <a:xfrm>
-              <a:off x="3118182" y="1750054"/>
+              <a:off x="3124062" y="1753699"/>
               <a:ext cx="49651" cy="49651"/>
             </a:xfrm>
             <a:prstGeom prst="ellipse">
@@ -3070,7 +3070,7 @@
           </p:nvSpPr>
           <p:spPr>
             <a:xfrm>
-              <a:off x="6552764" y="1805154"/>
+              <a:off x="6515930" y="1800634"/>
               <a:ext cx="49651" cy="49651"/>
             </a:xfrm>
             <a:prstGeom prst="ellipse">
@@ -3105,7 +3105,7 @@
           </p:nvSpPr>
           <p:spPr>
             <a:xfrm>
-              <a:off x="3094576" y="4380549"/>
+              <a:off x="3094831" y="4224353"/>
               <a:ext cx="49651" cy="49651"/>
             </a:xfrm>
             <a:prstGeom prst="ellipse">
@@ -3140,7 +3140,7 @@
           </p:nvSpPr>
           <p:spPr>
             <a:xfrm>
-              <a:off x="6503039" y="4006625"/>
+              <a:off x="6495835" y="3904255"/>
               <a:ext cx="49651" cy="49651"/>
             </a:xfrm>
             <a:prstGeom prst="ellipse">
@@ -3175,7 +3175,7 @@
           </p:nvSpPr>
           <p:spPr>
             <a:xfrm>
-              <a:off x="3121611" y="2876691"/>
+              <a:off x="3134360" y="2812835"/>
               <a:ext cx="49651" cy="49651"/>
             </a:xfrm>
             <a:prstGeom prst="ellipse">
@@ -3210,7 +3210,7 @@
           </p:nvSpPr>
           <p:spPr>
             <a:xfrm>
-              <a:off x="6543408" y="2476108"/>
+              <a:off x="6528596" y="2431495"/>
               <a:ext cx="49651" cy="49651"/>
             </a:xfrm>
             <a:prstGeom prst="ellipse">
@@ -3245,7 +3245,7 @@
           </p:nvSpPr>
           <p:spPr>
             <a:xfrm>
-              <a:off x="3142552" y="1972897"/>
+              <a:off x="3112822" y="1948890"/>
               <a:ext cx="49651" cy="49651"/>
             </a:xfrm>
             <a:prstGeom prst="ellipse">
@@ -3280,7 +3280,7 @@
           </p:nvSpPr>
           <p:spPr>
             <a:xfrm>
-              <a:off x="6554388" y="2268814"/>
+              <a:off x="6548552" y="2247431"/>
               <a:ext cx="49651" cy="49651"/>
             </a:xfrm>
             <a:prstGeom prst="ellipse">
@@ -3315,7 +3315,7 @@
           </p:nvSpPr>
           <p:spPr>
             <a:xfrm>
-              <a:off x="3116365" y="2091839"/>
+              <a:off x="3128443" y="2067863"/>
               <a:ext cx="49651" cy="49651"/>
             </a:xfrm>
             <a:prstGeom prst="ellipse">
@@ -3350,7 +3350,7 @@
           </p:nvSpPr>
           <p:spPr>
             <a:xfrm>
-              <a:off x="6547526" y="3261475"/>
+              <a:off x="6541824" y="3193373"/>
               <a:ext cx="49651" cy="49651"/>
             </a:xfrm>
             <a:prstGeom prst="ellipse">
@@ -3385,7 +3385,7 @@
           </p:nvSpPr>
           <p:spPr>
             <a:xfrm>
-              <a:off x="3119971" y="4245774"/>
+              <a:off x="3144561" y="4118097"/>
               <a:ext cx="49651" cy="49651"/>
             </a:xfrm>
             <a:prstGeom prst="ellipse">
@@ -3420,7 +3420,7 @@
           </p:nvSpPr>
           <p:spPr>
             <a:xfrm>
-              <a:off x="6492919" y="4845210"/>
+              <a:off x="6524074" y="4672991"/>
               <a:ext cx="49651" cy="49651"/>
             </a:xfrm>
             <a:prstGeom prst="ellipse">
@@ -3455,7 +3455,7 @@
           </p:nvSpPr>
           <p:spPr>
             <a:xfrm>
-              <a:off x="3118627" y="2672543"/>
+              <a:off x="3128341" y="2618334"/>
               <a:ext cx="49651" cy="49651"/>
             </a:xfrm>
             <a:prstGeom prst="ellipse">
@@ -3490,7 +3490,7 @@
           </p:nvSpPr>
           <p:spPr>
             <a:xfrm>
-              <a:off x="6496290" y="3059789"/>
+              <a:off x="6535739" y="2989736"/>
               <a:ext cx="49651" cy="49651"/>
             </a:xfrm>
             <a:prstGeom prst="ellipse">
@@ -3525,7 +3525,7 @@
           </p:nvSpPr>
           <p:spPr>
             <a:xfrm>
-              <a:off x="3086858" y="2859363"/>
+              <a:off x="3079909" y="2818501"/>
               <a:ext cx="49651" cy="49651"/>
             </a:xfrm>
             <a:prstGeom prst="ellipse">
@@ -3560,7 +3560,7 @@
           </p:nvSpPr>
           <p:spPr>
             <a:xfrm>
-              <a:off x="6535495" y="5648702"/>
+              <a:off x="6522493" y="5442983"/>
               <a:ext cx="49651" cy="49651"/>
             </a:xfrm>
             <a:prstGeom prst="ellipse">
@@ -3595,7 +3595,7 @@
           </p:nvSpPr>
           <p:spPr>
             <a:xfrm>
-              <a:off x="3092335" y="2082350"/>
+              <a:off x="3088751" y="2056014"/>
               <a:ext cx="49651" cy="49651"/>
             </a:xfrm>
             <a:prstGeom prst="ellipse">
@@ -3630,7 +3630,7 @@
           </p:nvSpPr>
           <p:spPr>
             <a:xfrm>
-              <a:off x="6549429" y="4457364"/>
+              <a:off x="6537756" y="4313897"/>
               <a:ext cx="49651" cy="49651"/>
             </a:xfrm>
             <a:prstGeom prst="ellipse">
@@ -3665,7 +3665,7 @@
           </p:nvSpPr>
           <p:spPr>
             <a:xfrm>
-              <a:off x="3084773" y="1730423"/>
+              <a:off x="3108011" y="1710427"/>
               <a:ext cx="49651" cy="49651"/>
             </a:xfrm>
             <a:prstGeom prst="ellipse">
@@ -3700,7 +3700,7 @@
           </p:nvSpPr>
           <p:spPr>
             <a:xfrm>
-              <a:off x="6520293" y="2098024"/>
+              <a:off x="6547223" y="2051778"/>
               <a:ext cx="49651" cy="49651"/>
             </a:xfrm>
             <a:prstGeom prst="ellipse">
@@ -3735,7 +3735,7 @@
           </p:nvSpPr>
           <p:spPr>
             <a:xfrm>
-              <a:off x="3146966" y="3272446"/>
+              <a:off x="3105474" y="3184866"/>
               <a:ext cx="49651" cy="49651"/>
             </a:xfrm>
             <a:prstGeom prst="ellipse">
@@ -3770,7 +3770,7 @@
           </p:nvSpPr>
           <p:spPr>
             <a:xfrm>
-              <a:off x="6532743" y="3272051"/>
+              <a:off x="6559534" y="3175932"/>
               <a:ext cx="49651" cy="49651"/>
             </a:xfrm>
             <a:prstGeom prst="ellipse">
@@ -3805,7 +3805,7 @@
           </p:nvSpPr>
           <p:spPr>
             <a:xfrm>
-              <a:off x="3084642" y="1897712"/>
+              <a:off x="3109077" y="1858004"/>
               <a:ext cx="49651" cy="49651"/>
             </a:xfrm>
             <a:prstGeom prst="ellipse">
@@ -3840,7 +3840,7 @@
           </p:nvSpPr>
           <p:spPr>
             <a:xfrm>
-              <a:off x="6547543" y="4449525"/>
+              <a:off x="6513685" y="4307034"/>
               <a:ext cx="49651" cy="49651"/>
             </a:xfrm>
             <a:prstGeom prst="ellipse">
@@ -3875,7 +3875,7 @@
           </p:nvSpPr>
           <p:spPr>
             <a:xfrm>
-              <a:off x="3129916" y="2493369"/>
+              <a:off x="3099796" y="2431467"/>
               <a:ext cx="49651" cy="49651"/>
             </a:xfrm>
             <a:prstGeom prst="ellipse">
@@ -3910,7 +3910,7 @@
           </p:nvSpPr>
           <p:spPr>
             <a:xfrm>
-              <a:off x="6507935" y="3679159"/>
+              <a:off x="6512953" y="3561385"/>
               <a:ext cx="49651" cy="49651"/>
             </a:xfrm>
             <a:prstGeom prst="ellipse">
@@ -3945,7 +3945,7 @@
           </p:nvSpPr>
           <p:spPr>
             <a:xfrm>
-              <a:off x="3131225" y="2680312"/>
+              <a:off x="3118410" y="2628591"/>
               <a:ext cx="49651" cy="49651"/>
             </a:xfrm>
             <a:prstGeom prst="ellipse">
@@ -3980,7 +3980,7 @@
           </p:nvSpPr>
           <p:spPr>
             <a:xfrm>
-              <a:off x="6524767" y="3270842"/>
+              <a:off x="6535296" y="3189488"/>
               <a:ext cx="49651" cy="49651"/>
             </a:xfrm>
             <a:prstGeom prst="ellipse">
@@ -4015,7 +4015,7 @@
           </p:nvSpPr>
           <p:spPr>
             <a:xfrm>
-              <a:off x="3101718" y="2685227"/>
+              <a:off x="3102613" y="2613925"/>
               <a:ext cx="49651" cy="49651"/>
             </a:xfrm>
             <a:prstGeom prst="ellipse">
@@ -4050,7 +4050,7 @@
           </p:nvSpPr>
           <p:spPr>
             <a:xfrm>
-              <a:off x="6503292" y="4670414"/>
+              <a:off x="6528432" y="4490504"/>
               <a:ext cx="49651" cy="49651"/>
             </a:xfrm>
             <a:prstGeom prst="ellipse">
@@ -4085,7 +4085,7 @@
           </p:nvSpPr>
           <p:spPr>
             <a:xfrm>
-              <a:off x="3143364" y="3070044"/>
+              <a:off x="3108085" y="2984145"/>
               <a:ext cx="49651" cy="49651"/>
             </a:xfrm>
             <a:prstGeom prst="ellipse">
@@ -4120,7 +4120,7 @@
           </p:nvSpPr>
           <p:spPr>
             <a:xfrm>
-              <a:off x="6510258" y="2690668"/>
+              <a:off x="6543519" y="2622271"/>
               <a:ext cx="49651" cy="49651"/>
             </a:xfrm>
             <a:prstGeom prst="ellipse">
@@ -4155,7 +4155,7 @@
           </p:nvSpPr>
           <p:spPr>
             <a:xfrm>
-              <a:off x="3092257" y="1696308"/>
+              <a:off x="3087662" y="1688978"/>
               <a:ext cx="49651" cy="49651"/>
             </a:xfrm>
             <a:prstGeom prst="ellipse">
@@ -4190,7 +4190,7 @@
           </p:nvSpPr>
           <p:spPr>
             <a:xfrm>
-              <a:off x="6521519" y="3262126"/>
+              <a:off x="6535994" y="3192610"/>
               <a:ext cx="49651" cy="49651"/>
             </a:xfrm>
             <a:prstGeom prst="ellipse">
@@ -4225,7 +4225,7 @@
           </p:nvSpPr>
           <p:spPr>
             <a:xfrm>
-              <a:off x="3098187" y="2676568"/>
+              <a:off x="3087464" y="2630622"/>
               <a:ext cx="49651" cy="49651"/>
             </a:xfrm>
             <a:prstGeom prst="ellipse">
@@ -4260,7 +4260,7 @@
           </p:nvSpPr>
           <p:spPr>
             <a:xfrm>
-              <a:off x="6512750" y="3660963"/>
+              <a:off x="6535728" y="3571596"/>
               <a:ext cx="49651" cy="49651"/>
             </a:xfrm>
             <a:prstGeom prst="ellipse">
@@ -4295,7 +4295,7 @@
           </p:nvSpPr>
           <p:spPr>
             <a:xfrm>
-              <a:off x="3143146" y="3348166"/>
+              <a:off x="3080439" y="3251335"/>
               <a:ext cx="49651" cy="49651"/>
             </a:xfrm>
             <a:prstGeom prst="ellipse">
@@ -4330,7 +4330,7 @@
           </p:nvSpPr>
           <p:spPr>
             <a:xfrm>
-              <a:off x="6520269" y="2166359"/>
+              <a:off x="6533350" y="2138094"/>
               <a:ext cx="49651" cy="49651"/>
             </a:xfrm>
             <a:prstGeom prst="ellipse">
@@ -4365,7 +4365,7 @@
           </p:nvSpPr>
           <p:spPr>
             <a:xfrm>
-              <a:off x="3138277" y="1876492"/>
+              <a:off x="3096492" y="1852886"/>
               <a:ext cx="49651" cy="49651"/>
             </a:xfrm>
             <a:prstGeom prst="ellipse">
@@ -4400,7 +4400,7 @@
           </p:nvSpPr>
           <p:spPr>
             <a:xfrm>
-              <a:off x="6552873" y="3059586"/>
+              <a:off x="6504259" y="3002231"/>
               <a:ext cx="49651" cy="49651"/>
             </a:xfrm>
             <a:prstGeom prst="ellipse">
@@ -4435,7 +4435,7 @@
           </p:nvSpPr>
           <p:spPr>
             <a:xfrm>
-              <a:off x="3113606" y="1874242"/>
+              <a:off x="3116856" y="1852575"/>
               <a:ext cx="49651" cy="49651"/>
             </a:xfrm>
             <a:prstGeom prst="ellipse">
@@ -4470,7 +4470,7 @@
           </p:nvSpPr>
           <p:spPr>
             <a:xfrm>
-              <a:off x="6520592" y="3086233"/>
+              <a:off x="6542030" y="2979978"/>
               <a:ext cx="49651" cy="49651"/>
             </a:xfrm>
             <a:prstGeom prst="ellipse">
@@ -4505,7 +4505,7 @@
           </p:nvSpPr>
           <p:spPr>
             <a:xfrm>
-              <a:off x="3090308" y="3057072"/>
+              <a:off x="3146787" y="2983620"/>
               <a:ext cx="49651" cy="49651"/>
             </a:xfrm>
             <a:prstGeom prst="ellipse">
@@ -4540,7 +4540,7 @@
           </p:nvSpPr>
           <p:spPr>
             <a:xfrm>
-              <a:off x="6520100" y="1898088"/>
+              <a:off x="6529637" y="1862590"/>
               <a:ext cx="49651" cy="49651"/>
             </a:xfrm>
             <a:prstGeom prst="ellipse">
@@ -4575,7 +4575,7 @@
           </p:nvSpPr>
           <p:spPr>
             <a:xfrm>
-              <a:off x="3116201" y="3281389"/>
+              <a:off x="3088035" y="3192073"/>
               <a:ext cx="49651" cy="49651"/>
             </a:xfrm>
             <a:prstGeom prst="ellipse">
@@ -4610,7 +4610,7 @@
           </p:nvSpPr>
           <p:spPr>
             <a:xfrm>
-              <a:off x="6497428" y="3653635"/>
+              <a:off x="6532099" y="3574039"/>
               <a:ext cx="49651" cy="49651"/>
             </a:xfrm>
             <a:prstGeom prst="ellipse">
@@ -4645,7 +4645,7 @@
           </p:nvSpPr>
           <p:spPr>
             <a:xfrm>
-              <a:off x="3128690" y="2685659"/>
+              <a:off x="3137531" y="2616748"/>
               <a:ext cx="49651" cy="49651"/>
             </a:xfrm>
             <a:prstGeom prst="ellipse">
@@ -4680,7 +4680,7 @@
           </p:nvSpPr>
           <p:spPr>
             <a:xfrm>
-              <a:off x="6493703" y="2862348"/>
+              <a:off x="6537580" y="2801278"/>
               <a:ext cx="49651" cy="49651"/>
             </a:xfrm>
             <a:prstGeom prst="ellipse">
@@ -4715,7 +4715,7 @@
           </p:nvSpPr>
           <p:spPr>
             <a:xfrm>
-              <a:off x="3085424" y="2073471"/>
+              <a:off x="3138075" y="2062690"/>
               <a:ext cx="49651" cy="49651"/>
             </a:xfrm>
             <a:prstGeom prst="ellipse">
@@ -4750,7 +4750,7 @@
           </p:nvSpPr>
           <p:spPr>
             <a:xfrm>
-              <a:off x="6547304" y="2881675"/>
+              <a:off x="6518136" y="2810818"/>
               <a:ext cx="49651" cy="49651"/>
             </a:xfrm>
             <a:prstGeom prst="ellipse">
@@ -4785,7 +4785,7 @@
           </p:nvSpPr>
           <p:spPr>
             <a:xfrm>
-              <a:off x="3079823" y="3064358"/>
+              <a:off x="3145293" y="2988503"/>
               <a:ext cx="49651" cy="49651"/>
             </a:xfrm>
             <a:prstGeom prst="ellipse">
@@ -4820,7 +4820,7 @@
           </p:nvSpPr>
           <p:spPr>
             <a:xfrm>
-              <a:off x="6531919" y="4251630"/>
+              <a:off x="6526020" y="4132819"/>
               <a:ext cx="49651" cy="49651"/>
             </a:xfrm>
             <a:prstGeom prst="ellipse">
@@ -4855,7 +4855,7 @@
           </p:nvSpPr>
           <p:spPr>
             <a:xfrm>
-              <a:off x="3096074" y="2070627"/>
+              <a:off x="3095173" y="2060088"/>
               <a:ext cx="49651" cy="49651"/>
             </a:xfrm>
             <a:prstGeom prst="ellipse">
@@ -4890,7 +4890,7 @@
           </p:nvSpPr>
           <p:spPr>
             <a:xfrm>
-              <a:off x="6555561" y="2887397"/>
+              <a:off x="6555913" y="2815537"/>
               <a:ext cx="49651" cy="49651"/>
             </a:xfrm>
             <a:prstGeom prst="ellipse">
@@ -4925,7 +4925,7 @@
           </p:nvSpPr>
           <p:spPr>
             <a:xfrm>
-              <a:off x="3132890" y="1870968"/>
+              <a:off x="3143408" y="1853392"/>
               <a:ext cx="49651" cy="49651"/>
             </a:xfrm>
             <a:prstGeom prst="ellipse">
@@ -4960,7 +4960,7 @@
           </p:nvSpPr>
           <p:spPr>
             <a:xfrm>
-              <a:off x="6547219" y="2084740"/>
+              <a:off x="6513803" y="2046603"/>
               <a:ext cx="49651" cy="49651"/>
             </a:xfrm>
             <a:prstGeom prst="ellipse">
@@ -4995,7 +4995,7 @@
           </p:nvSpPr>
           <p:spPr>
             <a:xfrm>
-              <a:off x="3108638" y="4454931"/>
+              <a:off x="3121035" y="4323529"/>
               <a:ext cx="49651" cy="49651"/>
             </a:xfrm>
             <a:prstGeom prst="ellipse">
@@ -5030,7 +5030,7 @@
           </p:nvSpPr>
           <p:spPr>
             <a:xfrm>
-              <a:off x="6505732" y="4048243"/>
+              <a:off x="6548116" y="3931750"/>
               <a:ext cx="49651" cy="49651"/>
             </a:xfrm>
             <a:prstGeom prst="ellipse">
@@ -5065,7 +5065,7 @@
           </p:nvSpPr>
           <p:spPr>
             <a:xfrm>
-              <a:off x="3086912" y="2171070"/>
+              <a:off x="3118640" y="2140176"/>
               <a:ext cx="49651" cy="49651"/>
             </a:xfrm>
             <a:prstGeom prst="ellipse">
@@ -5100,7 +5100,7 @@
           </p:nvSpPr>
           <p:spPr>
             <a:xfrm>
-              <a:off x="6499317" y="3824737"/>
+              <a:off x="6511962" y="3702344"/>
               <a:ext cx="49651" cy="49651"/>
             </a:xfrm>
             <a:prstGeom prst="ellipse">
@@ -5135,7 +5135,7 @@
           </p:nvSpPr>
           <p:spPr>
             <a:xfrm>
-              <a:off x="3141240" y="3268247"/>
+              <a:off x="3092977" y="3174864"/>
               <a:ext cx="49651" cy="49651"/>
             </a:xfrm>
             <a:prstGeom prst="ellipse">
@@ -5170,7 +5170,7 @@
           </p:nvSpPr>
           <p:spPr>
             <a:xfrm>
-              <a:off x="6555715" y="2289325"/>
+              <a:off x="6559132" y="2248915"/>
               <a:ext cx="49651" cy="49651"/>
             </a:xfrm>
             <a:prstGeom prst="ellipse">
@@ -5205,7 +5205,7 @@
           </p:nvSpPr>
           <p:spPr>
             <a:xfrm>
-              <a:off x="3137810" y="1690541"/>
+              <a:off x="3085273" y="1677417"/>
               <a:ext cx="49651" cy="49651"/>
             </a:xfrm>
             <a:prstGeom prst="ellipse">
@@ -5240,7 +5240,7 @@
           </p:nvSpPr>
           <p:spPr>
             <a:xfrm>
-              <a:off x="6541545" y="2485460"/>
+              <a:off x="6551059" y="2431248"/>
               <a:ext cx="49651" cy="49651"/>
             </a:xfrm>
             <a:prstGeom prst="ellipse">
@@ -5275,7 +5275,7 @@
           </p:nvSpPr>
           <p:spPr>
             <a:xfrm>
-              <a:off x="3105852" y="2280543"/>
+              <a:off x="3103627" y="2241131"/>
               <a:ext cx="49651" cy="49651"/>
             </a:xfrm>
             <a:prstGeom prst="ellipse">
@@ -5310,7 +5310,7 @@
           </p:nvSpPr>
           <p:spPr>
             <a:xfrm>
-              <a:off x="6557341" y="3063644"/>
+              <a:off x="6518884" y="2985989"/>
               <a:ext cx="49651" cy="49651"/>
             </a:xfrm>
             <a:prstGeom prst="ellipse">
@@ -5345,7 +5345,7 @@
           </p:nvSpPr>
           <p:spPr>
             <a:xfrm>
-              <a:off x="3097879" y="3456268"/>
+              <a:off x="3127134" y="3369165"/>
               <a:ext cx="49651" cy="49651"/>
             </a:xfrm>
             <a:prstGeom prst="ellipse">
@@ -5380,7 +5380,7 @@
           </p:nvSpPr>
           <p:spPr>
             <a:xfrm>
-              <a:off x="6536747" y="2884044"/>
+              <a:off x="6509076" y="2808897"/>
               <a:ext cx="49651" cy="49651"/>
             </a:xfrm>
             <a:prstGeom prst="ellipse">
@@ -5415,7 +5415,7 @@
           </p:nvSpPr>
           <p:spPr>
             <a:xfrm>
-              <a:off x="3146867" y="2468353"/>
+              <a:off x="3115052" y="2430047"/>
               <a:ext cx="49651" cy="49651"/>
             </a:xfrm>
             <a:prstGeom prst="ellipse">
@@ -5450,7 +5450,7 @@
           </p:nvSpPr>
           <p:spPr>
             <a:xfrm>
-              <a:off x="6548281" y="3255605"/>
+              <a:off x="6552419" y="3197431"/>
               <a:ext cx="49651" cy="49651"/>
             </a:xfrm>
             <a:prstGeom prst="ellipse">
@@ -5485,7 +5485,7 @@
           </p:nvSpPr>
           <p:spPr>
             <a:xfrm>
-              <a:off x="3130680" y="2465717"/>
+              <a:off x="3132592" y="2438012"/>
               <a:ext cx="49651" cy="49651"/>
             </a:xfrm>
             <a:prstGeom prst="ellipse">
@@ -5520,7 +5520,7 @@
           </p:nvSpPr>
           <p:spPr>
             <a:xfrm>
-              <a:off x="6559513" y="3254598"/>
+              <a:off x="6536555" y="3172153"/>
               <a:ext cx="49651" cy="49651"/>
             </a:xfrm>
             <a:prstGeom prst="ellipse">
@@ -5555,7 +5555,7 @@
           </p:nvSpPr>
           <p:spPr>
             <a:xfrm>
-              <a:off x="3083402" y="2093120"/>
+              <a:off x="3145537" y="2039651"/>
               <a:ext cx="49651" cy="49651"/>
             </a:xfrm>
             <a:prstGeom prst="ellipse">
@@ -5590,7 +5590,7 @@
           </p:nvSpPr>
           <p:spPr>
             <a:xfrm>
-              <a:off x="6524595" y="3276127"/>
+              <a:off x="6513908" y="3192272"/>
               <a:ext cx="49651" cy="49651"/>
             </a:xfrm>
             <a:prstGeom prst="ellipse">
@@ -5625,7 +5625,7 @@
           </p:nvSpPr>
           <p:spPr>
             <a:xfrm>
-              <a:off x="3136757" y="2489129"/>
+              <a:off x="3146358" y="2431440"/>
               <a:ext cx="49651" cy="49651"/>
             </a:xfrm>
             <a:prstGeom prst="ellipse">
@@ -5660,7 +5660,7 @@
           </p:nvSpPr>
           <p:spPr>
             <a:xfrm>
-              <a:off x="6511270" y="2866530"/>
+              <a:off x="6546534" y="2799650"/>
               <a:ext cx="49651" cy="49651"/>
             </a:xfrm>
             <a:prstGeom prst="ellipse">
@@ -5695,7 +5695,7 @@
           </p:nvSpPr>
           <p:spPr>
             <a:xfrm>
-              <a:off x="3103263" y="2467765"/>
+              <a:off x="3124607" y="2433848"/>
               <a:ext cx="49651" cy="49651"/>
             </a:xfrm>
             <a:prstGeom prst="ellipse">
@@ -5730,7 +5730,7 @@
           </p:nvSpPr>
           <p:spPr>
             <a:xfrm>
-              <a:off x="6498874" y="4059716"/>
+              <a:off x="6539450" y="3945660"/>
               <a:ext cx="49651" cy="49651"/>
             </a:xfrm>
             <a:prstGeom prst="ellipse">
@@ -5765,7 +5765,7 @@
           </p:nvSpPr>
           <p:spPr>
             <a:xfrm>
-              <a:off x="3105895" y="2474814"/>
+              <a:off x="3125365" y="2430358"/>
               <a:ext cx="49651" cy="49651"/>
             </a:xfrm>
             <a:prstGeom prst="ellipse">
@@ -5800,7 +5800,7 @@
           </p:nvSpPr>
           <p:spPr>
             <a:xfrm>
-              <a:off x="6497177" y="5655906"/>
+              <a:off x="6507457" y="5447846"/>
               <a:ext cx="49651" cy="49651"/>
             </a:xfrm>
             <a:prstGeom prst="ellipse">
@@ -5835,7 +5835,7 @@
           </p:nvSpPr>
           <p:spPr>
             <a:xfrm>
-              <a:off x="3093296" y="2095404"/>
+              <a:off x="3115914" y="2047470"/>
               <a:ext cx="49651" cy="49651"/>
             </a:xfrm>
             <a:prstGeom prst="ellipse">
@@ -5870,7 +5870,7 @@
           </p:nvSpPr>
           <p:spPr>
             <a:xfrm>
-              <a:off x="6516951" y="3672303"/>
+              <a:off x="6532633" y="3563740"/>
               <a:ext cx="49651" cy="49651"/>
             </a:xfrm>
             <a:prstGeom prst="ellipse">
@@ -5905,7 +5905,7 @@
           </p:nvSpPr>
           <p:spPr>
             <a:xfrm>
-              <a:off x="3084833" y="1683229"/>
+              <a:off x="3105921" y="1674556"/>
               <a:ext cx="49651" cy="49651"/>
             </a:xfrm>
             <a:prstGeom prst="ellipse">
@@ -5940,7 +5940,7 @@
           </p:nvSpPr>
           <p:spPr>
             <a:xfrm>
-              <a:off x="6493129" y="4445207"/>
+              <a:off x="6493575" y="4308286"/>
               <a:ext cx="49651" cy="49651"/>
             </a:xfrm>
             <a:prstGeom prst="ellipse">
@@ -5975,7 +5975,7 @@
           </p:nvSpPr>
           <p:spPr>
             <a:xfrm>
-              <a:off x="3128566" y="2481611"/>
+              <a:off x="3145896" y="2441930"/>
               <a:ext cx="49651" cy="49651"/>
             </a:xfrm>
             <a:prstGeom prst="ellipse">
@@ -6010,7 +6010,7 @@
           </p:nvSpPr>
           <p:spPr>
             <a:xfrm>
-              <a:off x="6501122" y="2081448"/>
+              <a:off x="6518960" y="2043104"/>
               <a:ext cx="49651" cy="49651"/>
             </a:xfrm>
             <a:prstGeom prst="ellipse">
@@ -6045,7 +6045,7 @@
           </p:nvSpPr>
           <p:spPr>
             <a:xfrm>
-              <a:off x="3109736" y="2273681"/>
+              <a:off x="3136717" y="2229609"/>
               <a:ext cx="49651" cy="49651"/>
             </a:xfrm>
             <a:prstGeom prst="ellipse">
@@ -6080,7 +6080,7 @@
           </p:nvSpPr>
           <p:spPr>
             <a:xfrm>
-              <a:off x="6513167" y="3661769"/>
+              <a:off x="6530527" y="3558050"/>
               <a:ext cx="49651" cy="49651"/>
             </a:xfrm>
             <a:prstGeom prst="ellipse">
@@ -6115,7 +6115,7 @@
           </p:nvSpPr>
           <p:spPr>
             <a:xfrm>
-              <a:off x="3127443" y="2484642"/>
+              <a:off x="3122369" y="2438169"/>
               <a:ext cx="49651" cy="49651"/>
             </a:xfrm>
             <a:prstGeom prst="ellipse">
@@ -6150,7 +6150,7 @@
           </p:nvSpPr>
           <p:spPr>
             <a:xfrm>
-              <a:off x="6513860" y="2266770"/>
+              <a:off x="6527113" y="2245861"/>
               <a:ext cx="49651" cy="49651"/>
             </a:xfrm>
             <a:prstGeom prst="ellipse">
@@ -6185,7 +6185,7 @@
           </p:nvSpPr>
           <p:spPr>
             <a:xfrm>
-              <a:off x="3136259" y="1700899"/>
+              <a:off x="3133157" y="1691523"/>
               <a:ext cx="49651" cy="49651"/>
             </a:xfrm>
             <a:prstGeom prst="ellipse">
@@ -6220,7 +6220,7 @@
           </p:nvSpPr>
           <p:spPr>
             <a:xfrm>
-              <a:off x="6518759" y="2883916"/>
+              <a:off x="6544171" y="2819016"/>
               <a:ext cx="49651" cy="49651"/>
             </a:xfrm>
             <a:prstGeom prst="ellipse">
@@ -6255,7 +6255,7 @@
           </p:nvSpPr>
           <p:spPr>
             <a:xfrm>
-              <a:off x="3103321" y="2662402"/>
+              <a:off x="3088621" y="2630185"/>
               <a:ext cx="49651" cy="49651"/>
             </a:xfrm>
             <a:prstGeom prst="ellipse">
@@ -6290,7 +6290,7 @@
           </p:nvSpPr>
           <p:spPr>
             <a:xfrm>
-              <a:off x="6498809" y="2289918"/>
+              <a:off x="6544014" y="2257371"/>
               <a:ext cx="49651" cy="49651"/>
             </a:xfrm>
             <a:prstGeom prst="ellipse">
@@ -6325,7 +6325,7 @@
           </p:nvSpPr>
           <p:spPr>
             <a:xfrm>
-              <a:off x="3137437" y="2156378"/>
+              <a:off x="3141632" y="2115110"/>
               <a:ext cx="49651" cy="49651"/>
             </a:xfrm>
             <a:prstGeom prst="ellipse">
@@ -6360,7 +6360,7 @@
           </p:nvSpPr>
           <p:spPr>
             <a:xfrm>
-              <a:off x="6502613" y="3074865"/>
+              <a:off x="6519445" y="3002726"/>
               <a:ext cx="49651" cy="49651"/>
             </a:xfrm>
             <a:prstGeom prst="ellipse">
@@ -6395,7 +6395,7 @@
           </p:nvSpPr>
           <p:spPr>
             <a:xfrm>
-              <a:off x="3107000" y="2468319"/>
+              <a:off x="3130823" y="2420778"/>
               <a:ext cx="49651" cy="49651"/>
             </a:xfrm>
             <a:prstGeom prst="ellipse">
@@ -6430,7 +6430,7 @@
           </p:nvSpPr>
           <p:spPr>
             <a:xfrm>
-              <a:off x="6524559" y="3663874"/>
+              <a:off x="6548260" y="3569241"/>
               <a:ext cx="49651" cy="49651"/>
             </a:xfrm>
             <a:prstGeom prst="ellipse">
@@ -6465,7 +6465,7 @@
           </p:nvSpPr>
           <p:spPr>
             <a:xfrm>
-              <a:off x="3116042" y="2676470"/>
+              <a:off x="3105584" y="2622555"/>
               <a:ext cx="49651" cy="49651"/>
             </a:xfrm>
             <a:prstGeom prst="ellipse">
@@ -6500,7 +6500,7 @@
           </p:nvSpPr>
           <p:spPr>
             <a:xfrm>
-              <a:off x="6502685" y="3870223"/>
+              <a:off x="6537986" y="3760908"/>
               <a:ext cx="49651" cy="49651"/>
             </a:xfrm>
             <a:prstGeom prst="ellipse">
@@ -6535,7 +6535,7 @@
           </p:nvSpPr>
           <p:spPr>
             <a:xfrm>
-              <a:off x="3133371" y="1887151"/>
+              <a:off x="3103080" y="1855852"/>
               <a:ext cx="49651" cy="49651"/>
             </a:xfrm>
             <a:prstGeom prst="ellipse">
@@ -6570,7 +6570,7 @@
           </p:nvSpPr>
           <p:spPr>
             <a:xfrm>
-              <a:off x="6509273" y="2880645"/>
+              <a:off x="6539701" y="2816714"/>
               <a:ext cx="49651" cy="49651"/>
             </a:xfrm>
             <a:prstGeom prst="ellipse">
@@ -6605,7 +6605,7 @@
           </p:nvSpPr>
           <p:spPr>
             <a:xfrm>
-              <a:off x="3136026" y="2870878"/>
+              <a:off x="3115436" y="2807043"/>
               <a:ext cx="49651" cy="49651"/>
             </a:xfrm>
             <a:prstGeom prst="ellipse">
@@ -6640,7 +6640,7 @@
           </p:nvSpPr>
           <p:spPr>
             <a:xfrm>
-              <a:off x="6537664" y="3454276"/>
+              <a:off x="6550142" y="3361963"/>
               <a:ext cx="49651" cy="49651"/>
             </a:xfrm>
             <a:prstGeom prst="ellipse">
@@ -6675,7 +6675,7 @@
           </p:nvSpPr>
           <p:spPr>
             <a:xfrm>
-              <a:off x="3146200" y="4865990"/>
+              <a:off x="3138238" y="4685447"/>
               <a:ext cx="49651" cy="49651"/>
             </a:xfrm>
             <a:prstGeom prst="ellipse">
@@ -6710,7 +6710,7 @@
           </p:nvSpPr>
           <p:spPr>
             <a:xfrm>
-              <a:off x="6556636" y="3281129"/>
+              <a:off x="6530024" y="3172647"/>
               <a:ext cx="49651" cy="49651"/>
             </a:xfrm>
             <a:prstGeom prst="ellipse">
@@ -6745,7 +6745,7 @@
           </p:nvSpPr>
           <p:spPr>
             <a:xfrm>
-              <a:off x="3139767" y="1693619"/>
+              <a:off x="3139446" y="1692019"/>
               <a:ext cx="49651" cy="49651"/>
             </a:xfrm>
             <a:prstGeom prst="ellipse">
@@ -6780,7 +6780,7 @@
           </p:nvSpPr>
           <p:spPr>
             <a:xfrm>
-              <a:off x="6508539" y="2078684"/>
+              <a:off x="6559113" y="2055821"/>
               <a:ext cx="49651" cy="49651"/>
             </a:xfrm>
             <a:prstGeom prst="ellipse">
@@ -6815,7 +6815,7 @@
           </p:nvSpPr>
           <p:spPr>
             <a:xfrm>
-              <a:off x="3098286" y="4248424"/>
+              <a:off x="3145660" y="4135486"/>
               <a:ext cx="49651" cy="49651"/>
             </a:xfrm>
             <a:prstGeom prst="ellipse">
@@ -6850,7 +6850,7 @@
           </p:nvSpPr>
           <p:spPr>
             <a:xfrm>
-              <a:off x="6550361" y="4061273"/>
+              <a:off x="6504361" y="3932626"/>
               <a:ext cx="49651" cy="49651"/>
             </a:xfrm>
             <a:prstGeom prst="ellipse">
@@ -6885,7 +6885,7 @@
           </p:nvSpPr>
           <p:spPr>
             <a:xfrm>
-              <a:off x="3135614" y="2288915"/>
+              <a:off x="3147579" y="2251343"/>
               <a:ext cx="49651" cy="49651"/>
             </a:xfrm>
             <a:prstGeom prst="ellipse">
@@ -6920,7 +6920,7 @@
           </p:nvSpPr>
           <p:spPr>
             <a:xfrm>
-              <a:off x="6554296" y="2676868"/>
+              <a:off x="6533239" y="2618624"/>
               <a:ext cx="49651" cy="49651"/>
             </a:xfrm>
             <a:prstGeom prst="ellipse">
@@ -6955,7 +6955,7 @@
           </p:nvSpPr>
           <p:spPr>
             <a:xfrm>
-              <a:off x="3109924" y="2286035"/>
+              <a:off x="3138575" y="2245732"/>
               <a:ext cx="49651" cy="49651"/>
             </a:xfrm>
             <a:prstGeom prst="ellipse">
@@ -6990,7 +6990,7 @@
           </p:nvSpPr>
           <p:spPr>
             <a:xfrm>
-              <a:off x="6498315" y="2098099"/>
+              <a:off x="6531395" y="2054391"/>
               <a:ext cx="49651" cy="49651"/>
             </a:xfrm>
             <a:prstGeom prst="ellipse">
@@ -7025,7 +7025,7 @@
           </p:nvSpPr>
           <p:spPr>
             <a:xfrm>
-              <a:off x="3110198" y="1692625"/>
+              <a:off x="3102303" y="1663596"/>
               <a:ext cx="49651" cy="49651"/>
             </a:xfrm>
             <a:prstGeom prst="ellipse">
@@ -7060,7 +7060,7 @@
           </p:nvSpPr>
           <p:spPr>
             <a:xfrm>
-              <a:off x="6494459" y="3085273"/>
+              <a:off x="6494453" y="2981492"/>
               <a:ext cx="49651" cy="49651"/>
             </a:xfrm>
             <a:prstGeom prst="ellipse">
@@ -7095,7 +7095,7 @@
           </p:nvSpPr>
           <p:spPr>
             <a:xfrm>
-              <a:off x="3106389" y="4048976"/>
+              <a:off x="3133765" y="3930781"/>
               <a:ext cx="49651" cy="49651"/>
             </a:xfrm>
             <a:prstGeom prst="ellipse">
@@ -7130,7 +7130,7 @@
           </p:nvSpPr>
           <p:spPr>
             <a:xfrm>
-              <a:off x="6556493" y="4066758"/>
+              <a:off x="6554131" y="3921789"/>
               <a:ext cx="49651" cy="49651"/>
             </a:xfrm>
             <a:prstGeom prst="ellipse">
@@ -7165,7 +7165,7 @@
           </p:nvSpPr>
           <p:spPr>
             <a:xfrm>
-              <a:off x="3107064" y="1869301"/>
+              <a:off x="3129847" y="1864320"/>
               <a:ext cx="49651" cy="49651"/>
             </a:xfrm>
             <a:prstGeom prst="ellipse">
@@ -7200,7 +7200,7 @@
           </p:nvSpPr>
           <p:spPr>
             <a:xfrm>
-              <a:off x="6522091" y="4459161"/>
+              <a:off x="6521982" y="4297510"/>
               <a:ext cx="49651" cy="49651"/>
             </a:xfrm>
             <a:prstGeom prst="ellipse">
@@ -7235,7 +7235,7 @@
           </p:nvSpPr>
           <p:spPr>
             <a:xfrm>
-              <a:off x="3125826" y="3282763"/>
+              <a:off x="3102838" y="3187778"/>
               <a:ext cx="49651" cy="49651"/>
             </a:xfrm>
             <a:prstGeom prst="ellipse">
@@ -7270,7 +7270,7 @@
           </p:nvSpPr>
           <p:spPr>
             <a:xfrm>
-              <a:off x="6529060" y="2859842"/>
+              <a:off x="6529988" y="2798780"/>
               <a:ext cx="49651" cy="49651"/>
             </a:xfrm>
             <a:prstGeom prst="ellipse">
@@ -7305,7 +7305,7 @@
           </p:nvSpPr>
           <p:spPr>
             <a:xfrm>
-              <a:off x="3090411" y="1695314"/>
+              <a:off x="3145463" y="1672823"/>
               <a:ext cx="49651" cy="49651"/>
             </a:xfrm>
             <a:prstGeom prst="ellipse">
@@ -7340,7 +7340,7 @@
           </p:nvSpPr>
           <p:spPr>
             <a:xfrm>
-              <a:off x="6493373" y="4472230"/>
+              <a:off x="6493658" y="4309205"/>
               <a:ext cx="49651" cy="49651"/>
             </a:xfrm>
             <a:prstGeom prst="ellipse">
@@ -7375,7 +7375,7 @@
           </p:nvSpPr>
           <p:spPr>
             <a:xfrm>
-              <a:off x="3107105" y="2487051"/>
+              <a:off x="3145292" y="2422153"/>
               <a:ext cx="49651" cy="49651"/>
             </a:xfrm>
             <a:prstGeom prst="ellipse">
@@ -7410,7 +7410,7 @@
           </p:nvSpPr>
           <p:spPr>
             <a:xfrm>
-              <a:off x="6514538" y="3664059"/>
+              <a:off x="6551864" y="3563792"/>
               <a:ext cx="49651" cy="49651"/>
             </a:xfrm>
             <a:prstGeom prst="ellipse">
@@ -7445,7 +7445,7 @@
           </p:nvSpPr>
           <p:spPr>
             <a:xfrm>
-              <a:off x="3128348" y="2871223"/>
+              <a:off x="3131743" y="2809602"/>
               <a:ext cx="49651" cy="49651"/>
             </a:xfrm>
             <a:prstGeom prst="ellipse">
@@ -7480,7 +7480,7 @@
           </p:nvSpPr>
           <p:spPr>
             <a:xfrm>
-              <a:off x="6554432" y="3874111"/>
+              <a:off x="6542170" y="3732277"/>
               <a:ext cx="49651" cy="49651"/>
             </a:xfrm>
             <a:prstGeom prst="ellipse">
@@ -7515,7 +7515,7 @@
           </p:nvSpPr>
           <p:spPr>
             <a:xfrm>
-              <a:off x="3126862" y="1673503"/>
+              <a:off x="3105684" y="1677840"/>
               <a:ext cx="49651" cy="49651"/>
             </a:xfrm>
             <a:prstGeom prst="ellipse">
@@ -7550,7 +7550,7 @@
           </p:nvSpPr>
           <p:spPr>
             <a:xfrm>
-              <a:off x="6524717" y="2683630"/>
+              <a:off x="6506891" y="2623707"/>
               <a:ext cx="49651" cy="49651"/>
             </a:xfrm>
             <a:prstGeom prst="ellipse">
@@ -7585,7 +7585,7 @@
           </p:nvSpPr>
           <p:spPr>
             <a:xfrm>
-              <a:off x="3129354" y="2124278"/>
+              <a:off x="3084568" y="2100379"/>
               <a:ext cx="49651" cy="49651"/>
             </a:xfrm>
             <a:prstGeom prst="ellipse">
@@ -7620,7 +7620,7 @@
           </p:nvSpPr>
           <p:spPr>
             <a:xfrm>
-              <a:off x="6540325" y="2129185"/>
+              <a:off x="6497597" y="2085781"/>
               <a:ext cx="49651" cy="49651"/>
             </a:xfrm>
             <a:prstGeom prst="ellipse">
@@ -7655,7 +7655,7 @@
           </p:nvSpPr>
           <p:spPr>
             <a:xfrm>
-              <a:off x="3141777" y="3674390"/>
+              <a:off x="3093528" y="3548405"/>
               <a:ext cx="49651" cy="49651"/>
             </a:xfrm>
             <a:prstGeom prst="ellipse">
@@ -7690,7 +7690,7 @@
           </p:nvSpPr>
           <p:spPr>
             <a:xfrm>
-              <a:off x="6549909" y="3656330"/>
+              <a:off x="6540582" y="3572267"/>
               <a:ext cx="49651" cy="49651"/>
             </a:xfrm>
             <a:prstGeom prst="ellipse">
@@ -7725,7 +7725,7 @@
           </p:nvSpPr>
           <p:spPr>
             <a:xfrm>
-              <a:off x="3103805" y="2091092"/>
+              <a:off x="3114391" y="2062687"/>
               <a:ext cx="49651" cy="49651"/>
             </a:xfrm>
             <a:prstGeom prst="ellipse">
@@ -7760,7 +7760,7 @@
           </p:nvSpPr>
           <p:spPr>
             <a:xfrm>
-              <a:off x="6498964" y="3280108"/>
+              <a:off x="6521706" y="3196197"/>
               <a:ext cx="49651" cy="49651"/>
             </a:xfrm>
             <a:prstGeom prst="ellipse">
@@ -7795,7 +7795,7 @@
           </p:nvSpPr>
           <p:spPr>
             <a:xfrm>
-              <a:off x="3144655" y="2265827"/>
+              <a:off x="3139072" y="2246231"/>
               <a:ext cx="49651" cy="49651"/>
             </a:xfrm>
             <a:prstGeom prst="ellipse">
@@ -7830,7 +7830,7 @@
           </p:nvSpPr>
           <p:spPr>
             <a:xfrm>
-              <a:off x="6557217" y="3666380"/>
+              <a:off x="6515112" y="3546019"/>
               <a:ext cx="49651" cy="49651"/>
             </a:xfrm>
             <a:prstGeom prst="ellipse">
@@ -7865,7 +7865,7 @@
           </p:nvSpPr>
           <p:spPr>
             <a:xfrm>
-              <a:off x="3121782" y="2666581"/>
+              <a:off x="3133745" y="2625555"/>
               <a:ext cx="49651" cy="49651"/>
             </a:xfrm>
             <a:prstGeom prst="ellipse">
@@ -7900,7 +7900,7 @@
           </p:nvSpPr>
           <p:spPr>
             <a:xfrm>
-              <a:off x="6514011" y="3276325"/>
+              <a:off x="6494749" y="3191779"/>
               <a:ext cx="49651" cy="49651"/>
             </a:xfrm>
             <a:prstGeom prst="ellipse">
@@ -7935,7 +7935,7 @@
           </p:nvSpPr>
           <p:spPr>
             <a:xfrm>
-              <a:off x="3114069" y="1869188"/>
+              <a:off x="3087976" y="1880265"/>
               <a:ext cx="49651" cy="49651"/>
             </a:xfrm>
             <a:prstGeom prst="ellipse">
@@ -7970,7 +7970,7 @@
           </p:nvSpPr>
           <p:spPr>
             <a:xfrm>
-              <a:off x="6528314" y="2082331"/>
+              <a:off x="6506779" y="2066877"/>
               <a:ext cx="49651" cy="49651"/>
             </a:xfrm>
             <a:prstGeom prst="ellipse">
@@ -8005,7 +8005,7 @@
           </p:nvSpPr>
           <p:spPr>
             <a:xfrm>
-              <a:off x="3141271" y="2885974"/>
+              <a:off x="3095094" y="2821488"/>
               <a:ext cx="49651" cy="49651"/>
             </a:xfrm>
             <a:prstGeom prst="ellipse">
@@ -8040,7 +8040,7 @@
           </p:nvSpPr>
           <p:spPr>
             <a:xfrm>
-              <a:off x="6518140" y="2486601"/>
+              <a:off x="6552097" y="2428199"/>
               <a:ext cx="49651" cy="49651"/>
             </a:xfrm>
             <a:prstGeom prst="ellipse">
@@ -8075,7 +8075,7 @@
           </p:nvSpPr>
           <p:spPr>
             <a:xfrm>
-              <a:off x="3144952" y="2092690"/>
+              <a:off x="3117546" y="2068978"/>
               <a:ext cx="49651" cy="49651"/>
             </a:xfrm>
             <a:prstGeom prst="ellipse">
@@ -8110,7 +8110,7 @@
           </p:nvSpPr>
           <p:spPr>
             <a:xfrm>
-              <a:off x="6516958" y="3658906"/>
+              <a:off x="6531797" y="3560964"/>
               <a:ext cx="49651" cy="49651"/>
             </a:xfrm>
             <a:prstGeom prst="ellipse">
@@ -8145,7 +8145,7 @@
           </p:nvSpPr>
           <p:spPr>
             <a:xfrm>
-              <a:off x="3142570" y="2389507"/>
+              <a:off x="3117744" y="2345577"/>
               <a:ext cx="49651" cy="49651"/>
             </a:xfrm>
             <a:prstGeom prst="ellipse">
@@ -8180,7 +8180,7 @@
           </p:nvSpPr>
           <p:spPr>
             <a:xfrm>
-              <a:off x="6514079" y="4267748"/>
+              <a:off x="6549940" y="4110403"/>
               <a:ext cx="49651" cy="49651"/>
             </a:xfrm>
             <a:prstGeom prst="ellipse">
@@ -8215,7 +8215,7 @@
           </p:nvSpPr>
           <p:spPr>
             <a:xfrm>
-              <a:off x="3095878" y="2276255"/>
+              <a:off x="3087053" y="2255988"/>
               <a:ext cx="49651" cy="49651"/>
             </a:xfrm>
             <a:prstGeom prst="ellipse">
@@ -8250,7 +8250,7 @@
           </p:nvSpPr>
           <p:spPr>
             <a:xfrm>
-              <a:off x="6559889" y="2682783"/>
+              <a:off x="6521204" y="2628162"/>
               <a:ext cx="49651" cy="49651"/>
             </a:xfrm>
             <a:prstGeom prst="ellipse">
@@ -8285,7 +8285,7 @@
           </p:nvSpPr>
           <p:spPr>
             <a:xfrm>
-              <a:off x="3084560" y="3656768"/>
+              <a:off x="3134438" y="3557672"/>
               <a:ext cx="49651" cy="49651"/>
             </a:xfrm>
             <a:prstGeom prst="ellipse">
@@ -8320,7 +8320,7 @@
           </p:nvSpPr>
           <p:spPr>
             <a:xfrm>
-              <a:off x="6513578" y="3679168"/>
+              <a:off x="6523496" y="3550957"/>
               <a:ext cx="49651" cy="49651"/>
             </a:xfrm>
             <a:prstGeom prst="ellipse">
@@ -8355,7 +8355,7 @@
           </p:nvSpPr>
           <p:spPr>
             <a:xfrm>
-              <a:off x="3094329" y="2208823"/>
+              <a:off x="3083276" y="2166341"/>
               <a:ext cx="49651" cy="49651"/>
             </a:xfrm>
             <a:prstGeom prst="ellipse">
@@ -8390,7 +8390,7 @@
           </p:nvSpPr>
           <p:spPr>
             <a:xfrm>
-              <a:off x="6497626" y="3002043"/>
+              <a:off x="6501995" y="2925051"/>
               <a:ext cx="49651" cy="49651"/>
             </a:xfrm>
             <a:prstGeom prst="ellipse">
@@ -8425,7 +8425,7 @@
           </p:nvSpPr>
           <p:spPr>
             <a:xfrm>
-              <a:off x="3112892" y="2488267"/>
+              <a:off x="3102979" y="2438515"/>
               <a:ext cx="49651" cy="49651"/>
             </a:xfrm>
             <a:prstGeom prst="ellipse">
@@ -8460,7 +8460,7 @@
           </p:nvSpPr>
           <p:spPr>
             <a:xfrm>
-              <a:off x="6554943" y="2075431"/>
+              <a:off x="6536507" y="2050415"/>
               <a:ext cx="49651" cy="49651"/>
             </a:xfrm>
             <a:prstGeom prst="ellipse">
@@ -8495,7 +8495,7 @@
           </p:nvSpPr>
           <p:spPr>
             <a:xfrm>
-              <a:off x="3082169" y="2743859"/>
+              <a:off x="3136506" y="2700612"/>
               <a:ext cx="49651" cy="49651"/>
             </a:xfrm>
             <a:prstGeom prst="ellipse">
@@ -8530,7 +8530,7 @@
           </p:nvSpPr>
           <p:spPr>
             <a:xfrm>
-              <a:off x="6531462" y="4188999"/>
+              <a:off x="6550528" y="4034244"/>
               <a:ext cx="49651" cy="49651"/>
             </a:xfrm>
             <a:prstGeom prst="ellipse">
@@ -8565,7 +8565,7 @@
           </p:nvSpPr>
           <p:spPr>
             <a:xfrm>
-              <a:off x="3083188" y="2081255"/>
+              <a:off x="3125862" y="2060260"/>
               <a:ext cx="49651" cy="49651"/>
             </a:xfrm>
             <a:prstGeom prst="ellipse">
@@ -8600,7 +8600,7 @@
           </p:nvSpPr>
           <p:spPr>
             <a:xfrm>
-              <a:off x="6517807" y="4461978"/>
+              <a:off x="6498758" y="4315195"/>
               <a:ext cx="49651" cy="49651"/>
             </a:xfrm>
             <a:prstGeom prst="ellipse">
@@ -8635,7 +8635,7 @@
           </p:nvSpPr>
           <p:spPr>
             <a:xfrm>
-              <a:off x="3145566" y="3667617"/>
+              <a:off x="3137835" y="3565876"/>
               <a:ext cx="49651" cy="49651"/>
             </a:xfrm>
             <a:prstGeom prst="ellipse">
@@ -8670,7 +8670,7 @@
           </p:nvSpPr>
           <p:spPr>
             <a:xfrm>
-              <a:off x="6559016" y="4659568"/>
+              <a:off x="6552254" y="4495234"/>
               <a:ext cx="49651" cy="49651"/>
             </a:xfrm>
             <a:prstGeom prst="ellipse">
@@ -8705,7 +8705,7 @@
           </p:nvSpPr>
           <p:spPr>
             <a:xfrm>
-              <a:off x="3123641" y="2286842"/>
+              <a:off x="3110912" y="2234987"/>
               <a:ext cx="49651" cy="49651"/>
             </a:xfrm>
             <a:prstGeom prst="ellipse">
@@ -8740,7 +8740,7 @@
           </p:nvSpPr>
           <p:spPr>
             <a:xfrm>
-              <a:off x="6526774" y="3477027"/>
+              <a:off x="6559284" y="3363543"/>
               <a:ext cx="49651" cy="49651"/>
             </a:xfrm>
             <a:prstGeom prst="ellipse">
@@ -8775,7 +8775,7 @@
           </p:nvSpPr>
           <p:spPr>
             <a:xfrm>
-              <a:off x="3134616" y="2080624"/>
+              <a:off x="3088016" y="2044947"/>
               <a:ext cx="49651" cy="49651"/>
             </a:xfrm>
             <a:prstGeom prst="ellipse">
@@ -8810,7 +8810,7 @@
           </p:nvSpPr>
           <p:spPr>
             <a:xfrm>
-              <a:off x="6552081" y="5039619"/>
+              <a:off x="6514824" y="4863372"/>
               <a:ext cx="49651" cy="49651"/>
             </a:xfrm>
             <a:prstGeom prst="ellipse">
@@ -8845,7 +8845,7 @@
           </p:nvSpPr>
           <p:spPr>
             <a:xfrm>
-              <a:off x="3121002" y="2268693"/>
+              <a:off x="3092879" y="2237302"/>
               <a:ext cx="49651" cy="49651"/>
             </a:xfrm>
             <a:prstGeom prst="ellipse">
@@ -8880,7 +8880,7 @@
           </p:nvSpPr>
           <p:spPr>
             <a:xfrm>
-              <a:off x="6544950" y="1869729"/>
+              <a:off x="6506687" y="1874047"/>
               <a:ext cx="49651" cy="49651"/>
             </a:xfrm>
             <a:prstGeom prst="ellipse">
@@ -8915,7 +8915,7 @@
           </p:nvSpPr>
           <p:spPr>
             <a:xfrm>
-              <a:off x="3082328" y="3062471"/>
+              <a:off x="3123499" y="2989208"/>
               <a:ext cx="49651" cy="49651"/>
             </a:xfrm>
             <a:prstGeom prst="ellipse">
@@ -8950,7 +8950,7 @@
           </p:nvSpPr>
           <p:spPr>
             <a:xfrm>
-              <a:off x="6556554" y="2466020"/>
+              <a:off x="6509722" y="2437658"/>
               <a:ext cx="49651" cy="49651"/>
             </a:xfrm>
             <a:prstGeom prst="ellipse">
@@ -8985,7 +8985,7 @@
           </p:nvSpPr>
           <p:spPr>
             <a:xfrm>
-              <a:off x="3085471" y="4469087"/>
+              <a:off x="3126839" y="4312091"/>
               <a:ext cx="49651" cy="49651"/>
             </a:xfrm>
             <a:prstGeom prst="ellipse">
@@ -9020,7 +9020,7 @@
           </p:nvSpPr>
           <p:spPr>
             <a:xfrm>
-              <a:off x="6537138" y="2865689"/>
+              <a:off x="6558690" y="2802150"/>
               <a:ext cx="49651" cy="49651"/>
             </a:xfrm>
             <a:prstGeom prst="ellipse">
@@ -9055,7 +9055,7 @@
           </p:nvSpPr>
           <p:spPr>
             <a:xfrm>
-              <a:off x="3101459" y="4465051"/>
+              <a:off x="3111276" y="4324517"/>
               <a:ext cx="49651" cy="49651"/>
             </a:xfrm>
             <a:prstGeom prst="ellipse">
@@ -9090,7 +9090,7 @@
           </p:nvSpPr>
           <p:spPr>
             <a:xfrm>
-              <a:off x="6542450" y="4061284"/>
+              <a:off x="6558873" y="3949726"/>
               <a:ext cx="49651" cy="49651"/>
             </a:xfrm>
             <a:prstGeom prst="ellipse">
@@ -9125,7 +9125,7 @@
           </p:nvSpPr>
           <p:spPr>
             <a:xfrm>
-              <a:off x="3108326" y="2687610"/>
+              <a:off x="3113681" y="2616114"/>
               <a:ext cx="49651" cy="49651"/>
             </a:xfrm>
             <a:prstGeom prst="ellipse">
@@ -9160,7 +9160,7 @@
           </p:nvSpPr>
           <p:spPr>
             <a:xfrm>
-              <a:off x="6529937" y="3676179"/>
+              <a:off x="6506952" y="3549831"/>
               <a:ext cx="49651" cy="49651"/>
             </a:xfrm>
             <a:prstGeom prst="ellipse">
@@ -9195,7 +9195,7 @@
           </p:nvSpPr>
           <p:spPr>
             <a:xfrm>
-              <a:off x="3095324" y="2274026"/>
+              <a:off x="3128439" y="2251186"/>
               <a:ext cx="49651" cy="49651"/>
             </a:xfrm>
             <a:prstGeom prst="ellipse">
@@ -9230,7 +9230,7 @@
           </p:nvSpPr>
           <p:spPr>
             <a:xfrm>
-              <a:off x="6498888" y="3873796"/>
+              <a:off x="6530208" y="3738262"/>
               <a:ext cx="49651" cy="49651"/>
             </a:xfrm>
             <a:prstGeom prst="ellipse">
@@ -9265,7 +9265,7 @@
           </p:nvSpPr>
           <p:spPr>
             <a:xfrm>
-              <a:off x="3086466" y="1882448"/>
+              <a:off x="3116372" y="1870285"/>
               <a:ext cx="49651" cy="49651"/>
             </a:xfrm>
             <a:prstGeom prst="ellipse">
@@ -9300,7 +9300,7 @@
           </p:nvSpPr>
           <p:spPr>
             <a:xfrm>
-              <a:off x="6503880" y="3069771"/>
+              <a:off x="6556940" y="3004330"/>
               <a:ext cx="49651" cy="49651"/>
             </a:xfrm>
             <a:prstGeom prst="ellipse">
@@ -9335,7 +9335,7 @@
           </p:nvSpPr>
           <p:spPr>
             <a:xfrm>
-              <a:off x="3112797" y="2873331"/>
+              <a:off x="3113598" y="2793516"/>
               <a:ext cx="49651" cy="49651"/>
             </a:xfrm>
             <a:prstGeom prst="ellipse">
@@ -9370,7 +9370,7 @@
           </p:nvSpPr>
           <p:spPr>
             <a:xfrm>
-              <a:off x="6522349" y="4460494"/>
+              <a:off x="6495518" y="4310657"/>
               <a:ext cx="49651" cy="49651"/>
             </a:xfrm>
             <a:prstGeom prst="ellipse">
@@ -9405,7 +9405,7 @@
           </p:nvSpPr>
           <p:spPr>
             <a:xfrm>
-              <a:off x="3099839" y="2086500"/>
+              <a:off x="3105562" y="2049432"/>
               <a:ext cx="49651" cy="49651"/>
             </a:xfrm>
             <a:prstGeom prst="ellipse">
@@ -9440,7 +9440,7 @@
           </p:nvSpPr>
           <p:spPr>
             <a:xfrm>
-              <a:off x="6523321" y="2076401"/>
+              <a:off x="6549524" y="2046975"/>
               <a:ext cx="49651" cy="49651"/>
             </a:xfrm>
             <a:prstGeom prst="ellipse">
@@ -9475,7 +9475,7 @@
           </p:nvSpPr>
           <p:spPr>
             <a:xfrm>
-              <a:off x="3096864" y="2667311"/>
+              <a:off x="3123675" y="2631181"/>
               <a:ext cx="49651" cy="49651"/>
             </a:xfrm>
             <a:prstGeom prst="ellipse">
@@ -9510,7 +9510,7 @@
           </p:nvSpPr>
           <p:spPr>
             <a:xfrm>
-              <a:off x="6511000" y="3271944"/>
+              <a:off x="6530642" y="3172263"/>
               <a:ext cx="49651" cy="49651"/>
             </a:xfrm>
             <a:prstGeom prst="ellipse">
@@ -9545,7 +9545,7 @@
           </p:nvSpPr>
           <p:spPr>
             <a:xfrm>
-              <a:off x="3144560" y="3281585"/>
+              <a:off x="3111435" y="3196478"/>
               <a:ext cx="49651" cy="49651"/>
             </a:xfrm>
             <a:prstGeom prst="ellipse">
@@ -9580,7 +9580,7 @@
           </p:nvSpPr>
           <p:spPr>
             <a:xfrm>
-              <a:off x="6533680" y="3671526"/>
+              <a:off x="6549660" y="3548275"/>
               <a:ext cx="49651" cy="49651"/>
             </a:xfrm>
             <a:prstGeom prst="ellipse">
@@ -9615,7 +9615,7 @@
           </p:nvSpPr>
           <p:spPr>
             <a:xfrm>
-              <a:off x="3143290" y="2090974"/>
+              <a:off x="3116228" y="2062516"/>
               <a:ext cx="49651" cy="49651"/>
             </a:xfrm>
             <a:prstGeom prst="ellipse">
@@ -9650,7 +9650,7 @@
           </p:nvSpPr>
           <p:spPr>
             <a:xfrm>
-              <a:off x="6537973" y="3273792"/>
+              <a:off x="6496473" y="3179243"/>
               <a:ext cx="49651" cy="49651"/>
             </a:xfrm>
             <a:prstGeom prst="ellipse">
@@ -9685,7 +9685,7 @@
           </p:nvSpPr>
           <p:spPr>
             <a:xfrm>
-              <a:off x="3125631" y="2862570"/>
+              <a:off x="3087468" y="2811602"/>
               <a:ext cx="49651" cy="49651"/>
             </a:xfrm>
             <a:prstGeom prst="ellipse">
@@ -9720,7 +9720,7 @@
           </p:nvSpPr>
           <p:spPr>
             <a:xfrm>
-              <a:off x="6521337" y="2490717"/>
+              <a:off x="6544961" y="2421762"/>
               <a:ext cx="49651" cy="49651"/>
             </a:xfrm>
             <a:prstGeom prst="ellipse">
@@ -9755,7 +9755,7 @@
           </p:nvSpPr>
           <p:spPr>
             <a:xfrm>
-              <a:off x="3140310" y="3675401"/>
+              <a:off x="3090149" y="3557099"/>
               <a:ext cx="49651" cy="49651"/>
             </a:xfrm>
             <a:prstGeom prst="ellipse">
@@ -9790,7 +9790,7 @@
           </p:nvSpPr>
           <p:spPr>
             <a:xfrm>
-              <a:off x="6549877" y="2888340"/>
+              <a:off x="6517041" y="2817218"/>
               <a:ext cx="49651" cy="49651"/>
             </a:xfrm>
             <a:prstGeom prst="ellipse">
@@ -9825,7 +9825,7 @@
           </p:nvSpPr>
           <p:spPr>
             <a:xfrm>
-              <a:off x="6539841" y="3261467"/>
+              <a:off x="6551652" y="3169489"/>
               <a:ext cx="49651" cy="49651"/>
             </a:xfrm>
             <a:prstGeom prst="ellipse">
@@ -9860,7 +9860,7 @@
           </p:nvSpPr>
           <p:spPr>
             <a:xfrm>
-              <a:off x="3137226" y="2875868"/>
+              <a:off x="3137237" y="2798146"/>
               <a:ext cx="49651" cy="49651"/>
             </a:xfrm>
             <a:prstGeom prst="ellipse">
@@ -9895,7 +9895,7 @@
           </p:nvSpPr>
           <p:spPr>
             <a:xfrm>
-              <a:off x="6509215" y="2477846"/>
+              <a:off x="6509151" y="2437693"/>
               <a:ext cx="49651" cy="49651"/>
             </a:xfrm>
             <a:prstGeom prst="ellipse">
@@ -9930,7 +9930,7 @@
           </p:nvSpPr>
           <p:spPr>
             <a:xfrm>
-              <a:off x="3131745" y="1683365"/>
+              <a:off x="3105830" y="1674804"/>
               <a:ext cx="49651" cy="49651"/>
             </a:xfrm>
             <a:prstGeom prst="ellipse">
@@ -9965,7 +9965,7 @@
           </p:nvSpPr>
           <p:spPr>
             <a:xfrm>
-              <a:off x="6539991" y="2859655"/>
+              <a:off x="6496630" y="2802642"/>
               <a:ext cx="49651" cy="49651"/>
             </a:xfrm>
             <a:prstGeom prst="ellipse">
@@ -10000,7 +10000,7 @@
           </p:nvSpPr>
           <p:spPr>
             <a:xfrm>
-              <a:off x="3098245" y="2860340"/>
+              <a:off x="3146608" y="2796288"/>
               <a:ext cx="49651" cy="49651"/>
             </a:xfrm>
             <a:prstGeom prst="ellipse">
@@ -10035,7 +10035,7 @@
           </p:nvSpPr>
           <p:spPr>
             <a:xfrm>
-              <a:off x="6509663" y="2551625"/>
+              <a:off x="6514648" y="2511790"/>
               <a:ext cx="49651" cy="49651"/>
             </a:xfrm>
             <a:prstGeom prst="ellipse">
@@ -10070,7 +10070,7 @@
           </p:nvSpPr>
           <p:spPr>
             <a:xfrm>
-              <a:off x="3127022" y="1880358"/>
+              <a:off x="3125494" y="1868601"/>
               <a:ext cx="49651" cy="49651"/>
             </a:xfrm>
             <a:prstGeom prst="ellipse">
@@ -10105,7 +10105,7 @@
           </p:nvSpPr>
           <p:spPr>
             <a:xfrm>
-              <a:off x="6501414" y="2469204"/>
+              <a:off x="6525192" y="2436178"/>
               <a:ext cx="49651" cy="49651"/>
             </a:xfrm>
             <a:prstGeom prst="ellipse">
@@ -10140,7 +10140,7 @@
           </p:nvSpPr>
           <p:spPr>
             <a:xfrm>
-              <a:off x="3123130" y="2081290"/>
+              <a:off x="3110054" y="2051527"/>
               <a:ext cx="49651" cy="49651"/>
             </a:xfrm>
             <a:prstGeom prst="ellipse">
@@ -10175,7 +10175,7 @@
           </p:nvSpPr>
           <p:spPr>
             <a:xfrm>
-              <a:off x="6515205" y="2877223"/>
+              <a:off x="6508670" y="2805424"/>
               <a:ext cx="49651" cy="49651"/>
             </a:xfrm>
             <a:prstGeom prst="ellipse">
@@ -10210,7 +10210,7 @@
           </p:nvSpPr>
           <p:spPr>
             <a:xfrm>
-              <a:off x="3082609" y="1765688"/>
+              <a:off x="3103775" y="1756483"/>
               <a:ext cx="49651" cy="49651"/>
             </a:xfrm>
             <a:prstGeom prst="ellipse">
@@ -10245,7 +10245,7 @@
           </p:nvSpPr>
           <p:spPr>
             <a:xfrm>
-              <a:off x="6543339" y="1733710"/>
+              <a:off x="6507894" y="1709004"/>
               <a:ext cx="49651" cy="49651"/>
             </a:xfrm>
             <a:prstGeom prst="ellipse">
@@ -10280,7 +10280,7 @@
           </p:nvSpPr>
           <p:spPr>
             <a:xfrm>
-              <a:off x="3082907" y="4074976"/>
+              <a:off x="3143247" y="3947359"/>
               <a:ext cx="49651" cy="49651"/>
             </a:xfrm>
             <a:prstGeom prst="ellipse">
@@ -10315,7 +10315,7 @@
           </p:nvSpPr>
           <p:spPr>
             <a:xfrm>
-              <a:off x="6535075" y="2870386"/>
+              <a:off x="6544348" y="2806620"/>
               <a:ext cx="49651" cy="49651"/>
             </a:xfrm>
             <a:prstGeom prst="ellipse">
@@ -10350,7 +10350,7 @@
           </p:nvSpPr>
           <p:spPr>
             <a:xfrm>
-              <a:off x="3106322" y="2472235"/>
+              <a:off x="3086313" y="2435335"/>
               <a:ext cx="49651" cy="49651"/>
             </a:xfrm>
             <a:prstGeom prst="ellipse">
@@ -10385,7 +10385,7 @@
           </p:nvSpPr>
           <p:spPr>
             <a:xfrm>
-              <a:off x="6495058" y="2878253"/>
+              <a:off x="6556261" y="2813182"/>
               <a:ext cx="49651" cy="49651"/>
             </a:xfrm>
             <a:prstGeom prst="ellipse">
@@ -10420,7 +10420,7 @@
           </p:nvSpPr>
           <p:spPr>
             <a:xfrm>
-              <a:off x="3102177" y="3260092"/>
+              <a:off x="3084838" y="3177488"/>
               <a:ext cx="49651" cy="49651"/>
             </a:xfrm>
             <a:prstGeom prst="ellipse">
@@ -10455,7 +10455,7 @@
           </p:nvSpPr>
           <p:spPr>
             <a:xfrm>
-              <a:off x="6497435" y="2863367"/>
+              <a:off x="6558724" y="2805850"/>
               <a:ext cx="49651" cy="49651"/>
             </a:xfrm>
             <a:prstGeom prst="ellipse">
@@ -10490,7 +10490,7 @@
           </p:nvSpPr>
           <p:spPr>
             <a:xfrm>
-              <a:off x="3146348" y="2266078"/>
+              <a:off x="3079763" y="2233728"/>
               <a:ext cx="49651" cy="49651"/>
             </a:xfrm>
             <a:prstGeom prst="ellipse">
@@ -10525,7 +10525,7 @@
           </p:nvSpPr>
           <p:spPr>
             <a:xfrm>
-              <a:off x="6541091" y="4472531"/>
+              <a:off x="6505138" y="4324230"/>
               <a:ext cx="49651" cy="49651"/>
             </a:xfrm>
             <a:prstGeom prst="ellipse">
@@ -10560,7 +10560,7 @@
           </p:nvSpPr>
           <p:spPr>
             <a:xfrm>
-              <a:off x="3098105" y="2490464"/>
+              <a:off x="3095519" y="2423590"/>
               <a:ext cx="49651" cy="49651"/>
             </a:xfrm>
             <a:prstGeom prst="ellipse">
@@ -10595,7 +10595,7 @@
           </p:nvSpPr>
           <p:spPr>
             <a:xfrm>
-              <a:off x="6513940" y="3255186"/>
+              <a:off x="6539561" y="3196889"/>
               <a:ext cx="49651" cy="49651"/>
             </a:xfrm>
             <a:prstGeom prst="ellipse">
@@ -10630,7 +10630,7 @@
           </p:nvSpPr>
           <p:spPr>
             <a:xfrm>
-              <a:off x="3122896" y="2464660"/>
+              <a:off x="3123016" y="2428578"/>
               <a:ext cx="49651" cy="49651"/>
             </a:xfrm>
             <a:prstGeom prst="ellipse">
@@ -10665,7 +10665,7 @@
           </p:nvSpPr>
           <p:spPr>
             <a:xfrm>
-              <a:off x="6532223" y="5258242"/>
+              <a:off x="6517752" y="5049027"/>
               <a:ext cx="49651" cy="49651"/>
             </a:xfrm>
             <a:prstGeom prst="ellipse">
@@ -10700,7 +10700,7 @@
           </p:nvSpPr>
           <p:spPr>
             <a:xfrm>
-              <a:off x="3111340" y="3274263"/>
+              <a:off x="3145517" y="3187378"/>
               <a:ext cx="49651" cy="49651"/>
             </a:xfrm>
             <a:prstGeom prst="ellipse">
@@ -10735,7 +10735,7 @@
           </p:nvSpPr>
           <p:spPr>
             <a:xfrm>
-              <a:off x="6503007" y="4447487"/>
+              <a:off x="6532814" y="4298060"/>
               <a:ext cx="49651" cy="49651"/>
             </a:xfrm>
             <a:prstGeom prst="ellipse">
@@ -10770,7 +10770,7 @@
           </p:nvSpPr>
           <p:spPr>
             <a:xfrm>
-              <a:off x="3080429" y="2074577"/>
+              <a:off x="3092382" y="2043085"/>
               <a:ext cx="49651" cy="49651"/>
             </a:xfrm>
             <a:prstGeom prst="ellipse">
@@ -10805,7 +10805,7 @@
           </p:nvSpPr>
           <p:spPr>
             <a:xfrm>
-              <a:off x="6550290" y="4868679"/>
+              <a:off x="6502104" y="4674722"/>
               <a:ext cx="49651" cy="49651"/>
             </a:xfrm>
             <a:prstGeom prst="ellipse">
@@ -10840,7 +10840,7 @@
           </p:nvSpPr>
           <p:spPr>
             <a:xfrm>
-              <a:off x="3103240" y="2074147"/>
+              <a:off x="3126744" y="2047592"/>
               <a:ext cx="49651" cy="49651"/>
             </a:xfrm>
             <a:prstGeom prst="ellipse">
@@ -10875,7 +10875,7 @@
           </p:nvSpPr>
           <p:spPr>
             <a:xfrm>
-              <a:off x="6500685" y="1764755"/>
+              <a:off x="6524904" y="1768214"/>
               <a:ext cx="49651" cy="49651"/>
             </a:xfrm>
             <a:prstGeom prst="ellipse">
@@ -10910,7 +10910,7 @@
           </p:nvSpPr>
           <p:spPr>
             <a:xfrm>
-              <a:off x="3086640" y="1718837"/>
+              <a:off x="3146383" y="1715934"/>
               <a:ext cx="49651" cy="49651"/>
             </a:xfrm>
             <a:prstGeom prst="ellipse">
@@ -10945,7 +10945,7 @@
           </p:nvSpPr>
           <p:spPr>
             <a:xfrm>
-              <a:off x="6556909" y="1875756"/>
+              <a:off x="6517287" y="1866616"/>
               <a:ext cx="49651" cy="49651"/>
             </a:xfrm>
             <a:prstGeom prst="ellipse">
@@ -10980,7 +10980,7 @@
           </p:nvSpPr>
           <p:spPr>
             <a:xfrm>
-              <a:off x="3087574" y="2078298"/>
+              <a:off x="3099538" y="2049108"/>
               <a:ext cx="49651" cy="49651"/>
             </a:xfrm>
             <a:prstGeom prst="ellipse">
@@ -11015,7 +11015,7 @@
           </p:nvSpPr>
           <p:spPr>
             <a:xfrm>
-              <a:off x="6554152" y="2476546"/>
+              <a:off x="6493239" y="2422442"/>
               <a:ext cx="49651" cy="49651"/>
             </a:xfrm>
             <a:prstGeom prst="ellipse">
@@ -11050,7 +11050,7 @@
           </p:nvSpPr>
           <p:spPr>
             <a:xfrm>
-              <a:off x="3142172" y="2273109"/>
+              <a:off x="3134214" y="2238252"/>
               <a:ext cx="49651" cy="49651"/>
             </a:xfrm>
             <a:prstGeom prst="ellipse">
@@ -11085,7 +11085,7 @@
           </p:nvSpPr>
           <p:spPr>
             <a:xfrm>
-              <a:off x="6556960" y="2279482"/>
+              <a:off x="6555080" y="2228814"/>
               <a:ext cx="49651" cy="49651"/>
             </a:xfrm>
             <a:prstGeom prst="ellipse">
@@ -11120,7 +11120,7 @@
           </p:nvSpPr>
           <p:spPr>
             <a:xfrm>
-              <a:off x="3130480" y="2090690"/>
+              <a:off x="3131874" y="2054463"/>
               <a:ext cx="49651" cy="49651"/>
             </a:xfrm>
             <a:prstGeom prst="ellipse">
@@ -11155,7 +11155,7 @@
           </p:nvSpPr>
           <p:spPr>
             <a:xfrm>
-              <a:off x="6553567" y="2493257"/>
+              <a:off x="6498448" y="2435524"/>
               <a:ext cx="49651" cy="49651"/>
             </a:xfrm>
             <a:prstGeom prst="ellipse">
@@ -11190,7 +11190,7 @@
           </p:nvSpPr>
           <p:spPr>
             <a:xfrm>
-              <a:off x="3126789" y="5256371"/>
+              <a:off x="3132040" y="5053402"/>
               <a:ext cx="49651" cy="49651"/>
             </a:xfrm>
             <a:prstGeom prst="ellipse">
@@ -11225,7 +11225,7 @@
           </p:nvSpPr>
           <p:spPr>
             <a:xfrm>
-              <a:off x="6545228" y="5252157"/>
+              <a:off x="6499319" y="5055483"/>
               <a:ext cx="49651" cy="49651"/>
             </a:xfrm>
             <a:prstGeom prst="ellipse">
@@ -11260,7 +11260,7 @@
           </p:nvSpPr>
           <p:spPr>
             <a:xfrm>
-              <a:off x="3079756" y="2296095"/>
+              <a:off x="3102295" y="2244834"/>
               <a:ext cx="49651" cy="49651"/>
             </a:xfrm>
             <a:prstGeom prst="ellipse">
@@ -11295,7 +11295,7 @@
           </p:nvSpPr>
           <p:spPr>
             <a:xfrm>
-              <a:off x="6544151" y="2859403"/>
+              <a:off x="6508738" y="2815156"/>
               <a:ext cx="49651" cy="49651"/>
             </a:xfrm>
             <a:prstGeom prst="ellipse">
@@ -11330,7 +11330,7 @@
           </p:nvSpPr>
           <p:spPr>
             <a:xfrm>
-              <a:off x="3132577" y="5565721"/>
+              <a:off x="3134686" y="5365434"/>
               <a:ext cx="49651" cy="49651"/>
             </a:xfrm>
             <a:prstGeom prst="ellipse">
@@ -11365,7 +11365,7 @@
           </p:nvSpPr>
           <p:spPr>
             <a:xfrm>
-              <a:off x="6511903" y="5570510"/>
+              <a:off x="6518050" y="5350403"/>
               <a:ext cx="49651" cy="49651"/>
             </a:xfrm>
             <a:prstGeom prst="ellipse">
@@ -11400,7 +11400,7 @@
           </p:nvSpPr>
           <p:spPr>
             <a:xfrm>
-              <a:off x="3145012" y="5058100"/>
+              <a:off x="3135382" y="4878998"/>
               <a:ext cx="49651" cy="49651"/>
             </a:xfrm>
             <a:prstGeom prst="ellipse">
@@ -11435,7 +11435,7 @@
           </p:nvSpPr>
           <p:spPr>
             <a:xfrm>
-              <a:off x="6553514" y="4458544"/>
+              <a:off x="6531765" y="4318648"/>
               <a:ext cx="49651" cy="49651"/>
             </a:xfrm>
             <a:prstGeom prst="ellipse">
@@ -11470,7 +11470,7 @@
           </p:nvSpPr>
           <p:spPr>
             <a:xfrm>
-              <a:off x="3096379" y="3072473"/>
+              <a:off x="3101373" y="2997492"/>
               <a:ext cx="49651" cy="49651"/>
             </a:xfrm>
             <a:prstGeom prst="ellipse">
@@ -11505,7 +11505,7 @@
           </p:nvSpPr>
           <p:spPr>
             <a:xfrm>
-              <a:off x="6529929" y="3681596"/>
+              <a:off x="6525509" y="3555532"/>
               <a:ext cx="49651" cy="49651"/>
             </a:xfrm>
             <a:prstGeom prst="ellipse">
@@ -11540,7 +11540,7 @@
           </p:nvSpPr>
           <p:spPr>
             <a:xfrm>
-              <a:off x="3116691" y="2484680"/>
+              <a:off x="3093570" y="2437564"/>
               <a:ext cx="49651" cy="49651"/>
             </a:xfrm>
             <a:prstGeom prst="ellipse">
@@ -11575,7 +11575,7 @@
           </p:nvSpPr>
           <p:spPr>
             <a:xfrm>
-              <a:off x="6513030" y="4446920"/>
+              <a:off x="6549535" y="4310592"/>
               <a:ext cx="49651" cy="49651"/>
             </a:xfrm>
             <a:prstGeom prst="ellipse">
@@ -11610,7 +11610,7 @@
           </p:nvSpPr>
           <p:spPr>
             <a:xfrm>
-              <a:off x="3112769" y="2077248"/>
+              <a:off x="3112459" y="2056252"/>
               <a:ext cx="49651" cy="49651"/>
             </a:xfrm>
             <a:prstGeom prst="ellipse">
@@ -11645,7 +11645,7 @@
           </p:nvSpPr>
           <p:spPr>
             <a:xfrm>
-              <a:off x="6531623" y="2471113"/>
+              <a:off x="6536426" y="2431795"/>
               <a:ext cx="49651" cy="49651"/>
             </a:xfrm>
             <a:prstGeom prst="ellipse">
@@ -11680,7 +11680,7 @@
           </p:nvSpPr>
           <p:spPr>
             <a:xfrm>
-              <a:off x="3120876" y="2492262"/>
+              <a:off x="3106737" y="2422127"/>
               <a:ext cx="49651" cy="49651"/>
             </a:xfrm>
             <a:prstGeom prst="ellipse">
@@ -11715,7 +11715,7 @@
           </p:nvSpPr>
           <p:spPr>
             <a:xfrm>
-              <a:off x="6546927" y="3264567"/>
+              <a:off x="6514862" y="3183434"/>
               <a:ext cx="49651" cy="49651"/>
             </a:xfrm>
             <a:prstGeom prst="ellipse">
@@ -11750,7 +11750,7 @@
           </p:nvSpPr>
           <p:spPr>
             <a:xfrm>
-              <a:off x="3130436" y="2290434"/>
+              <a:off x="3084868" y="2249055"/>
               <a:ext cx="49651" cy="49651"/>
             </a:xfrm>
             <a:prstGeom prst="ellipse">
@@ -11785,7 +11785,7 @@
           </p:nvSpPr>
           <p:spPr>
             <a:xfrm>
-              <a:off x="6503909" y="4671509"/>
+              <a:off x="6537836" y="4491948"/>
               <a:ext cx="49651" cy="49651"/>
             </a:xfrm>
             <a:prstGeom prst="ellipse">
@@ -11820,7 +11820,7 @@
           </p:nvSpPr>
           <p:spPr>
             <a:xfrm>
-              <a:off x="3106457" y="4845515"/>
+              <a:off x="3145010" y="4677852"/>
               <a:ext cx="49651" cy="49651"/>
             </a:xfrm>
             <a:prstGeom prst="ellipse">
@@ -11855,7 +11855,7 @@
           </p:nvSpPr>
           <p:spPr>
             <a:xfrm>
-              <a:off x="6492720" y="2492231"/>
+              <a:off x="6497084" y="2432494"/>
               <a:ext cx="49651" cy="49651"/>
             </a:xfrm>
             <a:prstGeom prst="ellipse">
@@ -11890,7 +11890,7 @@
           </p:nvSpPr>
           <p:spPr>
             <a:xfrm>
-              <a:off x="3132905" y="2691059"/>
+              <a:off x="3123265" y="2624567"/>
               <a:ext cx="49651" cy="49651"/>
             </a:xfrm>
             <a:prstGeom prst="ellipse">
@@ -11925,7 +11925,7 @@
           </p:nvSpPr>
           <p:spPr>
             <a:xfrm>
-              <a:off x="6542240" y="2206467"/>
+              <a:off x="6533844" y="2169809"/>
               <a:ext cx="49651" cy="49651"/>
             </a:xfrm>
             <a:prstGeom prst="ellipse">
@@ -11960,7 +11960,7 @@
           </p:nvSpPr>
           <p:spPr>
             <a:xfrm>
-              <a:off x="3132183" y="1881148"/>
+              <a:off x="3095820" y="1872148"/>
               <a:ext cx="49651" cy="49651"/>
             </a:xfrm>
             <a:prstGeom prst="ellipse">
@@ -11995,7 +11995,7 @@
           </p:nvSpPr>
           <p:spPr>
             <a:xfrm>
-              <a:off x="6527268" y="2888342"/>
+              <a:off x="6492441" y="2812849"/>
               <a:ext cx="49651" cy="49651"/>
             </a:xfrm>
             <a:prstGeom prst="ellipse">
@@ -12030,7 +12030,7 @@
           </p:nvSpPr>
           <p:spPr>
             <a:xfrm>
-              <a:off x="3113228" y="2863161"/>
+              <a:off x="3084943" y="2798508"/>
               <a:ext cx="49651" cy="49651"/>
             </a:xfrm>
             <a:prstGeom prst="ellipse">
@@ -12065,7 +12065,7 @@
           </p:nvSpPr>
           <p:spPr>
             <a:xfrm>
-              <a:off x="6506328" y="2884150"/>
+              <a:off x="6553783" y="2816876"/>
               <a:ext cx="49651" cy="49651"/>
             </a:xfrm>
             <a:prstGeom prst="ellipse">
@@ -12100,7 +12100,7 @@
           </p:nvSpPr>
           <p:spPr>
             <a:xfrm>
-              <a:off x="3088483" y="2480989"/>
+              <a:off x="3118014" y="2424869"/>
               <a:ext cx="49651" cy="49651"/>
             </a:xfrm>
             <a:prstGeom prst="ellipse">
@@ -12135,7 +12135,7 @@
           </p:nvSpPr>
           <p:spPr>
             <a:xfrm>
-              <a:off x="6533923" y="2475272"/>
+              <a:off x="6520187" y="2419348"/>
               <a:ext cx="49651" cy="49651"/>
             </a:xfrm>
             <a:prstGeom prst="ellipse">
@@ -12170,7 +12170,7 @@
           </p:nvSpPr>
           <p:spPr>
             <a:xfrm>
-              <a:off x="3087423" y="3266934"/>
+              <a:off x="3145999" y="3195138"/>
               <a:ext cx="49651" cy="49651"/>
             </a:xfrm>
             <a:prstGeom prst="ellipse">
@@ -12205,7 +12205,7 @@
           </p:nvSpPr>
           <p:spPr>
             <a:xfrm>
-              <a:off x="6560092" y="2860875"/>
+              <a:off x="6494713" y="2816336"/>
               <a:ext cx="49651" cy="49651"/>
             </a:xfrm>
             <a:prstGeom prst="ellipse">
@@ -12240,7 +12240,7 @@
           </p:nvSpPr>
           <p:spPr>
             <a:xfrm>
-              <a:off x="3099102" y="2096699"/>
+              <a:off x="3085762" y="2052038"/>
               <a:ext cx="49651" cy="49651"/>
             </a:xfrm>
             <a:prstGeom prst="ellipse">
@@ -12275,7 +12275,7 @@
           </p:nvSpPr>
           <p:spPr>
             <a:xfrm>
-              <a:off x="6499097" y="1987475"/>
+              <a:off x="6493465" y="1989159"/>
               <a:ext cx="49651" cy="49651"/>
             </a:xfrm>
             <a:prstGeom prst="ellipse">
@@ -12310,7 +12310,7 @@
           </p:nvSpPr>
           <p:spPr>
             <a:xfrm>
-              <a:off x="3114576" y="2690543"/>
+              <a:off x="3080745" y="2617345"/>
               <a:ext cx="49651" cy="49651"/>
             </a:xfrm>
             <a:prstGeom prst="ellipse">
@@ -12345,7 +12345,7 @@
           </p:nvSpPr>
           <p:spPr>
             <a:xfrm>
-              <a:off x="6529918" y="2473785"/>
+              <a:off x="6498179" y="2437054"/>
               <a:ext cx="49651" cy="49651"/>
             </a:xfrm>
             <a:prstGeom prst="ellipse">
@@ -12380,7 +12380,7 @@
           </p:nvSpPr>
           <p:spPr>
             <a:xfrm>
-              <a:off x="3087748" y="1692804"/>
+              <a:off x="3093141" y="1684513"/>
               <a:ext cx="49651" cy="49651"/>
             </a:xfrm>
             <a:prstGeom prst="ellipse">
@@ -12415,7 +12415,7 @@
           </p:nvSpPr>
           <p:spPr>
             <a:xfrm>
-              <a:off x="6523391" y="1689734"/>
+              <a:off x="6546758" y="1683155"/>
               <a:ext cx="49651" cy="49651"/>
             </a:xfrm>
             <a:prstGeom prst="ellipse">
@@ -12450,7 +12450,7 @@
           </p:nvSpPr>
           <p:spPr>
             <a:xfrm>
-              <a:off x="3097220" y="1697179"/>
+              <a:off x="3102696" y="1669029"/>
               <a:ext cx="49651" cy="49651"/>
             </a:xfrm>
             <a:prstGeom prst="ellipse">
@@ -12485,7 +12485,7 @@
           </p:nvSpPr>
           <p:spPr>
             <a:xfrm>
-              <a:off x="6506474" y="2285912"/>
+              <a:off x="6493501" y="2240653"/>
               <a:ext cx="49651" cy="49651"/>
             </a:xfrm>
             <a:prstGeom prst="ellipse">
@@ -12520,7 +12520,7 @@
           </p:nvSpPr>
           <p:spPr>
             <a:xfrm>
-              <a:off x="3132545" y="2475683"/>
+              <a:off x="3142350" y="2418198"/>
               <a:ext cx="49651" cy="49651"/>
             </a:xfrm>
             <a:prstGeom prst="ellipse">
@@ -12555,7 +12555,7 @@
           </p:nvSpPr>
           <p:spPr>
             <a:xfrm>
-              <a:off x="6497992" y="5047603"/>
+              <a:off x="6533521" y="4868465"/>
               <a:ext cx="49651" cy="49651"/>
             </a:xfrm>
             <a:prstGeom prst="ellipse">
@@ -12590,7 +12590,7 @@
           </p:nvSpPr>
           <p:spPr>
             <a:xfrm>
-              <a:off x="3131496" y="2285568"/>
+              <a:off x="3104651" y="2249804"/>
               <a:ext cx="49651" cy="49651"/>
             </a:xfrm>
             <a:prstGeom prst="ellipse">
@@ -12625,7 +12625,7 @@
           </p:nvSpPr>
           <p:spPr>
             <a:xfrm>
-              <a:off x="6523890" y="3061615"/>
+              <a:off x="6533809" y="3003249"/>
               <a:ext cx="49651" cy="49651"/>
             </a:xfrm>
             <a:prstGeom prst="ellipse">
@@ -12660,7 +12660,7 @@
           </p:nvSpPr>
           <p:spPr>
             <a:xfrm>
-              <a:off x="3112731" y="3262720"/>
+              <a:off x="3117198" y="3175124"/>
               <a:ext cx="49651" cy="49651"/>
             </a:xfrm>
             <a:prstGeom prst="ellipse">
@@ -12695,7 +12695,7 @@
           </p:nvSpPr>
           <p:spPr>
             <a:xfrm>
-              <a:off x="6494145" y="2875641"/>
+              <a:off x="6552929" y="2812306"/>
               <a:ext cx="49651" cy="49651"/>
             </a:xfrm>
             <a:prstGeom prst="ellipse">
@@ -12730,7 +12730,7 @@
           </p:nvSpPr>
           <p:spPr>
             <a:xfrm>
-              <a:off x="3142513" y="2484232"/>
+              <a:off x="3120890" y="2444362"/>
               <a:ext cx="49651" cy="49651"/>
             </a:xfrm>
             <a:prstGeom prst="ellipse">
@@ -12765,50 +12765,326 @@
           </p:nvSpPr>
           <p:spPr>
             <a:xfrm>
-              <a:off x="6522429" y="3458559"/>
-              <a:ext cx="49651" cy="49651"/>
-            </a:xfrm>
-            <a:prstGeom prst="ellipse">
-              <a:avLst/>
-            </a:prstGeom>
-            <a:solidFill>
-              <a:srgbClr val="000000">
-                <a:alpha val="100000"/>
-              </a:srgbClr>
-            </a:solidFill>
-            <a:ln w="9000" cap="rnd">
-              <a:solidFill>
-                <a:srgbClr val="000000">
-                  <a:alpha val="100000"/>
-                </a:srgbClr>
-              </a:solidFill>
-              <a:prstDash val="solid"/>
-              <a:round/>
-            </a:ln>
-          </p:spPr>
-          <p:txBody>
-            <a:bodyPr/>
-            <a:lstStyle/>
-            <a:p/>
-          </p:txBody>
-        </p:sp>
-        <p:sp>
-          <p:nvSpPr>
-            <p:cNvPr id="303" name="pl303"/>
+              <a:off x="6558037" y="3356932"/>
+              <a:ext cx="49651" cy="49651"/>
+            </a:xfrm>
+            <a:prstGeom prst="ellipse">
+              <a:avLst/>
+            </a:prstGeom>
+            <a:solidFill>
+              <a:srgbClr val="000000">
+                <a:alpha val="100000"/>
+              </a:srgbClr>
+            </a:solidFill>
+            <a:ln w="9000" cap="rnd">
+              <a:solidFill>
+                <a:srgbClr val="000000">
+                  <a:alpha val="100000"/>
+                </a:srgbClr>
+              </a:solidFill>
+              <a:prstDash val="solid"/>
+              <a:round/>
+            </a:ln>
+          </p:spPr>
+          <p:txBody>
+            <a:bodyPr/>
+            <a:lstStyle/>
+            <a:p/>
+          </p:txBody>
+        </p:sp>
+        <p:sp>
+          <p:nvSpPr>
+            <p:cNvPr id="303" name="tx303"/>
+            <p:cNvSpPr/>
+            <p:nvPr/>
+          </p:nvSpPr>
+          <p:spPr>
+            <a:xfrm>
+              <a:off x="3601929" y="2394793"/>
+              <a:ext cx="804541" cy="118859"/>
+            </a:xfrm>
+            <a:prstGeom prst="rect">
+              <a:avLst/>
+            </a:prstGeom>
+            <a:noFill/>
+          </p:spPr>
+          <p:txBody>
+            <a:bodyPr lIns="0" rIns="0" tIns="0" bIns="0" anchorCtr="1" anchor="ctr" wrap="none"/>
+            <a:lstStyle/>
+            <a:p>
+              <a:pPr algn="l" marL="0" marR="0" indent="0">
+                <a:lnSpc>
+                  <a:spcPts val="1280"/>
+                </a:lnSpc>
+                <a:spcBef>
+                  <a:spcPts val="0"/>
+                </a:spcBef>
+                <a:spcAft>
+                  <a:spcPts val="0"/>
+                </a:spcAft>
+              </a:pPr>
+              <a:r>
+                <a:rPr sz="1280">
+                  <a:solidFill>
+                    <a:srgbClr val="000000">
+                      <a:alpha val="100000"/>
+                    </a:srgbClr>
+                  </a:solidFill>
+                  <a:latin typeface="Arial"/>
+                  <a:cs typeface="Arial"/>
+                </a:rPr>
+                <a:t>Median: 80</a:t>
+              </a:r>
+            </a:p>
+          </p:txBody>
+        </p:sp>
+        <p:sp>
+          <p:nvSpPr>
+            <p:cNvPr id="304" name="tx304"/>
+            <p:cNvSpPr/>
+            <p:nvPr/>
+          </p:nvSpPr>
+          <p:spPr>
+            <a:xfrm>
+              <a:off x="3466238" y="2762329"/>
+              <a:ext cx="668850" cy="127513"/>
+            </a:xfrm>
+            <a:prstGeom prst="rect">
+              <a:avLst/>
+            </a:prstGeom>
+            <a:noFill/>
+          </p:spPr>
+          <p:txBody>
+            <a:bodyPr lIns="0" rIns="0" tIns="0" bIns="0" anchorCtr="1" anchor="ctr" wrap="none"/>
+            <a:lstStyle/>
+            <a:p>
+              <a:pPr algn="l" marL="0" marR="0" indent="0">
+                <a:lnSpc>
+                  <a:spcPts val="1280"/>
+                </a:lnSpc>
+                <a:spcBef>
+                  <a:spcPts val="0"/>
+                </a:spcBef>
+                <a:spcAft>
+                  <a:spcPts val="0"/>
+                </a:spcAft>
+              </a:pPr>
+              <a:r>
+                <a:rPr sz="1280">
+                  <a:solidFill>
+                    <a:srgbClr val="000000">
+                      <a:alpha val="100000"/>
+                    </a:srgbClr>
+                  </a:solidFill>
+                  <a:latin typeface="Arial"/>
+                  <a:cs typeface="Arial"/>
+                </a:rPr>
+                <a:t>    Q1: 70</a:t>
+              </a:r>
+            </a:p>
+          </p:txBody>
+        </p:sp>
+        <p:sp>
+          <p:nvSpPr>
+            <p:cNvPr id="305" name="tx305"/>
+            <p:cNvSpPr/>
+            <p:nvPr/>
+          </p:nvSpPr>
+          <p:spPr>
+            <a:xfrm>
+              <a:off x="3466238" y="2009948"/>
+              <a:ext cx="668850" cy="127513"/>
+            </a:xfrm>
+            <a:prstGeom prst="rect">
+              <a:avLst/>
+            </a:prstGeom>
+            <a:noFill/>
+          </p:spPr>
+          <p:txBody>
+            <a:bodyPr lIns="0" rIns="0" tIns="0" bIns="0" anchorCtr="1" anchor="ctr" wrap="none"/>
+            <a:lstStyle/>
+            <a:p>
+              <a:pPr algn="l" marL="0" marR="0" indent="0">
+                <a:lnSpc>
+                  <a:spcPts val="1280"/>
+                </a:lnSpc>
+                <a:spcBef>
+                  <a:spcPts val="0"/>
+                </a:spcBef>
+                <a:spcAft>
+                  <a:spcPts val="0"/>
+                </a:spcAft>
+              </a:pPr>
+              <a:r>
+                <a:rPr sz="1280">
+                  <a:solidFill>
+                    <a:srgbClr val="000000">
+                      <a:alpha val="100000"/>
+                    </a:srgbClr>
+                  </a:solidFill>
+                  <a:latin typeface="Arial"/>
+                  <a:cs typeface="Arial"/>
+                </a:rPr>
+                <a:t>    Q3: 90</a:t>
+              </a:r>
+            </a:p>
+          </p:txBody>
+        </p:sp>
+        <p:sp>
+          <p:nvSpPr>
+            <p:cNvPr id="306" name="tx306"/>
+            <p:cNvSpPr/>
+            <p:nvPr/>
+          </p:nvSpPr>
+          <p:spPr>
+            <a:xfrm>
+              <a:off x="7014191" y="2959079"/>
+              <a:ext cx="804541" cy="118859"/>
+            </a:xfrm>
+            <a:prstGeom prst="rect">
+              <a:avLst/>
+            </a:prstGeom>
+            <a:noFill/>
+          </p:spPr>
+          <p:txBody>
+            <a:bodyPr lIns="0" rIns="0" tIns="0" bIns="0" anchorCtr="1" anchor="ctr" wrap="none"/>
+            <a:lstStyle/>
+            <a:p>
+              <a:pPr algn="l" marL="0" marR="0" indent="0">
+                <a:lnSpc>
+                  <a:spcPts val="1280"/>
+                </a:lnSpc>
+                <a:spcBef>
+                  <a:spcPts val="0"/>
+                </a:spcBef>
+                <a:spcAft>
+                  <a:spcPts val="0"/>
+                </a:spcAft>
+              </a:pPr>
+              <a:r>
+                <a:rPr sz="1280">
+                  <a:solidFill>
+                    <a:srgbClr val="000000">
+                      <a:alpha val="100000"/>
+                    </a:srgbClr>
+                  </a:solidFill>
+                  <a:latin typeface="Arial"/>
+                  <a:cs typeface="Arial"/>
+                </a:rPr>
+                <a:t>Median: 65</a:t>
+              </a:r>
+            </a:p>
+          </p:txBody>
+        </p:sp>
+        <p:sp>
+          <p:nvSpPr>
+            <p:cNvPr id="307" name="tx307"/>
+            <p:cNvSpPr/>
+            <p:nvPr/>
+          </p:nvSpPr>
+          <p:spPr>
+            <a:xfrm>
+              <a:off x="6878499" y="3627567"/>
+              <a:ext cx="668850" cy="127513"/>
+            </a:xfrm>
+            <a:prstGeom prst="rect">
+              <a:avLst/>
+            </a:prstGeom>
+            <a:noFill/>
+          </p:spPr>
+          <p:txBody>
+            <a:bodyPr lIns="0" rIns="0" tIns="0" bIns="0" anchorCtr="1" anchor="ctr" wrap="none"/>
+            <a:lstStyle/>
+            <a:p>
+              <a:pPr algn="l" marL="0" marR="0" indent="0">
+                <a:lnSpc>
+                  <a:spcPts val="1280"/>
+                </a:lnSpc>
+                <a:spcBef>
+                  <a:spcPts val="0"/>
+                </a:spcBef>
+                <a:spcAft>
+                  <a:spcPts val="0"/>
+                </a:spcAft>
+              </a:pPr>
+              <a:r>
+                <a:rPr sz="1280">
+                  <a:solidFill>
+                    <a:srgbClr val="000000">
+                      <a:alpha val="100000"/>
+                    </a:srgbClr>
+                  </a:solidFill>
+                  <a:latin typeface="Arial"/>
+                  <a:cs typeface="Arial"/>
+                </a:rPr>
+                <a:t>    Q1: 47</a:t>
+              </a:r>
+            </a:p>
+          </p:txBody>
+        </p:sp>
+        <p:sp>
+          <p:nvSpPr>
+            <p:cNvPr id="308" name="tx308"/>
+            <p:cNvSpPr/>
+            <p:nvPr/>
+          </p:nvSpPr>
+          <p:spPr>
+            <a:xfrm>
+              <a:off x="6878499" y="2386138"/>
+              <a:ext cx="668850" cy="127513"/>
+            </a:xfrm>
+            <a:prstGeom prst="rect">
+              <a:avLst/>
+            </a:prstGeom>
+            <a:noFill/>
+          </p:spPr>
+          <p:txBody>
+            <a:bodyPr lIns="0" rIns="0" tIns="0" bIns="0" anchorCtr="1" anchor="ctr" wrap="none"/>
+            <a:lstStyle/>
+            <a:p>
+              <a:pPr algn="l" marL="0" marR="0" indent="0">
+                <a:lnSpc>
+                  <a:spcPts val="1280"/>
+                </a:lnSpc>
+                <a:spcBef>
+                  <a:spcPts val="0"/>
+                </a:spcBef>
+                <a:spcAft>
+                  <a:spcPts val="0"/>
+                </a:spcAft>
+              </a:pPr>
+              <a:r>
+                <a:rPr sz="1280">
+                  <a:solidFill>
+                    <a:srgbClr val="000000">
+                      <a:alpha val="100000"/>
+                    </a:srgbClr>
+                  </a:solidFill>
+                  <a:latin typeface="Arial"/>
+                  <a:cs typeface="Arial"/>
+                </a:rPr>
+                <a:t>    Q3: 80</a:t>
+              </a:r>
+            </a:p>
+          </p:txBody>
+        </p:sp>
+        <p:sp>
+          <p:nvSpPr>
+            <p:cNvPr id="309" name="pl309"/>
             <p:cNvSpPr/>
             <p:nvPr/>
           </p:nvSpPr>
           <p:spPr>
             <a:xfrm>
               <a:off x="1091256" y="1499209"/>
-              <a:ext cx="0" cy="4380642"/>
+              <a:ext cx="0" cy="4162674"/>
             </a:xfrm>
             <a:custGeom>
               <a:avLst/>
               <a:pathLst>
-                <a:path w="0" h="4380642">
+                <a:path w="0" h="4162674">
                   <a:moveTo>
-                    <a:pt x="0" y="4380642"/>
+                    <a:pt x="0" y="4162674"/>
                   </a:moveTo>
                   <a:lnTo>
                     <a:pt x="0" y="0"/>
@@ -12834,13 +13110,13 @@
         </p:sp>
         <p:sp>
           <p:nvSpPr>
-            <p:cNvPr id="304" name="tx304"/>
-            <p:cNvSpPr/>
-            <p:nvPr/>
-          </p:nvSpPr>
-          <p:spPr>
-            <a:xfrm>
-              <a:off x="924257" y="5613398"/>
+            <p:cNvPr id="310" name="tx310"/>
+            <p:cNvSpPr/>
+            <p:nvPr/>
+          </p:nvSpPr>
+          <p:spPr>
+            <a:xfrm>
+              <a:off x="924257" y="5408126"/>
               <a:ext cx="84757" cy="111397"/>
             </a:xfrm>
             <a:prstGeom prst="rect">
@@ -12880,13 +13156,13 @@
         </p:sp>
         <p:sp>
           <p:nvSpPr>
-            <p:cNvPr id="305" name="tx305"/>
-            <p:cNvSpPr/>
-            <p:nvPr/>
-          </p:nvSpPr>
-          <p:spPr>
-            <a:xfrm>
-              <a:off x="839500" y="4623682"/>
+            <p:cNvPr id="311" name="tx311"/>
+            <p:cNvSpPr/>
+            <p:nvPr/>
+          </p:nvSpPr>
+          <p:spPr>
+            <a:xfrm>
+              <a:off x="839500" y="4467649"/>
               <a:ext cx="169515" cy="111397"/>
             </a:xfrm>
             <a:prstGeom prst="rect">
@@ -12926,13 +13202,13 @@
         </p:sp>
         <p:sp>
           <p:nvSpPr>
-            <p:cNvPr id="306" name="tx306"/>
-            <p:cNvSpPr/>
-            <p:nvPr/>
-          </p:nvSpPr>
-          <p:spPr>
-            <a:xfrm>
-              <a:off x="839500" y="3633965"/>
+            <p:cNvPr id="312" name="tx312"/>
+            <p:cNvSpPr/>
+            <p:nvPr/>
+          </p:nvSpPr>
+          <p:spPr>
+            <a:xfrm>
+              <a:off x="839500" y="3527173"/>
               <a:ext cx="169515" cy="111397"/>
             </a:xfrm>
             <a:prstGeom prst="rect">
@@ -12972,13 +13248,13 @@
         </p:sp>
         <p:sp>
           <p:nvSpPr>
-            <p:cNvPr id="307" name="tx307"/>
-            <p:cNvSpPr/>
-            <p:nvPr/>
-          </p:nvSpPr>
-          <p:spPr>
-            <a:xfrm>
-              <a:off x="839500" y="2646110"/>
+            <p:cNvPr id="313" name="tx313"/>
+            <p:cNvSpPr/>
+            <p:nvPr/>
+          </p:nvSpPr>
+          <p:spPr>
+            <a:xfrm>
+              <a:off x="839500" y="2588556"/>
               <a:ext cx="169515" cy="109537"/>
             </a:xfrm>
             <a:prstGeom prst="rect">
@@ -13018,13 +13294,13 @@
         </p:sp>
         <p:sp>
           <p:nvSpPr>
-            <p:cNvPr id="308" name="tx308"/>
-            <p:cNvSpPr/>
-            <p:nvPr/>
-          </p:nvSpPr>
-          <p:spPr>
-            <a:xfrm>
-              <a:off x="754742" y="1654533"/>
+            <p:cNvPr id="314" name="tx314"/>
+            <p:cNvSpPr/>
+            <p:nvPr/>
+          </p:nvSpPr>
+          <p:spPr>
+            <a:xfrm>
+              <a:off x="754742" y="1646219"/>
               <a:ext cx="254272" cy="111397"/>
             </a:xfrm>
             <a:prstGeom prst="rect">
@@ -13064,13 +13340,13 @@
         </p:sp>
         <p:sp>
           <p:nvSpPr>
-            <p:cNvPr id="309" name="pl309"/>
-            <p:cNvSpPr/>
-            <p:nvPr/>
-          </p:nvSpPr>
-          <p:spPr>
-            <a:xfrm>
-              <a:off x="1046973" y="5670250"/>
+            <p:cNvPr id="315" name="pl315"/>
+            <p:cNvSpPr/>
+            <p:nvPr/>
+          </p:nvSpPr>
+          <p:spPr>
+            <a:xfrm>
+              <a:off x="1046973" y="5464978"/>
               <a:ext cx="44283" cy="0"/>
             </a:xfrm>
             <a:custGeom>
@@ -13104,13 +13380,13 @@
         </p:sp>
         <p:sp>
           <p:nvSpPr>
-            <p:cNvPr id="310" name="pl310"/>
-            <p:cNvSpPr/>
-            <p:nvPr/>
-          </p:nvSpPr>
-          <p:spPr>
-            <a:xfrm>
-              <a:off x="1046973" y="4680534"/>
+            <p:cNvPr id="316" name="pl316"/>
+            <p:cNvSpPr/>
+            <p:nvPr/>
+          </p:nvSpPr>
+          <p:spPr>
+            <a:xfrm>
+              <a:off x="1046973" y="4524501"/>
               <a:ext cx="44283" cy="0"/>
             </a:xfrm>
             <a:custGeom>
@@ -13144,13 +13420,13 @@
         </p:sp>
         <p:sp>
           <p:nvSpPr>
-            <p:cNvPr id="311" name="pl311"/>
-            <p:cNvSpPr/>
-            <p:nvPr/>
-          </p:nvSpPr>
-          <p:spPr>
-            <a:xfrm>
-              <a:off x="1046973" y="3690818"/>
+            <p:cNvPr id="317" name="pl317"/>
+            <p:cNvSpPr/>
+            <p:nvPr/>
+          </p:nvSpPr>
+          <p:spPr>
+            <a:xfrm>
+              <a:off x="1046973" y="3584025"/>
               <a:ext cx="44283" cy="0"/>
             </a:xfrm>
             <a:custGeom>
@@ -13184,13 +13460,13 @@
         </p:sp>
         <p:sp>
           <p:nvSpPr>
-            <p:cNvPr id="312" name="pl312"/>
-            <p:cNvSpPr/>
-            <p:nvPr/>
-          </p:nvSpPr>
-          <p:spPr>
-            <a:xfrm>
-              <a:off x="1046973" y="2701102"/>
+            <p:cNvPr id="318" name="pl318"/>
+            <p:cNvSpPr/>
+            <p:nvPr/>
+          </p:nvSpPr>
+          <p:spPr>
+            <a:xfrm>
+              <a:off x="1046973" y="2643548"/>
               <a:ext cx="44283" cy="0"/>
             </a:xfrm>
             <a:custGeom>
@@ -13224,13 +13500,13 @@
         </p:sp>
         <p:sp>
           <p:nvSpPr>
-            <p:cNvPr id="313" name="pl313"/>
-            <p:cNvSpPr/>
-            <p:nvPr/>
-          </p:nvSpPr>
-          <p:spPr>
-            <a:xfrm>
-              <a:off x="1046973" y="1711386"/>
+            <p:cNvPr id="319" name="pl319"/>
+            <p:cNvSpPr/>
+            <p:nvPr/>
+          </p:nvSpPr>
+          <p:spPr>
+            <a:xfrm>
+              <a:off x="1046973" y="1703072"/>
               <a:ext cx="44283" cy="0"/>
             </a:xfrm>
             <a:custGeom>
@@ -13264,13 +13540,13 @@
         </p:sp>
         <p:sp>
           <p:nvSpPr>
-            <p:cNvPr id="314" name="pl314"/>
-            <p:cNvSpPr/>
-            <p:nvPr/>
-          </p:nvSpPr>
-          <p:spPr>
-            <a:xfrm>
-              <a:off x="1091256" y="5879852"/>
+            <p:cNvPr id="320" name="pl320"/>
+            <p:cNvSpPr/>
+            <p:nvPr/>
+          </p:nvSpPr>
+          <p:spPr>
+            <a:xfrm>
+              <a:off x="1091256" y="5661884"/>
               <a:ext cx="7506975" cy="0"/>
             </a:xfrm>
             <a:custGeom>
@@ -13304,13 +13580,13 @@
         </p:sp>
         <p:sp>
           <p:nvSpPr>
-            <p:cNvPr id="315" name="pl315"/>
-            <p:cNvSpPr/>
-            <p:nvPr/>
-          </p:nvSpPr>
-          <p:spPr>
-            <a:xfrm>
-              <a:off x="3138613" y="5879852"/>
+            <p:cNvPr id="321" name="pl321"/>
+            <p:cNvSpPr/>
+            <p:nvPr/>
+          </p:nvSpPr>
+          <p:spPr>
+            <a:xfrm>
+              <a:off x="3138613" y="5661884"/>
               <a:ext cx="0" cy="44283"/>
             </a:xfrm>
             <a:custGeom>
@@ -13344,13 +13620,13 @@
         </p:sp>
         <p:sp>
           <p:nvSpPr>
-            <p:cNvPr id="316" name="pl316"/>
-            <p:cNvSpPr/>
-            <p:nvPr/>
-          </p:nvSpPr>
-          <p:spPr>
-            <a:xfrm>
-              <a:off x="6550875" y="5879852"/>
+            <p:cNvPr id="322" name="pl322"/>
+            <p:cNvSpPr/>
+            <p:nvPr/>
+          </p:nvSpPr>
+          <p:spPr>
+            <a:xfrm>
+              <a:off x="6550875" y="5661884"/>
               <a:ext cx="0" cy="44283"/>
             </a:xfrm>
             <a:custGeom>
@@ -13384,13 +13660,13 @@
         </p:sp>
         <p:sp>
           <p:nvSpPr>
-            <p:cNvPr id="317" name="tx317"/>
-            <p:cNvSpPr/>
-            <p:nvPr/>
-          </p:nvSpPr>
-          <p:spPr>
-            <a:xfrm>
-              <a:off x="2109541" y="5928161"/>
+            <p:cNvPr id="323" name="tx323"/>
+            <p:cNvSpPr/>
+            <p:nvPr/>
+          </p:nvSpPr>
+          <p:spPr>
+            <a:xfrm>
+              <a:off x="2109541" y="5710193"/>
               <a:ext cx="2058144" cy="143023"/>
             </a:xfrm>
             <a:prstGeom prst="rect">
@@ -13430,13 +13706,13 @@
         </p:sp>
         <p:sp>
           <p:nvSpPr>
-            <p:cNvPr id="318" name="tx318"/>
-            <p:cNvSpPr/>
-            <p:nvPr/>
-          </p:nvSpPr>
-          <p:spPr>
-            <a:xfrm>
-              <a:off x="6339092" y="5930021"/>
+            <p:cNvPr id="324" name="tx324"/>
+            <p:cNvSpPr/>
+            <p:nvPr/>
+          </p:nvSpPr>
+          <p:spPr>
+            <a:xfrm>
+              <a:off x="6339092" y="5712053"/>
               <a:ext cx="423564" cy="141163"/>
             </a:xfrm>
             <a:prstGeom prst="rect">
@@ -13476,13 +13752,13 @@
         </p:sp>
         <p:sp>
           <p:nvSpPr>
-            <p:cNvPr id="319" name="tx319"/>
+            <p:cNvPr id="325" name="tx325"/>
             <p:cNvSpPr/>
             <p:nvPr/>
           </p:nvSpPr>
           <p:spPr>
             <a:xfrm rot="-5400000">
-              <a:off x="93324" y="3623724"/>
+              <a:off x="93324" y="3514740"/>
               <a:ext cx="1027819" cy="131613"/>
             </a:xfrm>
             <a:prstGeom prst="rect">
@@ -13522,7 +13798,7 @@
         </p:sp>
         <p:sp>
           <p:nvSpPr>
-            <p:cNvPr id="320" name="tx320"/>
+            <p:cNvPr id="326" name="tx326"/>
             <p:cNvSpPr/>
             <p:nvPr/>
           </p:nvSpPr>
@@ -13568,7 +13844,7 @@
         </p:sp>
         <p:sp>
           <p:nvSpPr>
-            <p:cNvPr id="321" name="tx321"/>
+            <p:cNvPr id="327" name="tx327"/>
             <p:cNvSpPr/>
             <p:nvPr/>
           </p:nvSpPr>
@@ -13608,6 +13884,52 @@
                   <a:cs typeface="Arial"/>
                 </a:rPr>
                 <a:t>symptoms and today (N=168)</a:t>
+              </a:r>
+            </a:p>
+          </p:txBody>
+        </p:sp>
+        <p:sp>
+          <p:nvSpPr>
+            <p:cNvPr id="328" name="tx328"/>
+            <p:cNvSpPr/>
+            <p:nvPr/>
+          </p:nvSpPr>
+          <p:spPr>
+            <a:xfrm>
+              <a:off x="6412281" y="6153023"/>
+              <a:ext cx="2185950" cy="129809"/>
+            </a:xfrm>
+            <a:prstGeom prst="rect">
+              <a:avLst/>
+            </a:prstGeom>
+            <a:noFill/>
+          </p:spPr>
+          <p:txBody>
+            <a:bodyPr lIns="0" rIns="0" tIns="0" bIns="0" anchorCtr="1" anchor="ctr" wrap="none"/>
+            <a:lstStyle/>
+            <a:p>
+              <a:pPr algn="l" marL="0" marR="0" indent="0">
+                <a:lnSpc>
+                  <a:spcPts val="1100"/>
+                </a:lnSpc>
+                <a:spcBef>
+                  <a:spcPts val="0"/>
+                </a:spcBef>
+                <a:spcAft>
+                  <a:spcPts val="0"/>
+                </a:spcAft>
+              </a:pPr>
+              <a:r>
+                <a:rPr sz="1100">
+                  <a:solidFill>
+                    <a:srgbClr val="000000">
+                      <a:alpha val="100000"/>
+                    </a:srgbClr>
+                  </a:solidFill>
+                  <a:latin typeface="Arial"/>
+                  <a:cs typeface="Arial"/>
+                </a:rPr>
+                <a:t>Wilcoxon signed-rank test: p&lt;0.001</a:t>
               </a:r>
             </a:p>
           </p:txBody>

--- a/results/figures/pptx/eq5d5l_health_score.pptx
+++ b/results/figures/pptx/eq5d5l_health_score.pptx
@@ -2271,15 +2271,15 @@
           </p:nvSpPr>
           <p:spPr>
             <a:xfrm>
-              <a:off x="3138613" y="1703072"/>
-              <a:ext cx="0" cy="376190"/>
+              <a:off x="3138613" y="1703037"/>
+              <a:ext cx="0" cy="376963"/>
             </a:xfrm>
             <a:custGeom>
               <a:avLst/>
               <a:pathLst>
-                <a:path w="0" h="376190">
+                <a:path w="0" h="376963">
                   <a:moveTo>
-                    <a:pt x="0" y="376190"/>
+                    <a:pt x="0" y="376963"/>
                   </a:moveTo>
                   <a:lnTo>
                     <a:pt x="0" y="0"/>
@@ -2311,18 +2311,18 @@
           </p:nvSpPr>
           <p:spPr>
             <a:xfrm>
-              <a:off x="3138613" y="2831644"/>
-              <a:ext cx="0" cy="1128571"/>
+              <a:off x="3138613" y="3022409"/>
+              <a:ext cx="0" cy="1319372"/>
             </a:xfrm>
             <a:custGeom>
               <a:avLst/>
               <a:pathLst>
-                <a:path w="0" h="1128571">
+                <a:path w="0" h="1319372">
                   <a:moveTo>
                     <a:pt x="0" y="0"/>
                   </a:moveTo>
                   <a:lnTo>
-                    <a:pt x="0" y="1128571"/>
+                    <a:pt x="0" y="1319372"/>
                   </a:lnTo>
                 </a:path>
               </a:pathLst>
@@ -2351,21 +2351,21 @@
           </p:nvSpPr>
           <p:spPr>
             <a:xfrm>
-              <a:off x="2626774" y="2079262"/>
-              <a:ext cx="1023678" cy="752381"/>
+              <a:off x="2626774" y="2080000"/>
+              <a:ext cx="1023678" cy="942408"/>
             </a:xfrm>
             <a:custGeom>
               <a:avLst/>
               <a:pathLst>
-                <a:path w="1023678" h="752381">
+                <a:path w="1023678" h="942408">
                   <a:moveTo>
                     <a:pt x="0" y="0"/>
                   </a:moveTo>
                   <a:lnTo>
-                    <a:pt x="0" y="752381"/>
+                    <a:pt x="0" y="942408"/>
                   </a:lnTo>
                   <a:lnTo>
-                    <a:pt x="1023678" y="752381"/>
+                    <a:pt x="1023678" y="942408"/>
                   </a:lnTo>
                   <a:lnTo>
                     <a:pt x="1023678" y="0"/>
@@ -2403,7 +2403,7 @@
           </p:nvSpPr>
           <p:spPr>
             <a:xfrm>
-              <a:off x="2626774" y="2455453"/>
+              <a:off x="2626774" y="2456964"/>
               <a:ext cx="1023678" cy="0"/>
             </a:xfrm>
             <a:custGeom>
@@ -2443,15 +2443,15 @@
           </p:nvSpPr>
           <p:spPr>
             <a:xfrm>
-              <a:off x="6550875" y="1703072"/>
-              <a:ext cx="0" cy="752381"/>
+              <a:off x="6550875" y="1703037"/>
+              <a:ext cx="0" cy="942408"/>
             </a:xfrm>
             <a:custGeom>
               <a:avLst/>
               <a:pathLst>
-                <a:path w="0" h="752381">
+                <a:path w="0" h="942408">
                   <a:moveTo>
-                    <a:pt x="0" y="752381"/>
+                    <a:pt x="0" y="942408"/>
                   </a:moveTo>
                   <a:lnTo>
                     <a:pt x="0" y="0"/>
@@ -2483,18 +2483,18 @@
           </p:nvSpPr>
           <p:spPr>
             <a:xfrm>
-              <a:off x="6550875" y="3696882"/>
-              <a:ext cx="0" cy="1768096"/>
+              <a:off x="6550875" y="3776336"/>
+              <a:ext cx="0" cy="1696335"/>
             </a:xfrm>
             <a:custGeom>
               <a:avLst/>
               <a:pathLst>
-                <a:path w="0" h="1768096">
+                <a:path w="0" h="1696335">
                   <a:moveTo>
                     <a:pt x="0" y="0"/>
                   </a:moveTo>
                   <a:lnTo>
-                    <a:pt x="0" y="1768096"/>
+                    <a:pt x="0" y="1696335"/>
                   </a:lnTo>
                 </a:path>
               </a:pathLst>
@@ -2523,21 +2523,21 @@
           </p:nvSpPr>
           <p:spPr>
             <a:xfrm>
-              <a:off x="6039036" y="2455453"/>
-              <a:ext cx="1023678" cy="1241429"/>
+              <a:off x="6039036" y="2645445"/>
+              <a:ext cx="1023678" cy="1130890"/>
             </a:xfrm>
             <a:custGeom>
               <a:avLst/>
               <a:pathLst>
-                <a:path w="1023678" h="1241429">
+                <a:path w="1023678" h="1130890">
                   <a:moveTo>
                     <a:pt x="0" y="0"/>
                   </a:moveTo>
                   <a:lnTo>
-                    <a:pt x="0" y="1241429"/>
+                    <a:pt x="0" y="1130890"/>
                   </a:lnTo>
                   <a:lnTo>
-                    <a:pt x="1023678" y="1241429"/>
+                    <a:pt x="1023678" y="1130890"/>
                   </a:lnTo>
                   <a:lnTo>
                     <a:pt x="1023678" y="0"/>
@@ -2575,7 +2575,7 @@
           </p:nvSpPr>
           <p:spPr>
             <a:xfrm>
-              <a:off x="6039036" y="3019739"/>
+              <a:off x="6039036" y="3210891"/>
               <a:ext cx="1023678" cy="0"/>
             </a:xfrm>
             <a:custGeom>
@@ -2615,7 +2615,7 @@
           </p:nvSpPr>
           <p:spPr>
             <a:xfrm>
-              <a:off x="3142810" y="2794621"/>
+              <a:off x="3089893" y="2058542"/>
               <a:ext cx="49651" cy="49651"/>
             </a:xfrm>
             <a:prstGeom prst="ellipse">
@@ -2650,7 +2650,7 @@
           </p:nvSpPr>
           <p:spPr>
             <a:xfrm>
-              <a:off x="6531753" y="2993996"/>
+              <a:off x="6511370" y="2627672"/>
               <a:ext cx="49651" cy="49651"/>
             </a:xfrm>
             <a:prstGeom prst="ellipse">
@@ -2685,7 +2685,7 @@
           </p:nvSpPr>
           <p:spPr>
             <a:xfrm>
-              <a:off x="3100420" y="2059186"/>
+              <a:off x="3118884" y="2807762"/>
               <a:ext cx="49651" cy="49651"/>
             </a:xfrm>
             <a:prstGeom prst="ellipse">
@@ -2720,7 +2720,7 @@
           </p:nvSpPr>
           <p:spPr>
             <a:xfrm>
-              <a:off x="6546635" y="2609711"/>
+              <a:off x="6550248" y="3937524"/>
               <a:ext cx="49651" cy="49651"/>
             </a:xfrm>
             <a:prstGeom prst="ellipse">
@@ -2755,7 +2755,7 @@
           </p:nvSpPr>
           <p:spPr>
             <a:xfrm>
-              <a:off x="3085844" y="2806399"/>
+              <a:off x="3117923" y="3947841"/>
               <a:ext cx="49651" cy="49651"/>
             </a:xfrm>
             <a:prstGeom prst="ellipse">
@@ -2790,7 +2790,7 @@
           </p:nvSpPr>
           <p:spPr>
             <a:xfrm>
-              <a:off x="6534884" y="3926532"/>
+              <a:off x="6530585" y="2985948"/>
               <a:ext cx="49651" cy="49651"/>
             </a:xfrm>
             <a:prstGeom prst="ellipse">
@@ -2825,7 +2825,7 @@
           </p:nvSpPr>
           <p:spPr>
             <a:xfrm>
-              <a:off x="3099214" y="3950297"/>
+              <a:off x="3107600" y="2430002"/>
               <a:ext cx="49651" cy="49651"/>
             </a:xfrm>
             <a:prstGeom prst="ellipse">
@@ -2860,7 +2860,7 @@
           </p:nvSpPr>
           <p:spPr>
             <a:xfrm>
-              <a:off x="6527485" y="2987499"/>
+              <a:off x="6557343" y="3571627"/>
               <a:ext cx="49651" cy="49651"/>
             </a:xfrm>
             <a:prstGeom prst="ellipse">
@@ -2895,7 +2895,7 @@
           </p:nvSpPr>
           <p:spPr>
             <a:xfrm>
-              <a:off x="3116664" y="2436252"/>
+              <a:off x="3090980" y="1739291"/>
               <a:ext cx="49651" cy="49651"/>
             </a:xfrm>
             <a:prstGeom prst="ellipse">
@@ -2930,7 +2930,7 @@
           </p:nvSpPr>
           <p:spPr>
             <a:xfrm>
-              <a:off x="6498340" y="3561315"/>
+              <a:off x="6527444" y="1803488"/>
               <a:ext cx="49651" cy="49651"/>
             </a:xfrm>
             <a:prstGeom prst="ellipse">
@@ -2965,7 +2965,7 @@
           </p:nvSpPr>
           <p:spPr>
             <a:xfrm>
-              <a:off x="3088800" y="1880301"/>
+              <a:off x="3112112" y="4238918"/>
               <a:ext cx="49651" cy="49651"/>
             </a:xfrm>
             <a:prstGeom prst="ellipse">
@@ -3000,7 +3000,7 @@
           </p:nvSpPr>
           <p:spPr>
             <a:xfrm>
-              <a:off x="6528601" y="2985404"/>
+              <a:off x="6532291" y="3916312"/>
               <a:ext cx="49651" cy="49651"/>
             </a:xfrm>
             <a:prstGeom prst="ellipse">
@@ -3035,7 +3035,7 @@
           </p:nvSpPr>
           <p:spPr>
             <a:xfrm>
-              <a:off x="3124062" y="1753699"/>
+              <a:off x="3115253" y="2805436"/>
               <a:ext cx="49651" cy="49651"/>
             </a:xfrm>
             <a:prstGeom prst="ellipse">
@@ -3070,7 +3070,7 @@
           </p:nvSpPr>
           <p:spPr>
             <a:xfrm>
-              <a:off x="6515930" y="1800634"/>
+              <a:off x="6503718" y="2435484"/>
               <a:ext cx="49651" cy="49651"/>
             </a:xfrm>
             <a:prstGeom prst="ellipse">
@@ -3105,7 +3105,7 @@
           </p:nvSpPr>
           <p:spPr>
             <a:xfrm>
-              <a:off x="3094831" y="4224353"/>
+              <a:off x="3103095" y="1935162"/>
               <a:ext cx="49651" cy="49651"/>
             </a:xfrm>
             <a:prstGeom prst="ellipse">
@@ -3140,7 +3140,7 @@
           </p:nvSpPr>
           <p:spPr>
             <a:xfrm>
-              <a:off x="6495835" y="3904255"/>
+              <a:off x="6543431" y="2232693"/>
               <a:ext cx="49651" cy="49651"/>
             </a:xfrm>
             <a:prstGeom prst="ellipse">
@@ -3175,7 +3175,7 @@
           </p:nvSpPr>
           <p:spPr>
             <a:xfrm>
-              <a:off x="3134360" y="2812835"/>
+              <a:off x="3106678" y="2067747"/>
               <a:ext cx="49651" cy="49651"/>
             </a:xfrm>
             <a:prstGeom prst="ellipse">
@@ -3210,7 +3210,7 @@
           </p:nvSpPr>
           <p:spPr>
             <a:xfrm>
-              <a:off x="6528596" y="2431495"/>
+              <a:off x="6536893" y="3186592"/>
               <a:ext cx="49651" cy="49651"/>
             </a:xfrm>
             <a:prstGeom prst="ellipse">
@@ -3245,7 +3245,7 @@
           </p:nvSpPr>
           <p:spPr>
             <a:xfrm>
-              <a:off x="3112822" y="1948890"/>
+              <a:off x="3145588" y="4705317"/>
               <a:ext cx="49651" cy="49651"/>
             </a:xfrm>
             <a:prstGeom prst="ellipse">
@@ -3280,7 +3280,7 @@
           </p:nvSpPr>
           <p:spPr>
             <a:xfrm>
-              <a:off x="6548552" y="2247431"/>
+              <a:off x="6501160" y="4303611"/>
               <a:ext cx="49651" cy="49651"/>
             </a:xfrm>
             <a:prstGeom prst="ellipse">
@@ -3315,7 +3315,7 @@
           </p:nvSpPr>
           <p:spPr>
             <a:xfrm>
-              <a:off x="3128443" y="2067863"/>
+              <a:off x="3101301" y="4124351"/>
               <a:ext cx="49651" cy="49651"/>
             </a:xfrm>
             <a:prstGeom prst="ellipse">
@@ -3350,7 +3350,7 @@
           </p:nvSpPr>
           <p:spPr>
             <a:xfrm>
-              <a:off x="6541824" y="3193373"/>
+              <a:off x="6559160" y="4705437"/>
               <a:ext cx="49651" cy="49651"/>
             </a:xfrm>
             <a:prstGeom prst="ellipse">
@@ -3385,7 +3385,7 @@
           </p:nvSpPr>
           <p:spPr>
             <a:xfrm>
-              <a:off x="3144561" y="4118097"/>
+              <a:off x="3111759" y="4114600"/>
               <a:ext cx="49651" cy="49651"/>
             </a:xfrm>
             <a:prstGeom prst="ellipse">
@@ -3420,7 +3420,7 @@
           </p:nvSpPr>
           <p:spPr>
             <a:xfrm>
-              <a:off x="6524074" y="4672991"/>
+              <a:off x="6525974" y="3361265"/>
               <a:ext cx="49651" cy="49651"/>
             </a:xfrm>
             <a:prstGeom prst="ellipse">
@@ -3455,7 +3455,7 @@
           </p:nvSpPr>
           <p:spPr>
             <a:xfrm>
-              <a:off x="3128341" y="2618334"/>
+              <a:off x="3100281" y="2620218"/>
               <a:ext cx="49651" cy="49651"/>
             </a:xfrm>
             <a:prstGeom prst="ellipse">
@@ -3490,7 +3490,7 @@
           </p:nvSpPr>
           <p:spPr>
             <a:xfrm>
-              <a:off x="6535739" y="2989736"/>
+              <a:off x="6545578" y="2994015"/>
               <a:ext cx="49651" cy="49651"/>
             </a:xfrm>
             <a:prstGeom prst="ellipse">
@@ -3525,7 +3525,7 @@
           </p:nvSpPr>
           <p:spPr>
             <a:xfrm>
-              <a:off x="3079909" y="2818501"/>
+              <a:off x="3110673" y="2820674"/>
               <a:ext cx="49651" cy="49651"/>
             </a:xfrm>
             <a:prstGeom prst="ellipse">
@@ -3560,7 +3560,7 @@
           </p:nvSpPr>
           <p:spPr>
             <a:xfrm>
-              <a:off x="6522493" y="5442983"/>
+              <a:off x="6531225" y="5435711"/>
               <a:ext cx="49651" cy="49651"/>
             </a:xfrm>
             <a:prstGeom prst="ellipse">
@@ -3595,7 +3595,7 @@
           </p:nvSpPr>
           <p:spPr>
             <a:xfrm>
-              <a:off x="3088751" y="2056014"/>
+              <a:off x="3087585" y="2057909"/>
               <a:ext cx="49651" cy="49651"/>
             </a:xfrm>
             <a:prstGeom prst="ellipse">
@@ -3630,7 +3630,7 @@
           </p:nvSpPr>
           <p:spPr>
             <a:xfrm>
-              <a:off x="6537756" y="4313897"/>
+              <a:off x="6529571" y="4319452"/>
               <a:ext cx="49651" cy="49651"/>
             </a:xfrm>
             <a:prstGeom prst="ellipse">
@@ -3665,7 +3665,7 @@
           </p:nvSpPr>
           <p:spPr>
             <a:xfrm>
-              <a:off x="3108011" y="1710427"/>
+              <a:off x="3143678" y="2814723"/>
               <a:ext cx="49651" cy="49651"/>
             </a:xfrm>
             <a:prstGeom prst="ellipse">
@@ -3700,7 +3700,7 @@
           </p:nvSpPr>
           <p:spPr>
             <a:xfrm>
-              <a:off x="6547223" y="2051778"/>
+              <a:off x="6554403" y="3570349"/>
               <a:ext cx="49651" cy="49651"/>
             </a:xfrm>
             <a:prstGeom prst="ellipse">
@@ -3735,7 +3735,7 @@
           </p:nvSpPr>
           <p:spPr>
             <a:xfrm>
-              <a:off x="3105474" y="3184866"/>
+              <a:off x="3118028" y="1701123"/>
               <a:ext cx="49651" cy="49651"/>
             </a:xfrm>
             <a:prstGeom prst="ellipse">
@@ -3770,7 +3770,7 @@
           </p:nvSpPr>
           <p:spPr>
             <a:xfrm>
-              <a:off x="6559534" y="3175932"/>
+              <a:off x="6550594" y="2045682"/>
               <a:ext cx="49651" cy="49651"/>
             </a:xfrm>
             <a:prstGeom prst="ellipse">
@@ -3805,7 +3805,7 @@
           </p:nvSpPr>
           <p:spPr>
             <a:xfrm>
-              <a:off x="3109077" y="1858004"/>
+              <a:off x="3105558" y="3189206"/>
               <a:ext cx="49651" cy="49651"/>
             </a:xfrm>
             <a:prstGeom prst="ellipse">
@@ -3840,7 +3840,7 @@
           </p:nvSpPr>
           <p:spPr>
             <a:xfrm>
-              <a:off x="6513685" y="4307034"/>
+              <a:off x="6552127" y="3200705"/>
               <a:ext cx="49651" cy="49651"/>
             </a:xfrm>
             <a:prstGeom prst="ellipse">
@@ -3875,7 +3875,7 @@
           </p:nvSpPr>
           <p:spPr>
             <a:xfrm>
-              <a:off x="3099796" y="2431467"/>
+              <a:off x="3144568" y="1876724"/>
               <a:ext cx="49651" cy="49651"/>
             </a:xfrm>
             <a:prstGeom prst="ellipse">
@@ -3910,7 +3910,7 @@
           </p:nvSpPr>
           <p:spPr>
             <a:xfrm>
-              <a:off x="6512953" y="3561385"/>
+              <a:off x="6535608" y="4311667"/>
               <a:ext cx="49651" cy="49651"/>
             </a:xfrm>
             <a:prstGeom prst="ellipse">
@@ -3945,7 +3945,7 @@
           </p:nvSpPr>
           <p:spPr>
             <a:xfrm>
-              <a:off x="3118410" y="2628591"/>
+              <a:off x="3145125" y="2434055"/>
               <a:ext cx="49651" cy="49651"/>
             </a:xfrm>
             <a:prstGeom prst="ellipse">
@@ -3980,7 +3980,7 @@
           </p:nvSpPr>
           <p:spPr>
             <a:xfrm>
-              <a:off x="6535296" y="3189488"/>
+              <a:off x="6539536" y="3555810"/>
               <a:ext cx="49651" cy="49651"/>
             </a:xfrm>
             <a:prstGeom prst="ellipse">
@@ -4015,7 +4015,7 @@
           </p:nvSpPr>
           <p:spPr>
             <a:xfrm>
-              <a:off x="3102613" y="2613925"/>
+              <a:off x="3085597" y="2606454"/>
               <a:ext cx="49651" cy="49651"/>
             </a:xfrm>
             <a:prstGeom prst="ellipse">
@@ -4050,7 +4050,7 @@
           </p:nvSpPr>
           <p:spPr>
             <a:xfrm>
-              <a:off x="6528432" y="4490504"/>
+              <a:off x="6534487" y="3192031"/>
               <a:ext cx="49651" cy="49651"/>
             </a:xfrm>
             <a:prstGeom prst="ellipse">
@@ -4085,7 +4085,7 @@
           </p:nvSpPr>
           <p:spPr>
             <a:xfrm>
-              <a:off x="3108085" y="2984145"/>
+              <a:off x="3092017" y="2630250"/>
               <a:ext cx="49651" cy="49651"/>
             </a:xfrm>
             <a:prstGeom prst="ellipse">
@@ -4120,7 +4120,7 @@
           </p:nvSpPr>
           <p:spPr>
             <a:xfrm>
-              <a:off x="6543519" y="2622271"/>
+              <a:off x="6550925" y="4498242"/>
               <a:ext cx="49651" cy="49651"/>
             </a:xfrm>
             <a:prstGeom prst="ellipse">
@@ -4155,7 +4155,7 @@
           </p:nvSpPr>
           <p:spPr>
             <a:xfrm>
-              <a:off x="3087662" y="1688978"/>
+              <a:off x="3109040" y="3567597"/>
               <a:ext cx="49651" cy="49651"/>
             </a:xfrm>
             <a:prstGeom prst="ellipse">
@@ -4190,7 +4190,7 @@
           </p:nvSpPr>
           <p:spPr>
             <a:xfrm>
-              <a:off x="6535994" y="3192610"/>
+              <a:off x="6506499" y="3197324"/>
               <a:ext cx="49651" cy="49651"/>
             </a:xfrm>
             <a:prstGeom prst="ellipse">
@@ -4225,7 +4225,7 @@
           </p:nvSpPr>
           <p:spPr>
             <a:xfrm>
-              <a:off x="3087464" y="2630622"/>
+              <a:off x="3093007" y="2990357"/>
               <a:ext cx="49651" cy="49651"/>
             </a:xfrm>
             <a:prstGeom prst="ellipse">
@@ -4260,7 +4260,7 @@
           </p:nvSpPr>
           <p:spPr>
             <a:xfrm>
-              <a:off x="6535728" y="3571596"/>
+              <a:off x="6522296" y="2620257"/>
               <a:ext cx="49651" cy="49651"/>
             </a:xfrm>
             <a:prstGeom prst="ellipse">
@@ -4295,7 +4295,7 @@
           </p:nvSpPr>
           <p:spPr>
             <a:xfrm>
-              <a:off x="3080439" y="3251335"/>
+              <a:off x="3086484" y="1683531"/>
               <a:ext cx="49651" cy="49651"/>
             </a:xfrm>
             <a:prstGeom prst="ellipse">
@@ -4330,7 +4330,7 @@
           </p:nvSpPr>
           <p:spPr>
             <a:xfrm>
-              <a:off x="6533350" y="2138094"/>
+              <a:off x="6523392" y="3185029"/>
               <a:ext cx="49651" cy="49651"/>
             </a:xfrm>
             <a:prstGeom prst="ellipse">
@@ -4365,7 +4365,7 @@
           </p:nvSpPr>
           <p:spPr>
             <a:xfrm>
-              <a:off x="3096492" y="1852886"/>
+              <a:off x="3125183" y="2616360"/>
               <a:ext cx="49651" cy="49651"/>
             </a:xfrm>
             <a:prstGeom prst="ellipse">
@@ -4400,7 +4400,7 @@
           </p:nvSpPr>
           <p:spPr>
             <a:xfrm>
-              <a:off x="6504259" y="3002231"/>
+              <a:off x="6550384" y="3572162"/>
               <a:ext cx="49651" cy="49651"/>
             </a:xfrm>
             <a:prstGeom prst="ellipse">
@@ -4435,7 +4435,7 @@
           </p:nvSpPr>
           <p:spPr>
             <a:xfrm>
-              <a:off x="3116856" y="1852575"/>
+              <a:off x="3081834" y="3266407"/>
               <a:ext cx="49651" cy="49651"/>
             </a:xfrm>
             <a:prstGeom prst="ellipse">
@@ -4470,7 +4470,7 @@
           </p:nvSpPr>
           <p:spPr>
             <a:xfrm>
-              <a:off x="6542030" y="2979978"/>
+              <a:off x="6558434" y="2136230"/>
               <a:ext cx="49651" cy="49651"/>
             </a:xfrm>
             <a:prstGeom prst="ellipse">
@@ -4505,7 +4505,7 @@
           </p:nvSpPr>
           <p:spPr>
             <a:xfrm>
-              <a:off x="3146787" y="2983620"/>
+              <a:off x="3119888" y="2059795"/>
               <a:ext cx="49651" cy="49651"/>
             </a:xfrm>
             <a:prstGeom prst="ellipse">
@@ -4540,7 +4540,7 @@
           </p:nvSpPr>
           <p:spPr>
             <a:xfrm>
-              <a:off x="6529637" y="1862590"/>
+              <a:off x="6531925" y="4304832"/>
               <a:ext cx="49651" cy="49651"/>
             </a:xfrm>
             <a:prstGeom prst="ellipse">
@@ -4575,7 +4575,7 @@
           </p:nvSpPr>
           <p:spPr>
             <a:xfrm>
-              <a:off x="3088035" y="3192073"/>
+              <a:off x="3085707" y="1881428"/>
               <a:ext cx="49651" cy="49651"/>
             </a:xfrm>
             <a:prstGeom prst="ellipse">
@@ -4610,7 +4610,7 @@
           </p:nvSpPr>
           <p:spPr>
             <a:xfrm>
-              <a:off x="6532099" y="3574039"/>
+              <a:off x="6511043" y="3005385"/>
               <a:ext cx="49651" cy="49651"/>
             </a:xfrm>
             <a:prstGeom prst="ellipse">
@@ -4645,7 +4645,7 @@
           </p:nvSpPr>
           <p:spPr>
             <a:xfrm>
-              <a:off x="3137531" y="2616748"/>
+              <a:off x="3143833" y="1863523"/>
               <a:ext cx="49651" cy="49651"/>
             </a:xfrm>
             <a:prstGeom prst="ellipse">
@@ -4680,7 +4680,7 @@
           </p:nvSpPr>
           <p:spPr>
             <a:xfrm>
-              <a:off x="6537580" y="2801278"/>
+              <a:off x="6504785" y="2985245"/>
               <a:ext cx="49651" cy="49651"/>
             </a:xfrm>
             <a:prstGeom prst="ellipse">
@@ -4715,7 +4715,7 @@
           </p:nvSpPr>
           <p:spPr>
             <a:xfrm>
-              <a:off x="3138075" y="2062690"/>
+              <a:off x="3086272" y="3009679"/>
               <a:ext cx="49651" cy="49651"/>
             </a:xfrm>
             <a:prstGeom prst="ellipse">
@@ -4750,7 +4750,7 @@
           </p:nvSpPr>
           <p:spPr>
             <a:xfrm>
-              <a:off x="6518136" y="2810818"/>
+              <a:off x="6520865" y="1871452"/>
               <a:ext cx="49651" cy="49651"/>
             </a:xfrm>
             <a:prstGeom prst="ellipse">
@@ -4785,7 +4785,7 @@
           </p:nvSpPr>
           <p:spPr>
             <a:xfrm>
-              <a:off x="3145293" y="2988503"/>
+              <a:off x="3129109" y="3191515"/>
               <a:ext cx="49651" cy="49651"/>
             </a:xfrm>
             <a:prstGeom prst="ellipse">
@@ -4820,7 +4820,7 @@
           </p:nvSpPr>
           <p:spPr>
             <a:xfrm>
-              <a:off x="6526020" y="4132819"/>
+              <a:off x="6559781" y="3548062"/>
               <a:ext cx="49651" cy="49651"/>
             </a:xfrm>
             <a:prstGeom prst="ellipse">
@@ -4855,7 +4855,7 @@
           </p:nvSpPr>
           <p:spPr>
             <a:xfrm>
-              <a:off x="3095173" y="2060088"/>
+              <a:off x="3134063" y="2605698"/>
               <a:ext cx="49651" cy="49651"/>
             </a:xfrm>
             <a:prstGeom prst="ellipse">
@@ -4890,7 +4890,7 @@
           </p:nvSpPr>
           <p:spPr>
             <a:xfrm>
-              <a:off x="6555913" y="2815537"/>
+              <a:off x="6549607" y="2813450"/>
               <a:ext cx="49651" cy="49651"/>
             </a:xfrm>
             <a:prstGeom prst="ellipse">
@@ -4925,7 +4925,7 @@
           </p:nvSpPr>
           <p:spPr>
             <a:xfrm>
-              <a:off x="3143408" y="1853392"/>
+              <a:off x="3118031" y="2043073"/>
               <a:ext cx="49651" cy="49651"/>
             </a:xfrm>
             <a:prstGeom prst="ellipse">
@@ -4960,7 +4960,7 @@
           </p:nvSpPr>
           <p:spPr>
             <a:xfrm>
-              <a:off x="6513803" y="2046603"/>
+              <a:off x="6520121" y="2808424"/>
               <a:ext cx="49651" cy="49651"/>
             </a:xfrm>
             <a:prstGeom prst="ellipse">
@@ -4995,7 +4995,7 @@
           </p:nvSpPr>
           <p:spPr>
             <a:xfrm>
-              <a:off x="3121035" y="4323529"/>
+              <a:off x="3124124" y="3007900"/>
               <a:ext cx="49651" cy="49651"/>
             </a:xfrm>
             <a:prstGeom prst="ellipse">
@@ -5030,7 +5030,7 @@
           </p:nvSpPr>
           <p:spPr>
             <a:xfrm>
-              <a:off x="6548116" y="3931750"/>
+              <a:off x="6542758" y="4134083"/>
               <a:ext cx="49651" cy="49651"/>
             </a:xfrm>
             <a:prstGeom prst="ellipse">
@@ -5065,7 +5065,7 @@
           </p:nvSpPr>
           <p:spPr>
             <a:xfrm>
-              <a:off x="3118640" y="2140176"/>
+              <a:off x="3143852" y="2048981"/>
               <a:ext cx="49651" cy="49651"/>
             </a:xfrm>
             <a:prstGeom prst="ellipse">
@@ -5100,7 +5100,7 @@
           </p:nvSpPr>
           <p:spPr>
             <a:xfrm>
-              <a:off x="6511962" y="3702344"/>
+              <a:off x="6522281" y="2823584"/>
               <a:ext cx="49651" cy="49651"/>
             </a:xfrm>
             <a:prstGeom prst="ellipse">
@@ -5135,7 +5135,7 @@
           </p:nvSpPr>
           <p:spPr>
             <a:xfrm>
-              <a:off x="3092977" y="3174864"/>
+              <a:off x="3113972" y="1866105"/>
               <a:ext cx="49651" cy="49651"/>
             </a:xfrm>
             <a:prstGeom prst="ellipse">
@@ -5170,7 +5170,7 @@
           </p:nvSpPr>
           <p:spPr>
             <a:xfrm>
-              <a:off x="6559132" y="2248915"/>
+              <a:off x="6543359" y="2061431"/>
               <a:ext cx="49651" cy="49651"/>
             </a:xfrm>
             <a:prstGeom prst="ellipse">
@@ -5205,7 +5205,7 @@
           </p:nvSpPr>
           <p:spPr>
             <a:xfrm>
-              <a:off x="3085273" y="1677417"/>
+              <a:off x="3120862" y="2816606"/>
               <a:ext cx="49651" cy="49651"/>
             </a:xfrm>
             <a:prstGeom prst="ellipse">
@@ -5240,7 +5240,7 @@
           </p:nvSpPr>
           <p:spPr>
             <a:xfrm>
-              <a:off x="6551059" y="2431248"/>
+              <a:off x="6521219" y="3186837"/>
               <a:ext cx="49651" cy="49651"/>
             </a:xfrm>
             <a:prstGeom prst="ellipse">
@@ -5275,7 +5275,7 @@
           </p:nvSpPr>
           <p:spPr>
             <a:xfrm>
-              <a:off x="3103627" y="2241131"/>
+              <a:off x="3118549" y="4320282"/>
               <a:ext cx="49651" cy="49651"/>
             </a:xfrm>
             <a:prstGeom prst="ellipse">
@@ -5310,7 +5310,7 @@
           </p:nvSpPr>
           <p:spPr>
             <a:xfrm>
-              <a:off x="6518884" y="2985989"/>
+              <a:off x="6538628" y="3953149"/>
               <a:ext cx="49651" cy="49651"/>
             </a:xfrm>
             <a:prstGeom prst="ellipse">
@@ -5345,7 +5345,7 @@
           </p:nvSpPr>
           <p:spPr>
             <a:xfrm>
-              <a:off x="3127134" y="3369165"/>
+              <a:off x="3107580" y="2121597"/>
               <a:ext cx="49651" cy="49651"/>
             </a:xfrm>
             <a:prstGeom prst="ellipse">
@@ -5380,7 +5380,7 @@
           </p:nvSpPr>
           <p:spPr>
             <a:xfrm>
-              <a:off x="6509076" y="2808897"/>
+              <a:off x="6497911" y="3709974"/>
               <a:ext cx="49651" cy="49651"/>
             </a:xfrm>
             <a:prstGeom prst="ellipse">
@@ -5415,7 +5415,7 @@
           </p:nvSpPr>
           <p:spPr>
             <a:xfrm>
-              <a:off x="3115052" y="2430047"/>
+              <a:off x="3117404" y="3171188"/>
               <a:ext cx="49651" cy="49651"/>
             </a:xfrm>
             <a:prstGeom prst="ellipse">
@@ -5450,7 +5450,7 @@
           </p:nvSpPr>
           <p:spPr>
             <a:xfrm>
-              <a:off x="6552419" y="3197431"/>
+              <a:off x="6526291" y="2242011"/>
               <a:ext cx="49651" cy="49651"/>
             </a:xfrm>
             <a:prstGeom prst="ellipse">
@@ -5485,7 +5485,7 @@
           </p:nvSpPr>
           <p:spPr>
             <a:xfrm>
-              <a:off x="3132592" y="2438012"/>
+              <a:off x="3100358" y="1691036"/>
               <a:ext cx="49651" cy="49651"/>
             </a:xfrm>
             <a:prstGeom prst="ellipse">
@@ -5520,7 +5520,7 @@
           </p:nvSpPr>
           <p:spPr>
             <a:xfrm>
-              <a:off x="6536555" y="3172153"/>
+              <a:off x="6554042" y="2420817"/>
               <a:ext cx="49651" cy="49651"/>
             </a:xfrm>
             <a:prstGeom prst="ellipse">
@@ -5555,7 +5555,7 @@
           </p:nvSpPr>
           <p:spPr>
             <a:xfrm>
-              <a:off x="3145537" y="2039651"/>
+              <a:off x="3083972" y="2230819"/>
               <a:ext cx="49651" cy="49651"/>
             </a:xfrm>
             <a:prstGeom prst="ellipse">
@@ -5590,7 +5590,7 @@
           </p:nvSpPr>
           <p:spPr>
             <a:xfrm>
-              <a:off x="6513908" y="3192272"/>
+              <a:off x="6499937" y="3008667"/>
               <a:ext cx="49651" cy="49651"/>
             </a:xfrm>
             <a:prstGeom prst="ellipse">
@@ -5625,7 +5625,7 @@
           </p:nvSpPr>
           <p:spPr>
             <a:xfrm>
-              <a:off x="3146358" y="2431440"/>
+              <a:off x="3081933" y="3376984"/>
               <a:ext cx="49651" cy="49651"/>
             </a:xfrm>
             <a:prstGeom prst="ellipse">
@@ -5660,7 +5660,7 @@
           </p:nvSpPr>
           <p:spPr>
             <a:xfrm>
-              <a:off x="6546534" y="2799650"/>
+              <a:off x="6535001" y="2797013"/>
               <a:ext cx="49651" cy="49651"/>
             </a:xfrm>
             <a:prstGeom prst="ellipse">
@@ -5695,7 +5695,7 @@
           </p:nvSpPr>
           <p:spPr>
             <a:xfrm>
-              <a:off x="3124607" y="2433848"/>
+              <a:off x="3110989" y="2443434"/>
               <a:ext cx="49651" cy="49651"/>
             </a:xfrm>
             <a:prstGeom prst="ellipse">
@@ -5730,7 +5730,7 @@
           </p:nvSpPr>
           <p:spPr>
             <a:xfrm>
-              <a:off x="6539450" y="3945660"/>
+              <a:off x="6508621" y="3200221"/>
               <a:ext cx="49651" cy="49651"/>
             </a:xfrm>
             <a:prstGeom prst="ellipse">
@@ -5765,7 +5765,7 @@
           </p:nvSpPr>
           <p:spPr>
             <a:xfrm>
-              <a:off x="3125365" y="2430358"/>
+              <a:off x="3095347" y="2426450"/>
               <a:ext cx="49651" cy="49651"/>
             </a:xfrm>
             <a:prstGeom prst="ellipse">
@@ -5800,7 +5800,7 @@
           </p:nvSpPr>
           <p:spPr>
             <a:xfrm>
-              <a:off x="6507457" y="5447846"/>
+              <a:off x="6522213" y="2814100"/>
               <a:ext cx="49651" cy="49651"/>
             </a:xfrm>
             <a:prstGeom prst="ellipse">
@@ -5835,7 +5835,7 @@
           </p:nvSpPr>
           <p:spPr>
             <a:xfrm>
-              <a:off x="3115914" y="2047470"/>
+              <a:off x="3088835" y="2433831"/>
               <a:ext cx="49651" cy="49651"/>
             </a:xfrm>
             <a:prstGeom prst="ellipse">
@@ -5870,7 +5870,7 @@
           </p:nvSpPr>
           <p:spPr>
             <a:xfrm>
-              <a:off x="6532633" y="3563740"/>
+              <a:off x="6518552" y="3927343"/>
               <a:ext cx="49651" cy="49651"/>
             </a:xfrm>
             <a:prstGeom prst="ellipse">
@@ -5905,7 +5905,7 @@
           </p:nvSpPr>
           <p:spPr>
             <a:xfrm>
-              <a:off x="3105921" y="1674556"/>
+              <a:off x="3144919" y="2446248"/>
               <a:ext cx="49651" cy="49651"/>
             </a:xfrm>
             <a:prstGeom prst="ellipse">
@@ -5940,7 +5940,7 @@
           </p:nvSpPr>
           <p:spPr>
             <a:xfrm>
-              <a:off x="6493575" y="4308286"/>
+              <a:off x="6535073" y="5443336"/>
               <a:ext cx="49651" cy="49651"/>
             </a:xfrm>
             <a:prstGeom prst="ellipse">
@@ -5975,7 +5975,7 @@
           </p:nvSpPr>
           <p:spPr>
             <a:xfrm>
-              <a:off x="3145896" y="2441930"/>
+              <a:off x="3105362" y="2048397"/>
               <a:ext cx="49651" cy="49651"/>
             </a:xfrm>
             <a:prstGeom prst="ellipse">
@@ -6010,7 +6010,7 @@
           </p:nvSpPr>
           <p:spPr>
             <a:xfrm>
-              <a:off x="6518960" y="2043104"/>
+              <a:off x="6503246" y="3575233"/>
               <a:ext cx="49651" cy="49651"/>
             </a:xfrm>
             <a:prstGeom prst="ellipse">
@@ -6045,7 +6045,7 @@
           </p:nvSpPr>
           <p:spPr>
             <a:xfrm>
-              <a:off x="3136717" y="2229609"/>
+              <a:off x="3145107" y="1671081"/>
               <a:ext cx="49651" cy="49651"/>
             </a:xfrm>
             <a:prstGeom prst="ellipse">
@@ -6080,7 +6080,7 @@
           </p:nvSpPr>
           <p:spPr>
             <a:xfrm>
-              <a:off x="6530527" y="3558050"/>
+              <a:off x="6497461" y="4311664"/>
               <a:ext cx="49651" cy="49651"/>
             </a:xfrm>
             <a:prstGeom prst="ellipse">
@@ -6115,7 +6115,7 @@
           </p:nvSpPr>
           <p:spPr>
             <a:xfrm>
-              <a:off x="3122369" y="2438169"/>
+              <a:off x="3108538" y="2442211"/>
               <a:ext cx="49651" cy="49651"/>
             </a:xfrm>
             <a:prstGeom prst="ellipse">
@@ -6150,7 +6150,7 @@
           </p:nvSpPr>
           <p:spPr>
             <a:xfrm>
-              <a:off x="6527113" y="2245861"/>
+              <a:off x="6502445" y="2060649"/>
               <a:ext cx="49651" cy="49651"/>
             </a:xfrm>
             <a:prstGeom prst="ellipse">
@@ -6185,7 +6185,7 @@
           </p:nvSpPr>
           <p:spPr>
             <a:xfrm>
-              <a:off x="3133157" y="1691523"/>
+              <a:off x="3131691" y="2249170"/>
               <a:ext cx="49651" cy="49651"/>
             </a:xfrm>
             <a:prstGeom prst="ellipse">
@@ -6220,7 +6220,7 @@
           </p:nvSpPr>
           <p:spPr>
             <a:xfrm>
-              <a:off x="6544171" y="2819016"/>
+              <a:off x="6523820" y="3566682"/>
               <a:ext cx="49651" cy="49651"/>
             </a:xfrm>
             <a:prstGeom prst="ellipse">
@@ -6255,7 +6255,7 @@
           </p:nvSpPr>
           <p:spPr>
             <a:xfrm>
-              <a:off x="3088621" y="2630185"/>
+              <a:off x="3121591" y="2447184"/>
               <a:ext cx="49651" cy="49651"/>
             </a:xfrm>
             <a:prstGeom prst="ellipse">
@@ -6290,7 +6290,7 @@
           </p:nvSpPr>
           <p:spPr>
             <a:xfrm>
-              <a:off x="6544014" y="2257371"/>
+              <a:off x="6499717" y="2250508"/>
               <a:ext cx="49651" cy="49651"/>
             </a:xfrm>
             <a:prstGeom prst="ellipse">
@@ -6325,7 +6325,7 @@
           </p:nvSpPr>
           <p:spPr>
             <a:xfrm>
-              <a:off x="3141632" y="2115110"/>
+              <a:off x="3132742" y="2424180"/>
               <a:ext cx="49651" cy="49651"/>
             </a:xfrm>
             <a:prstGeom prst="ellipse">
@@ -6360,7 +6360,7 @@
           </p:nvSpPr>
           <p:spPr>
             <a:xfrm>
-              <a:off x="6519445" y="3002726"/>
+              <a:off x="6524364" y="3931212"/>
               <a:ext cx="49651" cy="49651"/>
             </a:xfrm>
             <a:prstGeom prst="ellipse">
@@ -6395,7 +6395,7 @@
           </p:nvSpPr>
           <p:spPr>
             <a:xfrm>
-              <a:off x="3130823" y="2420778"/>
+              <a:off x="3098034" y="2633063"/>
               <a:ext cx="49651" cy="49651"/>
             </a:xfrm>
             <a:prstGeom prst="ellipse">
@@ -6430,7 +6430,7 @@
           </p:nvSpPr>
           <p:spPr>
             <a:xfrm>
-              <a:off x="6548260" y="3569241"/>
+              <a:off x="6556285" y="2229866"/>
               <a:ext cx="49651" cy="49651"/>
             </a:xfrm>
             <a:prstGeom prst="ellipse">
@@ -6465,7 +6465,7 @@
           </p:nvSpPr>
           <p:spPr>
             <a:xfrm>
-              <a:off x="3105584" y="2622555"/>
+              <a:off x="3117107" y="2135392"/>
               <a:ext cx="49651" cy="49651"/>
             </a:xfrm>
             <a:prstGeom prst="ellipse">
@@ -6500,7 +6500,7 @@
           </p:nvSpPr>
           <p:spPr>
             <a:xfrm>
-              <a:off x="6537986" y="3760908"/>
+              <a:off x="6507614" y="3003329"/>
               <a:ext cx="49651" cy="49651"/>
             </a:xfrm>
             <a:prstGeom prst="ellipse">
@@ -6535,7 +6535,7 @@
           </p:nvSpPr>
           <p:spPr>
             <a:xfrm>
-              <a:off x="3103080" y="1855852"/>
+              <a:off x="3089358" y="2422452"/>
               <a:ext cx="49651" cy="49651"/>
             </a:xfrm>
             <a:prstGeom prst="ellipse">
@@ -6570,7 +6570,7 @@
           </p:nvSpPr>
           <p:spPr>
             <a:xfrm>
-              <a:off x="6539701" y="2816714"/>
+              <a:off x="6509411" y="3557684"/>
               <a:ext cx="49651" cy="49651"/>
             </a:xfrm>
             <a:prstGeom prst="ellipse">
@@ -6605,7 +6605,7 @@
           </p:nvSpPr>
           <p:spPr>
             <a:xfrm>
-              <a:off x="3115436" y="2807043"/>
+              <a:off x="3122840" y="2621010"/>
               <a:ext cx="49651" cy="49651"/>
             </a:xfrm>
             <a:prstGeom prst="ellipse">
@@ -6640,7 +6640,7 @@
           </p:nvSpPr>
           <p:spPr>
             <a:xfrm>
-              <a:off x="6550142" y="3361963"/>
+              <a:off x="6543230" y="3933320"/>
               <a:ext cx="49651" cy="49651"/>
             </a:xfrm>
             <a:prstGeom prst="ellipse">
@@ -6675,7 +6675,7 @@
           </p:nvSpPr>
           <p:spPr>
             <a:xfrm>
-              <a:off x="3138238" y="4685447"/>
+              <a:off x="3134303" y="2429835"/>
               <a:ext cx="49651" cy="49651"/>
             </a:xfrm>
             <a:prstGeom prst="ellipse">
@@ -6710,7 +6710,7 @@
           </p:nvSpPr>
           <p:spPr>
             <a:xfrm>
-              <a:off x="6530024" y="3172647"/>
+              <a:off x="6509573" y="3192987"/>
               <a:ext cx="49651" cy="49651"/>
             </a:xfrm>
             <a:prstGeom prst="ellipse">
@@ -6745,7 +6745,7 @@
           </p:nvSpPr>
           <p:spPr>
             <a:xfrm>
-              <a:off x="3139446" y="1692019"/>
+              <a:off x="3083830" y="2631850"/>
               <a:ext cx="49651" cy="49651"/>
             </a:xfrm>
             <a:prstGeom prst="ellipse">
@@ -6780,7 +6780,7 @@
           </p:nvSpPr>
           <p:spPr>
             <a:xfrm>
-              <a:off x="6559113" y="2055821"/>
+              <a:off x="6523693" y="3742328"/>
               <a:ext cx="49651" cy="49651"/>
             </a:xfrm>
             <a:prstGeom prst="ellipse">
@@ -6815,7 +6815,7 @@
           </p:nvSpPr>
           <p:spPr>
             <a:xfrm>
-              <a:off x="3145660" y="4135486"/>
+              <a:off x="3094950" y="2623355"/>
               <a:ext cx="49651" cy="49651"/>
             </a:xfrm>
             <a:prstGeom prst="ellipse">
@@ -6850,7 +6850,7 @@
           </p:nvSpPr>
           <p:spPr>
             <a:xfrm>
-              <a:off x="6504361" y="3932626"/>
+              <a:off x="6529117" y="2614061"/>
               <a:ext cx="49651" cy="49651"/>
             </a:xfrm>
             <a:prstGeom prst="ellipse">
@@ -6885,7 +6885,7 @@
           </p:nvSpPr>
           <p:spPr>
             <a:xfrm>
-              <a:off x="3147579" y="2251343"/>
+              <a:off x="3131229" y="2608105"/>
               <a:ext cx="49651" cy="49651"/>
             </a:xfrm>
             <a:prstGeom prst="ellipse">
@@ -6920,7 +6920,7 @@
           </p:nvSpPr>
           <p:spPr>
             <a:xfrm>
-              <a:off x="6533239" y="2618624"/>
+              <a:off x="6559678" y="3558590"/>
               <a:ext cx="49651" cy="49651"/>
             </a:xfrm>
             <a:prstGeom prst="ellipse">
@@ -6955,7 +6955,7 @@
           </p:nvSpPr>
           <p:spPr>
             <a:xfrm>
-              <a:off x="3138575" y="2245732"/>
+              <a:off x="3139696" y="1863728"/>
               <a:ext cx="49651" cy="49651"/>
             </a:xfrm>
             <a:prstGeom prst="ellipse">
@@ -6990,7 +6990,7 @@
           </p:nvSpPr>
           <p:spPr>
             <a:xfrm>
-              <a:off x="6531395" y="2054391"/>
+              <a:off x="6544902" y="2803893"/>
               <a:ext cx="49651" cy="49651"/>
             </a:xfrm>
             <a:prstGeom prst="ellipse">
@@ -7025,7 +7025,7 @@
           </p:nvSpPr>
           <p:spPr>
             <a:xfrm>
-              <a:off x="3102303" y="1663596"/>
+              <a:off x="3084104" y="2821781"/>
               <a:ext cx="49651" cy="49651"/>
             </a:xfrm>
             <a:prstGeom prst="ellipse">
@@ -7060,7 +7060,7 @@
           </p:nvSpPr>
           <p:spPr>
             <a:xfrm>
-              <a:off x="6494453" y="2981492"/>
+              <a:off x="6544758" y="3374828"/>
               <a:ext cx="49651" cy="49651"/>
             </a:xfrm>
             <a:prstGeom prst="ellipse">
@@ -7095,7 +7095,7 @@
           </p:nvSpPr>
           <p:spPr>
             <a:xfrm>
-              <a:off x="3133765" y="3930781"/>
+              <a:off x="3106488" y="4704895"/>
               <a:ext cx="49651" cy="49651"/>
             </a:xfrm>
             <a:prstGeom prst="ellipse">
@@ -7130,7 +7130,7 @@
           </p:nvSpPr>
           <p:spPr>
             <a:xfrm>
-              <a:off x="6554131" y="3921789"/>
+              <a:off x="6555372" y="3174364"/>
               <a:ext cx="49651" cy="49651"/>
             </a:xfrm>
             <a:prstGeom prst="ellipse">
@@ -7165,7 +7165,7 @@
           </p:nvSpPr>
           <p:spPr>
             <a:xfrm>
-              <a:off x="3129847" y="1864320"/>
+              <a:off x="3110950" y="4127989"/>
               <a:ext cx="49651" cy="49651"/>
             </a:xfrm>
             <a:prstGeom prst="ellipse">
@@ -7200,7 +7200,7 @@
           </p:nvSpPr>
           <p:spPr>
             <a:xfrm>
-              <a:off x="6521982" y="4297510"/>
+              <a:off x="6497355" y="3934912"/>
               <a:ext cx="49651" cy="49651"/>
             </a:xfrm>
             <a:prstGeom prst="ellipse">
@@ -7235,7 +7235,7 @@
           </p:nvSpPr>
           <p:spPr>
             <a:xfrm>
-              <a:off x="3102838" y="3187778"/>
+              <a:off x="3109904" y="2431537"/>
               <a:ext cx="49651" cy="49651"/>
             </a:xfrm>
             <a:prstGeom prst="ellipse">
@@ -7270,7 +7270,7 @@
           </p:nvSpPr>
           <p:spPr>
             <a:xfrm>
-              <a:off x="6529988" y="2798780"/>
+              <a:off x="6516857" y="2719721"/>
               <a:ext cx="49651" cy="49651"/>
             </a:xfrm>
             <a:prstGeom prst="ellipse">
@@ -7305,7 +7305,7 @@
           </p:nvSpPr>
           <p:spPr>
             <a:xfrm>
-              <a:off x="3145463" y="1672823"/>
+              <a:off x="3091236" y="2241157"/>
               <a:ext cx="49651" cy="49651"/>
             </a:xfrm>
             <a:prstGeom prst="ellipse">
@@ -7340,7 +7340,7 @@
           </p:nvSpPr>
           <p:spPr>
             <a:xfrm>
-              <a:off x="6493658" y="4309205"/>
+              <a:off x="6533609" y="2611324"/>
               <a:ext cx="49651" cy="49651"/>
             </a:xfrm>
             <a:prstGeom prst="ellipse">
@@ -7375,7 +7375,7 @@
           </p:nvSpPr>
           <p:spPr>
             <a:xfrm>
-              <a:off x="3145292" y="2422153"/>
+              <a:off x="3119657" y="2248058"/>
               <a:ext cx="49651" cy="49651"/>
             </a:xfrm>
             <a:prstGeom prst="ellipse">
@@ -7410,7 +7410,7 @@
           </p:nvSpPr>
           <p:spPr>
             <a:xfrm>
-              <a:off x="6551864" y="3563792"/>
+              <a:off x="6530654" y="2069690"/>
               <a:ext cx="49651" cy="49651"/>
             </a:xfrm>
             <a:prstGeom prst="ellipse">
@@ -7445,7 +7445,7 @@
           </p:nvSpPr>
           <p:spPr>
             <a:xfrm>
-              <a:off x="3131743" y="2809602"/>
+              <a:off x="3140206" y="4311253"/>
               <a:ext cx="49651" cy="49651"/>
             </a:xfrm>
             <a:prstGeom prst="ellipse">
@@ -7480,7 +7480,7 @@
           </p:nvSpPr>
           <p:spPr>
             <a:xfrm>
-              <a:off x="6542170" y="3732277"/>
+              <a:off x="6553724" y="5075328"/>
               <a:ext cx="49651" cy="49651"/>
             </a:xfrm>
             <a:prstGeom prst="ellipse">
@@ -7515,7 +7515,7 @@
           </p:nvSpPr>
           <p:spPr>
             <a:xfrm>
-              <a:off x="3105684" y="1677840"/>
+              <a:off x="3146523" y="1676754"/>
               <a:ext cx="49651" cy="49651"/>
             </a:xfrm>
             <a:prstGeom prst="ellipse">
@@ -7550,7 +7550,7 @@
           </p:nvSpPr>
           <p:spPr>
             <a:xfrm>
-              <a:off x="6506891" y="2623707"/>
+              <a:off x="6534600" y="2986063"/>
               <a:ext cx="49651" cy="49651"/>
             </a:xfrm>
             <a:prstGeom prst="ellipse">
@@ -7585,7 +7585,7 @@
           </p:nvSpPr>
           <p:spPr>
             <a:xfrm>
-              <a:off x="3084568" y="2100379"/>
+              <a:off x="3141225" y="3937323"/>
               <a:ext cx="49651" cy="49651"/>
             </a:xfrm>
             <a:prstGeom prst="ellipse">
@@ -7620,7 +7620,7 @@
           </p:nvSpPr>
           <p:spPr>
             <a:xfrm>
-              <a:off x="6497597" y="2085781"/>
+              <a:off x="6500860" y="3938449"/>
               <a:ext cx="49651" cy="49651"/>
             </a:xfrm>
             <a:prstGeom prst="ellipse">
@@ -7655,7 +7655,7 @@
           </p:nvSpPr>
           <p:spPr>
             <a:xfrm>
-              <a:off x="3093528" y="3548405"/>
+              <a:off x="3088326" y="1877666"/>
               <a:ext cx="49651" cy="49651"/>
             </a:xfrm>
             <a:prstGeom prst="ellipse">
@@ -7690,7 +7690,7 @@
           </p:nvSpPr>
           <p:spPr>
             <a:xfrm>
-              <a:off x="6540582" y="3572267"/>
+              <a:off x="6496310" y="4329611"/>
               <a:ext cx="49651" cy="49651"/>
             </a:xfrm>
             <a:prstGeom prst="ellipse">
@@ -7725,7 +7725,7 @@
           </p:nvSpPr>
           <p:spPr>
             <a:xfrm>
-              <a:off x="3114391" y="2062687"/>
+              <a:off x="3129404" y="3178993"/>
               <a:ext cx="49651" cy="49651"/>
             </a:xfrm>
             <a:prstGeom prst="ellipse">
@@ -7760,7 +7760,7 @@
           </p:nvSpPr>
           <p:spPr>
             <a:xfrm>
-              <a:off x="6521706" y="3196197"/>
+              <a:off x="6525173" y="2815529"/>
               <a:ext cx="49651" cy="49651"/>
             </a:xfrm>
             <a:prstGeom prst="ellipse">
@@ -7795,7 +7795,7 @@
           </p:nvSpPr>
           <p:spPr>
             <a:xfrm>
-              <a:off x="3139072" y="2246231"/>
+              <a:off x="3116486" y="1682485"/>
               <a:ext cx="49651" cy="49651"/>
             </a:xfrm>
             <a:prstGeom prst="ellipse">
@@ -7830,7 +7830,7 @@
           </p:nvSpPr>
           <p:spPr>
             <a:xfrm>
-              <a:off x="6515112" y="3546019"/>
+              <a:off x="6553598" y="4309883"/>
               <a:ext cx="49651" cy="49651"/>
             </a:xfrm>
             <a:prstGeom prst="ellipse">
@@ -7865,7 +7865,7 @@
           </p:nvSpPr>
           <p:spPr>
             <a:xfrm>
-              <a:off x="3133745" y="2625555"/>
+              <a:off x="3102540" y="2432703"/>
               <a:ext cx="49651" cy="49651"/>
             </a:xfrm>
             <a:prstGeom prst="ellipse">
@@ -7900,7 +7900,7 @@
           </p:nvSpPr>
           <p:spPr>
             <a:xfrm>
-              <a:off x="6494749" y="3191779"/>
+              <a:off x="6512640" y="3551243"/>
               <a:ext cx="49651" cy="49651"/>
             </a:xfrm>
             <a:prstGeom prst="ellipse">
@@ -7935,7 +7935,7 @@
           </p:nvSpPr>
           <p:spPr>
             <a:xfrm>
-              <a:off x="3087976" y="1880265"/>
+              <a:off x="3131325" y="2814453"/>
               <a:ext cx="49651" cy="49651"/>
             </a:xfrm>
             <a:prstGeom prst="ellipse">
@@ -7970,7 +7970,7 @@
           </p:nvSpPr>
           <p:spPr>
             <a:xfrm>
-              <a:off x="6506779" y="2066877"/>
+              <a:off x="6514870" y="3754990"/>
               <a:ext cx="49651" cy="49651"/>
             </a:xfrm>
             <a:prstGeom prst="ellipse">
@@ -8005,7 +8005,7 @@
           </p:nvSpPr>
           <p:spPr>
             <a:xfrm>
-              <a:off x="3095094" y="2821488"/>
+              <a:off x="3080952" y="2422279"/>
               <a:ext cx="49651" cy="49651"/>
             </a:xfrm>
             <a:prstGeom prst="ellipse">
@@ -8040,7 +8040,7 @@
           </p:nvSpPr>
           <p:spPr>
             <a:xfrm>
-              <a:off x="6552097" y="2428199"/>
+              <a:off x="6559633" y="3389265"/>
               <a:ext cx="49651" cy="49651"/>
             </a:xfrm>
             <a:prstGeom prst="ellipse">
@@ -8075,7 +8075,7 @@
           </p:nvSpPr>
           <p:spPr>
             <a:xfrm>
-              <a:off x="3117546" y="2068978"/>
+              <a:off x="3142450" y="1687176"/>
               <a:ext cx="49651" cy="49651"/>
             </a:xfrm>
             <a:prstGeom prst="ellipse">
@@ -8110,7 +8110,7 @@
           </p:nvSpPr>
           <p:spPr>
             <a:xfrm>
-              <a:off x="6531797" y="3560964"/>
+              <a:off x="6525453" y="2613495"/>
               <a:ext cx="49651" cy="49651"/>
             </a:xfrm>
             <a:prstGeom prst="ellipse">
@@ -8145,7 +8145,7 @@
           </p:nvSpPr>
           <p:spPr>
             <a:xfrm>
-              <a:off x="3117744" y="2345577"/>
+              <a:off x="3133117" y="2078526"/>
               <a:ext cx="49651" cy="49651"/>
             </a:xfrm>
             <a:prstGeom prst="ellipse">
@@ -8180,7 +8180,7 @@
           </p:nvSpPr>
           <p:spPr>
             <a:xfrm>
-              <a:off x="6549940" y="4110403"/>
+              <a:off x="6517113" y="2095662"/>
               <a:ext cx="49651" cy="49651"/>
             </a:xfrm>
             <a:prstGeom prst="ellipse">
@@ -8215,7 +8215,7 @@
           </p:nvSpPr>
           <p:spPr>
             <a:xfrm>
-              <a:off x="3087053" y="2255988"/>
+              <a:off x="3098692" y="3570514"/>
               <a:ext cx="49651" cy="49651"/>
             </a:xfrm>
             <a:prstGeom prst="ellipse">
@@ -8250,7 +8250,7 @@
           </p:nvSpPr>
           <p:spPr>
             <a:xfrm>
-              <a:off x="6521204" y="2628162"/>
+              <a:off x="6522362" y="3559485"/>
               <a:ext cx="49651" cy="49651"/>
             </a:xfrm>
             <a:prstGeom prst="ellipse">
@@ -8285,7 +8285,7 @@
           </p:nvSpPr>
           <p:spPr>
             <a:xfrm>
-              <a:off x="3134438" y="3557672"/>
+              <a:off x="3091814" y="2062212"/>
               <a:ext cx="49651" cy="49651"/>
             </a:xfrm>
             <a:prstGeom prst="ellipse">
@@ -8320,7 +8320,7 @@
           </p:nvSpPr>
           <p:spPr>
             <a:xfrm>
-              <a:off x="6523496" y="3550957"/>
+              <a:off x="6544114" y="3199516"/>
               <a:ext cx="49651" cy="49651"/>
             </a:xfrm>
             <a:prstGeom prst="ellipse">
@@ -8355,7 +8355,7 @@
           </p:nvSpPr>
           <p:spPr>
             <a:xfrm>
-              <a:off x="3083276" y="2166341"/>
+              <a:off x="3141373" y="2247297"/>
               <a:ext cx="49651" cy="49651"/>
             </a:xfrm>
             <a:prstGeom prst="ellipse">
@@ -8390,7 +8390,7 @@
           </p:nvSpPr>
           <p:spPr>
             <a:xfrm>
-              <a:off x="6501995" y="2925051"/>
+              <a:off x="6520098" y="3573539"/>
               <a:ext cx="49651" cy="49651"/>
             </a:xfrm>
             <a:prstGeom prst="ellipse">
@@ -8425,7 +8425,7 @@
           </p:nvSpPr>
           <p:spPr>
             <a:xfrm>
-              <a:off x="3102979" y="2438515"/>
+              <a:off x="3128924" y="3644337"/>
               <a:ext cx="49651" cy="49651"/>
             </a:xfrm>
             <a:prstGeom prst="ellipse">
@@ -8460,7 +8460,7 @@
           </p:nvSpPr>
           <p:spPr>
             <a:xfrm>
-              <a:off x="6536507" y="2050415"/>
+              <a:off x="6539643" y="4125666"/>
               <a:ext cx="49651" cy="49651"/>
             </a:xfrm>
             <a:prstGeom prst="ellipse">
@@ -8495,7 +8495,7 @@
           </p:nvSpPr>
           <p:spPr>
             <a:xfrm>
-              <a:off x="3136506" y="2700612"/>
+              <a:off x="3103421" y="2631286"/>
               <a:ext cx="49651" cy="49651"/>
             </a:xfrm>
             <a:prstGeom prst="ellipse">
@@ -8530,7 +8530,7 @@
           </p:nvSpPr>
           <p:spPr>
             <a:xfrm>
-              <a:off x="6550528" y="4034244"/>
+              <a:off x="6508044" y="3195184"/>
               <a:ext cx="49651" cy="49651"/>
             </a:xfrm>
             <a:prstGeom prst="ellipse">
@@ -8565,7 +8565,7 @@
           </p:nvSpPr>
           <p:spPr>
             <a:xfrm>
-              <a:off x="3125862" y="2060260"/>
+              <a:off x="3108705" y="1864775"/>
               <a:ext cx="49651" cy="49651"/>
             </a:xfrm>
             <a:prstGeom prst="ellipse">
@@ -8600,7 +8600,7 @@
           </p:nvSpPr>
           <p:spPr>
             <a:xfrm>
-              <a:off x="6498758" y="4315195"/>
+              <a:off x="6557447" y="2048528"/>
               <a:ext cx="49651" cy="49651"/>
             </a:xfrm>
             <a:prstGeom prst="ellipse">
@@ -8635,7 +8635,7 @@
           </p:nvSpPr>
           <p:spPr>
             <a:xfrm>
-              <a:off x="3137835" y="3565876"/>
+              <a:off x="3081950" y="5068768"/>
               <a:ext cx="49651" cy="49651"/>
             </a:xfrm>
             <a:prstGeom prst="ellipse">
@@ -8670,7 +8670,7 @@
           </p:nvSpPr>
           <p:spPr>
             <a:xfrm>
-              <a:off x="6552254" y="4495234"/>
+              <a:off x="6548860" y="3363260"/>
               <a:ext cx="49651" cy="49651"/>
             </a:xfrm>
             <a:prstGeom prst="ellipse">
@@ -8705,7 +8705,7 @@
           </p:nvSpPr>
           <p:spPr>
             <a:xfrm>
-              <a:off x="3110912" y="2234987"/>
+              <a:off x="3133430" y="2804807"/>
               <a:ext cx="49651" cy="49651"/>
             </a:xfrm>
             <a:prstGeom prst="ellipse">
@@ -8740,7 +8740,7 @@
           </p:nvSpPr>
           <p:spPr>
             <a:xfrm>
-              <a:off x="6559284" y="3363543"/>
+              <a:off x="6559790" y="2418596"/>
               <a:ext cx="49651" cy="49651"/>
             </a:xfrm>
             <a:prstGeom prst="ellipse">
@@ -8775,7 +8775,7 @@
           </p:nvSpPr>
           <p:spPr>
             <a:xfrm>
-              <a:off x="3088016" y="2044947"/>
+              <a:off x="3129165" y="2042327"/>
               <a:ext cx="49651" cy="49651"/>
             </a:xfrm>
             <a:prstGeom prst="ellipse">
@@ -8810,7 +8810,7 @@
           </p:nvSpPr>
           <p:spPr>
             <a:xfrm>
-              <a:off x="6514824" y="4863372"/>
+              <a:off x="6528284" y="3563296"/>
               <a:ext cx="49651" cy="49651"/>
             </a:xfrm>
             <a:prstGeom prst="ellipse">
@@ -8845,7 +8845,7 @@
           </p:nvSpPr>
           <p:spPr>
             <a:xfrm>
-              <a:off x="3092879" y="2237302"/>
+              <a:off x="3127803" y="2371193"/>
               <a:ext cx="49651" cy="49651"/>
             </a:xfrm>
             <a:prstGeom prst="ellipse">
@@ -8880,7 +8880,7 @@
           </p:nvSpPr>
           <p:spPr>
             <a:xfrm>
-              <a:off x="6506687" y="1874047"/>
+              <a:off x="6498130" y="4138734"/>
               <a:ext cx="49651" cy="49651"/>
             </a:xfrm>
             <a:prstGeom prst="ellipse">
@@ -8915,7 +8915,7 @@
           </p:nvSpPr>
           <p:spPr>
             <a:xfrm>
-              <a:off x="3123499" y="2989208"/>
+              <a:off x="3126911" y="2232699"/>
               <a:ext cx="49651" cy="49651"/>
             </a:xfrm>
             <a:prstGeom prst="ellipse">
@@ -8950,7 +8950,7 @@
           </p:nvSpPr>
           <p:spPr>
             <a:xfrm>
-              <a:off x="6509722" y="2437658"/>
+              <a:off x="6538145" y="2631293"/>
               <a:ext cx="49651" cy="49651"/>
             </a:xfrm>
             <a:prstGeom prst="ellipse">
@@ -8985,7 +8985,7 @@
           </p:nvSpPr>
           <p:spPr>
             <a:xfrm>
-              <a:off x="3126839" y="4312091"/>
+              <a:off x="3099487" y="3571541"/>
               <a:ext cx="49651" cy="49651"/>
             </a:xfrm>
             <a:prstGeom prst="ellipse">
@@ -9020,7 +9020,7 @@
           </p:nvSpPr>
           <p:spPr>
             <a:xfrm>
-              <a:off x="6558690" y="2802150"/>
+              <a:off x="6513904" y="3553233"/>
               <a:ext cx="49651" cy="49651"/>
             </a:xfrm>
             <a:prstGeom prst="ellipse">
@@ -9055,7 +9055,7 @@
           </p:nvSpPr>
           <p:spPr>
             <a:xfrm>
-              <a:off x="3111276" y="4324517"/>
+              <a:off x="3129250" y="2179036"/>
               <a:ext cx="49651" cy="49651"/>
             </a:xfrm>
             <a:prstGeom prst="ellipse">
@@ -9090,7 +9090,7 @@
           </p:nvSpPr>
           <p:spPr>
             <a:xfrm>
-              <a:off x="6558873" y="3949726"/>
+              <a:off x="6506870" y="2927512"/>
               <a:ext cx="49651" cy="49651"/>
             </a:xfrm>
             <a:prstGeom prst="ellipse">
@@ -9125,7 +9125,7 @@
           </p:nvSpPr>
           <p:spPr>
             <a:xfrm>
-              <a:off x="3113681" y="2616114"/>
+              <a:off x="3083998" y="2805004"/>
               <a:ext cx="49651" cy="49651"/>
             </a:xfrm>
             <a:prstGeom prst="ellipse">
@@ -9160,7 +9160,7 @@
           </p:nvSpPr>
           <p:spPr>
             <a:xfrm>
-              <a:off x="6506952" y="3549831"/>
+              <a:off x="6551239" y="2813261"/>
               <a:ext cx="49651" cy="49651"/>
             </a:xfrm>
             <a:prstGeom prst="ellipse">
@@ -9195,7 +9195,7 @@
           </p:nvSpPr>
           <p:spPr>
             <a:xfrm>
-              <a:off x="3128439" y="2251186"/>
+              <a:off x="3138039" y="2696337"/>
               <a:ext cx="49651" cy="49651"/>
             </a:xfrm>
             <a:prstGeom prst="ellipse">
@@ -9230,7 +9230,7 @@
           </p:nvSpPr>
           <p:spPr>
             <a:xfrm>
-              <a:off x="6530208" y="3738262"/>
+              <a:off x="6534784" y="4054836"/>
               <a:ext cx="49651" cy="49651"/>
             </a:xfrm>
             <a:prstGeom prst="ellipse">
@@ -9265,7 +9265,7 @@
           </p:nvSpPr>
           <p:spPr>
             <a:xfrm>
-              <a:off x="3116372" y="1870285"/>
+              <a:off x="3090837" y="2046216"/>
               <a:ext cx="49651" cy="49651"/>
             </a:xfrm>
             <a:prstGeom prst="ellipse">
@@ -9300,7 +9300,7 @@
           </p:nvSpPr>
           <p:spPr>
             <a:xfrm>
-              <a:off x="6556940" y="3004330"/>
+              <a:off x="6514190" y="4323790"/>
               <a:ext cx="49651" cy="49651"/>
             </a:xfrm>
             <a:prstGeom prst="ellipse">
@@ -9335,7 +9335,7 @@
           </p:nvSpPr>
           <p:spPr>
             <a:xfrm>
-              <a:off x="3113598" y="2793516"/>
+              <a:off x="3086313" y="3565542"/>
               <a:ext cx="49651" cy="49651"/>
             </a:xfrm>
             <a:prstGeom prst="ellipse">
@@ -9370,7 +9370,7 @@
           </p:nvSpPr>
           <p:spPr>
             <a:xfrm>
-              <a:off x="6495518" y="4310657"/>
+              <a:off x="6494687" y="4505833"/>
               <a:ext cx="49651" cy="49651"/>
             </a:xfrm>
             <a:prstGeom prst="ellipse">
@@ -9405,7 +9405,7 @@
           </p:nvSpPr>
           <p:spPr>
             <a:xfrm>
-              <a:off x="3105562" y="2049432"/>
+              <a:off x="3113072" y="2250286"/>
               <a:ext cx="49651" cy="49651"/>
             </a:xfrm>
             <a:prstGeom prst="ellipse">
@@ -9440,7 +9440,7 @@
           </p:nvSpPr>
           <p:spPr>
             <a:xfrm>
-              <a:off x="6549524" y="2046975"/>
+              <a:off x="6546045" y="1860823"/>
               <a:ext cx="49651" cy="49651"/>
             </a:xfrm>
             <a:prstGeom prst="ellipse">
@@ -9475,7 +9475,7 @@
           </p:nvSpPr>
           <p:spPr>
             <a:xfrm>
-              <a:off x="3123675" y="2631181"/>
+              <a:off x="3144389" y="3007169"/>
               <a:ext cx="49651" cy="49651"/>
             </a:xfrm>
             <a:prstGeom prst="ellipse">
@@ -9510,7 +9510,7 @@
           </p:nvSpPr>
           <p:spPr>
             <a:xfrm>
-              <a:off x="6530642" y="3172263"/>
+              <a:off x="6502413" y="2438992"/>
               <a:ext cx="49651" cy="49651"/>
             </a:xfrm>
             <a:prstGeom prst="ellipse">
@@ -9545,7 +9545,7 @@
           </p:nvSpPr>
           <p:spPr>
             <a:xfrm>
-              <a:off x="3111435" y="3196478"/>
+              <a:off x="3138469" y="4308849"/>
               <a:ext cx="49651" cy="49651"/>
             </a:xfrm>
             <a:prstGeom prst="ellipse">
@@ -9580,7 +9580,7 @@
           </p:nvSpPr>
           <p:spPr>
             <a:xfrm>
-              <a:off x="6549660" y="3548275"/>
+              <a:off x="6539333" y="2815712"/>
               <a:ext cx="49651" cy="49651"/>
             </a:xfrm>
             <a:prstGeom prst="ellipse">
@@ -9615,7 +9615,7 @@
           </p:nvSpPr>
           <p:spPr>
             <a:xfrm>
-              <a:off x="3116228" y="2062516"/>
+              <a:off x="3112237" y="4318829"/>
               <a:ext cx="49651" cy="49651"/>
             </a:xfrm>
             <a:prstGeom prst="ellipse">
@@ -9650,7 +9650,7 @@
           </p:nvSpPr>
           <p:spPr>
             <a:xfrm>
-              <a:off x="6496473" y="3179243"/>
+              <a:off x="6498500" y="3927121"/>
               <a:ext cx="49651" cy="49651"/>
             </a:xfrm>
             <a:prstGeom prst="ellipse">
@@ -9685,7 +9685,7 @@
           </p:nvSpPr>
           <p:spPr>
             <a:xfrm>
-              <a:off x="3087468" y="2811602"/>
+              <a:off x="3113852" y="2887245"/>
               <a:ext cx="49651" cy="49651"/>
             </a:xfrm>
             <a:prstGeom prst="ellipse">
@@ -9720,7 +9720,7 @@
           </p:nvSpPr>
           <p:spPr>
             <a:xfrm>
-              <a:off x="6544961" y="2421762"/>
+              <a:off x="6536923" y="2887780"/>
               <a:ext cx="49651" cy="49651"/>
             </a:xfrm>
             <a:prstGeom prst="ellipse">
@@ -9755,7 +9755,7 @@
           </p:nvSpPr>
           <p:spPr>
             <a:xfrm>
-              <a:off x="3090149" y="3557099"/>
+              <a:off x="3130873" y="2619178"/>
               <a:ext cx="49651" cy="49651"/>
             </a:xfrm>
             <a:prstGeom prst="ellipse">
@@ -9790,7 +9790,7 @@
           </p:nvSpPr>
           <p:spPr>
             <a:xfrm>
-              <a:off x="6517041" y="2817218"/>
+              <a:off x="6549836" y="3575133"/>
               <a:ext cx="49651" cy="49651"/>
             </a:xfrm>
             <a:prstGeom prst="ellipse">
@@ -9825,7 +9825,7 @@
           </p:nvSpPr>
           <p:spPr>
             <a:xfrm>
-              <a:off x="6551652" y="3169489"/>
+              <a:off x="3116600" y="2232472"/>
               <a:ext cx="49651" cy="49651"/>
             </a:xfrm>
             <a:prstGeom prst="ellipse">
@@ -9860,7 +9860,7 @@
           </p:nvSpPr>
           <p:spPr>
             <a:xfrm>
-              <a:off x="3137237" y="2798146"/>
+              <a:off x="6532219" y="3762439"/>
               <a:ext cx="49651" cy="49651"/>
             </a:xfrm>
             <a:prstGeom prst="ellipse">
@@ -9895,7 +9895,7 @@
           </p:nvSpPr>
           <p:spPr>
             <a:xfrm>
-              <a:off x="6509151" y="2437693"/>
+              <a:off x="3120816" y="2055715"/>
               <a:ext cx="49651" cy="49651"/>
             </a:xfrm>
             <a:prstGeom prst="ellipse">
@@ -9930,7 +9930,7 @@
           </p:nvSpPr>
           <p:spPr>
             <a:xfrm>
-              <a:off x="3105830" y="1674804"/>
+              <a:off x="6500340" y="2049359"/>
               <a:ext cx="49651" cy="49651"/>
             </a:xfrm>
             <a:prstGeom prst="ellipse">
@@ -9965,7 +9965,7 @@
           </p:nvSpPr>
           <p:spPr>
             <a:xfrm>
-              <a:off x="6496630" y="2802642"/>
+              <a:off x="3104526" y="3188336"/>
               <a:ext cx="49651" cy="49651"/>
             </a:xfrm>
             <a:prstGeom prst="ellipse">
@@ -10000,7 +10000,7 @@
           </p:nvSpPr>
           <p:spPr>
             <a:xfrm>
-              <a:off x="3146608" y="2796288"/>
+              <a:off x="6500575" y="4318334"/>
               <a:ext cx="49651" cy="49651"/>
             </a:xfrm>
             <a:prstGeom prst="ellipse">
@@ -10035,7 +10035,7 @@
           </p:nvSpPr>
           <p:spPr>
             <a:xfrm>
-              <a:off x="6514648" y="2511790"/>
+              <a:off x="3128957" y="2612529"/>
               <a:ext cx="49651" cy="49651"/>
             </a:xfrm>
             <a:prstGeom prst="ellipse">
@@ -10070,7 +10070,7 @@
           </p:nvSpPr>
           <p:spPr>
             <a:xfrm>
-              <a:off x="3125494" y="1868601"/>
+              <a:off x="6514396" y="3180275"/>
               <a:ext cx="49651" cy="49651"/>
             </a:xfrm>
             <a:prstGeom prst="ellipse">
@@ -10105,7 +10105,7 @@
           </p:nvSpPr>
           <p:spPr>
             <a:xfrm>
-              <a:off x="6525192" y="2436178"/>
+              <a:off x="3123998" y="3175811"/>
               <a:ext cx="49651" cy="49651"/>
             </a:xfrm>
             <a:prstGeom prst="ellipse">
@@ -10140,7 +10140,7 @@
           </p:nvSpPr>
           <p:spPr>
             <a:xfrm>
-              <a:off x="3110054" y="2051527"/>
+              <a:off x="6550478" y="3568126"/>
               <a:ext cx="49651" cy="49651"/>
             </a:xfrm>
             <a:prstGeom prst="ellipse">
@@ -10175,7 +10175,7 @@
           </p:nvSpPr>
           <p:spPr>
             <a:xfrm>
-              <a:off x="6508670" y="2805424"/>
+              <a:off x="3115662" y="2050762"/>
               <a:ext cx="49651" cy="49651"/>
             </a:xfrm>
             <a:prstGeom prst="ellipse">
@@ -10210,7 +10210,7 @@
           </p:nvSpPr>
           <p:spPr>
             <a:xfrm>
-              <a:off x="3103775" y="1756483"/>
+              <a:off x="6499422" y="3177130"/>
               <a:ext cx="49651" cy="49651"/>
             </a:xfrm>
             <a:prstGeom prst="ellipse">
@@ -10245,7 +10245,7 @@
           </p:nvSpPr>
           <p:spPr>
             <a:xfrm>
-              <a:off x="6507894" y="1709004"/>
+              <a:off x="3088705" y="2799291"/>
               <a:ext cx="49651" cy="49651"/>
             </a:xfrm>
             <a:prstGeom prst="ellipse">
@@ -10280,7 +10280,7 @@
           </p:nvSpPr>
           <p:spPr>
             <a:xfrm>
-              <a:off x="3143247" y="3947359"/>
+              <a:off x="6513414" y="2422793"/>
               <a:ext cx="49651" cy="49651"/>
             </a:xfrm>
             <a:prstGeom prst="ellipse">
@@ -10315,7 +10315,7 @@
           </p:nvSpPr>
           <p:spPr>
             <a:xfrm>
-              <a:off x="6544348" y="2806620"/>
+              <a:off x="3089743" y="3564697"/>
               <a:ext cx="49651" cy="49651"/>
             </a:xfrm>
             <a:prstGeom prst="ellipse">
@@ -10350,7 +10350,7 @@
           </p:nvSpPr>
           <p:spPr>
             <a:xfrm>
-              <a:off x="3086313" y="2435335"/>
+              <a:off x="6517203" y="2813700"/>
               <a:ext cx="49651" cy="49651"/>
             </a:xfrm>
             <a:prstGeom prst="ellipse">
@@ -10385,7 +10385,7 @@
           </p:nvSpPr>
           <p:spPr>
             <a:xfrm>
-              <a:off x="6556261" y="2813182"/>
+              <a:off x="6558523" y="3183736"/>
               <a:ext cx="49651" cy="49651"/>
             </a:xfrm>
             <a:prstGeom prst="ellipse">
@@ -10420,7 +10420,7 @@
           </p:nvSpPr>
           <p:spPr>
             <a:xfrm>
-              <a:off x="3084838" y="3177488"/>
+              <a:off x="3080286" y="2240188"/>
               <a:ext cx="49651" cy="49651"/>
             </a:xfrm>
             <a:prstGeom prst="ellipse">
@@ -10455,7 +10455,7 @@
           </p:nvSpPr>
           <p:spPr>
             <a:xfrm>
-              <a:off x="6558724" y="2805850"/>
+              <a:off x="6543395" y="2253456"/>
               <a:ext cx="49651" cy="49651"/>
             </a:xfrm>
             <a:prstGeom prst="ellipse">
@@ -10490,7 +10490,7 @@
           </p:nvSpPr>
           <p:spPr>
             <a:xfrm>
-              <a:off x="3079763" y="2233728"/>
+              <a:off x="3121436" y="2809131"/>
               <a:ext cx="49651" cy="49651"/>
             </a:xfrm>
             <a:prstGeom prst="ellipse">
@@ -10525,7 +10525,7 @@
           </p:nvSpPr>
           <p:spPr>
             <a:xfrm>
-              <a:off x="6505138" y="4324230"/>
+              <a:off x="6557735" y="2428982"/>
               <a:ext cx="49651" cy="49651"/>
             </a:xfrm>
             <a:prstGeom prst="ellipse">
@@ -10560,7 +10560,7 @@
           </p:nvSpPr>
           <p:spPr>
             <a:xfrm>
-              <a:off x="3095519" y="2423590"/>
+              <a:off x="3095225" y="1663596"/>
               <a:ext cx="49651" cy="49651"/>
             </a:xfrm>
             <a:prstGeom prst="ellipse">
@@ -10595,7 +10595,7 @@
           </p:nvSpPr>
           <p:spPr>
             <a:xfrm>
-              <a:off x="6539561" y="3196889"/>
+              <a:off x="6497835" y="2815503"/>
               <a:ext cx="49651" cy="49651"/>
             </a:xfrm>
             <a:prstGeom prst="ellipse">
@@ -10630,7 +10630,7 @@
           </p:nvSpPr>
           <p:spPr>
             <a:xfrm>
-              <a:off x="3123016" y="2428578"/>
+              <a:off x="3122084" y="2800034"/>
               <a:ext cx="49651" cy="49651"/>
             </a:xfrm>
             <a:prstGeom prst="ellipse">
@@ -10665,7 +10665,7 @@
           </p:nvSpPr>
           <p:spPr>
             <a:xfrm>
-              <a:off x="6517752" y="5049027"/>
+              <a:off x="6501774" y="2509139"/>
               <a:ext cx="49651" cy="49651"/>
             </a:xfrm>
             <a:prstGeom prst="ellipse">
@@ -10700,7 +10700,7 @@
           </p:nvSpPr>
           <p:spPr>
             <a:xfrm>
-              <a:off x="3145517" y="3187378"/>
+              <a:off x="3096151" y="1855347"/>
               <a:ext cx="49651" cy="49651"/>
             </a:xfrm>
             <a:prstGeom prst="ellipse">
@@ -10735,7 +10735,7 @@
           </p:nvSpPr>
           <p:spPr>
             <a:xfrm>
-              <a:off x="6532814" y="4298060"/>
+              <a:off x="6513636" y="2433650"/>
               <a:ext cx="49651" cy="49651"/>
             </a:xfrm>
             <a:prstGeom prst="ellipse">
@@ -10770,7 +10770,7 @@
           </p:nvSpPr>
           <p:spPr>
             <a:xfrm>
-              <a:off x="3092382" y="2043085"/>
+              <a:off x="3134305" y="2796901"/>
               <a:ext cx="49651" cy="49651"/>
             </a:xfrm>
             <a:prstGeom prst="ellipse">
@@ -10805,7 +10805,7 @@
           </p:nvSpPr>
           <p:spPr>
             <a:xfrm>
-              <a:off x="6502104" y="4674722"/>
+              <a:off x="6508554" y="2818889"/>
               <a:ext cx="49651" cy="49651"/>
             </a:xfrm>
             <a:prstGeom prst="ellipse">
@@ -10840,7 +10840,7 @@
           </p:nvSpPr>
           <p:spPr>
             <a:xfrm>
-              <a:off x="3126744" y="2047592"/>
+              <a:off x="3147221" y="3192657"/>
               <a:ext cx="49651" cy="49651"/>
             </a:xfrm>
             <a:prstGeom prst="ellipse">
@@ -10875,7 +10875,7 @@
           </p:nvSpPr>
           <p:spPr>
             <a:xfrm>
-              <a:off x="6524904" y="1768214"/>
+              <a:off x="6531353" y="3554825"/>
               <a:ext cx="49651" cy="49651"/>
             </a:xfrm>
             <a:prstGeom prst="ellipse">
@@ -10910,7 +10910,7 @@
           </p:nvSpPr>
           <p:spPr>
             <a:xfrm>
-              <a:off x="3146383" y="1715934"/>
+              <a:off x="3139272" y="2068264"/>
               <a:ext cx="49651" cy="49651"/>
             </a:xfrm>
             <a:prstGeom prst="ellipse">
@@ -10945,7 +10945,7 @@
           </p:nvSpPr>
           <p:spPr>
             <a:xfrm>
-              <a:off x="6517287" y="1866616"/>
+              <a:off x="6510525" y="2821517"/>
               <a:ext cx="49651" cy="49651"/>
             </a:xfrm>
             <a:prstGeom prst="ellipse">
@@ -10980,7 +10980,7 @@
           </p:nvSpPr>
           <p:spPr>
             <a:xfrm>
-              <a:off x="3099538" y="2049108"/>
+              <a:off x="3090167" y="2054774"/>
               <a:ext cx="49651" cy="49651"/>
             </a:xfrm>
             <a:prstGeom prst="ellipse">
@@ -11015,7 +11015,7 @@
           </p:nvSpPr>
           <p:spPr>
             <a:xfrm>
-              <a:off x="6493239" y="2422442"/>
+              <a:off x="6500893" y="2815142"/>
               <a:ext cx="49651" cy="49651"/>
             </a:xfrm>
             <a:prstGeom prst="ellipse">
@@ -11050,7 +11050,7 @@
           </p:nvSpPr>
           <p:spPr>
             <a:xfrm>
-              <a:off x="3134214" y="2238252"/>
+              <a:off x="3126758" y="1750046"/>
               <a:ext cx="49651" cy="49651"/>
             </a:xfrm>
             <a:prstGeom prst="ellipse">
@@ -11085,7 +11085,7 @@
           </p:nvSpPr>
           <p:spPr>
             <a:xfrm>
-              <a:off x="6555080" y="2228814"/>
+              <a:off x="6495320" y="1716529"/>
               <a:ext cx="49651" cy="49651"/>
             </a:xfrm>
             <a:prstGeom prst="ellipse">
@@ -11120,7 +11120,7 @@
           </p:nvSpPr>
           <p:spPr>
             <a:xfrm>
-              <a:off x="3131874" y="2054463"/>
+              <a:off x="3080297" y="3943744"/>
               <a:ext cx="49651" cy="49651"/>
             </a:xfrm>
             <a:prstGeom prst="ellipse">
@@ -11155,7 +11155,7 @@
           </p:nvSpPr>
           <p:spPr>
             <a:xfrm>
-              <a:off x="6498448" y="2435524"/>
+              <a:off x="6504638" y="2822154"/>
               <a:ext cx="49651" cy="49651"/>
             </a:xfrm>
             <a:prstGeom prst="ellipse">
@@ -11190,7 +11190,7 @@
           </p:nvSpPr>
           <p:spPr>
             <a:xfrm>
-              <a:off x="3132040" y="5053402"/>
+              <a:off x="3090705" y="2433661"/>
               <a:ext cx="49651" cy="49651"/>
             </a:xfrm>
             <a:prstGeom prst="ellipse">
@@ -11225,7 +11225,7 @@
           </p:nvSpPr>
           <p:spPr>
             <a:xfrm>
-              <a:off x="6499319" y="5055483"/>
+              <a:off x="6542598" y="2810525"/>
               <a:ext cx="49651" cy="49651"/>
             </a:xfrm>
             <a:prstGeom prst="ellipse">
@@ -11260,7 +11260,7 @@
           </p:nvSpPr>
           <p:spPr>
             <a:xfrm>
-              <a:off x="3102295" y="2244834"/>
+              <a:off x="3081864" y="3198529"/>
               <a:ext cx="49651" cy="49651"/>
             </a:xfrm>
             <a:prstGeom prst="ellipse">
@@ -11295,7 +11295,7 @@
           </p:nvSpPr>
           <p:spPr>
             <a:xfrm>
-              <a:off x="6508738" y="2815156"/>
+              <a:off x="6514482" y="2797243"/>
               <a:ext cx="49651" cy="49651"/>
             </a:xfrm>
             <a:prstGeom prst="ellipse">
@@ -11330,7 +11330,7 @@
           </p:nvSpPr>
           <p:spPr>
             <a:xfrm>
-              <a:off x="3134686" y="5365434"/>
+              <a:off x="3086322" y="2253538"/>
               <a:ext cx="49651" cy="49651"/>
             </a:xfrm>
             <a:prstGeom prst="ellipse">
@@ -11365,7 +11365,7 @@
           </p:nvSpPr>
           <p:spPr>
             <a:xfrm>
-              <a:off x="6518050" y="5350403"/>
+              <a:off x="6494607" y="4316347"/>
               <a:ext cx="49651" cy="49651"/>
             </a:xfrm>
             <a:prstGeom prst="ellipse">
@@ -11400,7 +11400,7 @@
           </p:nvSpPr>
           <p:spPr>
             <a:xfrm>
-              <a:off x="3135382" y="4878998"/>
+              <a:off x="3107486" y="2435974"/>
               <a:ext cx="49651" cy="49651"/>
             </a:xfrm>
             <a:prstGeom prst="ellipse">
@@ -11435,7 +11435,7 @@
           </p:nvSpPr>
           <p:spPr>
             <a:xfrm>
-              <a:off x="6531765" y="4318648"/>
+              <a:off x="6513273" y="3187323"/>
               <a:ext cx="49651" cy="49651"/>
             </a:xfrm>
             <a:prstGeom prst="ellipse">
@@ -11470,7 +11470,7 @@
           </p:nvSpPr>
           <p:spPr>
             <a:xfrm>
-              <a:off x="3101373" y="2997492"/>
+              <a:off x="3085934" y="2538894"/>
               <a:ext cx="49651" cy="49651"/>
             </a:xfrm>
             <a:prstGeom prst="ellipse">
@@ -11505,7 +11505,7 @@
           </p:nvSpPr>
           <p:spPr>
             <a:xfrm>
-              <a:off x="6525509" y="3555532"/>
+              <a:off x="6517463" y="2958179"/>
               <a:ext cx="49651" cy="49651"/>
             </a:xfrm>
             <a:prstGeom prst="ellipse">
@@ -11540,7 +11540,7 @@
           </p:nvSpPr>
           <p:spPr>
             <a:xfrm>
-              <a:off x="3093570" y="2437564"/>
+              <a:off x="3100680" y="2423066"/>
               <a:ext cx="49651" cy="49651"/>
             </a:xfrm>
             <a:prstGeom prst="ellipse">
@@ -11575,7 +11575,7 @@
           </p:nvSpPr>
           <p:spPr>
             <a:xfrm>
-              <a:off x="6549535" y="4310592"/>
+              <a:off x="6540093" y="5069031"/>
               <a:ext cx="49651" cy="49651"/>
             </a:xfrm>
             <a:prstGeom prst="ellipse">
@@ -11610,7 +11610,7 @@
           </p:nvSpPr>
           <p:spPr>
             <a:xfrm>
-              <a:off x="3112459" y="2056252"/>
+              <a:off x="3119388" y="3194285"/>
               <a:ext cx="49651" cy="49651"/>
             </a:xfrm>
             <a:prstGeom prst="ellipse">
@@ -11645,7 +11645,7 @@
           </p:nvSpPr>
           <p:spPr>
             <a:xfrm>
-              <a:off x="6536426" y="2431795"/>
+              <a:off x="6528520" y="4317623"/>
               <a:ext cx="49651" cy="49651"/>
             </a:xfrm>
             <a:prstGeom prst="ellipse">
@@ -11680,7 +11680,7 @@
           </p:nvSpPr>
           <p:spPr>
             <a:xfrm>
-              <a:off x="3106737" y="2422127"/>
+              <a:off x="3083727" y="2065367"/>
               <a:ext cx="49651" cy="49651"/>
             </a:xfrm>
             <a:prstGeom prst="ellipse">
@@ -11715,7 +11715,7 @@
           </p:nvSpPr>
           <p:spPr>
             <a:xfrm>
-              <a:off x="6514862" y="3183434"/>
+              <a:off x="6513159" y="4683925"/>
               <a:ext cx="49651" cy="49651"/>
             </a:xfrm>
             <a:prstGeom prst="ellipse">
@@ -11750,7 +11750,7 @@
           </p:nvSpPr>
           <p:spPr>
             <a:xfrm>
-              <a:off x="3084868" y="2249055"/>
+              <a:off x="3118842" y="2058684"/>
               <a:ext cx="49651" cy="49651"/>
             </a:xfrm>
             <a:prstGeom prst="ellipse">
@@ -11785,7 +11785,7 @@
           </p:nvSpPr>
           <p:spPr>
             <a:xfrm>
-              <a:off x="6537836" y="4491948"/>
+              <a:off x="6506451" y="1763386"/>
               <a:ext cx="49651" cy="49651"/>
             </a:xfrm>
             <a:prstGeom prst="ellipse">
@@ -11820,7 +11820,7 @@
           </p:nvSpPr>
           <p:spPr>
             <a:xfrm>
-              <a:off x="3145010" y="4677852"/>
+              <a:off x="3104478" y="1719206"/>
               <a:ext cx="49651" cy="49651"/>
             </a:xfrm>
             <a:prstGeom prst="ellipse">
@@ -11855,7 +11855,7 @@
           </p:nvSpPr>
           <p:spPr>
             <a:xfrm>
-              <a:off x="6497084" y="2432494"/>
+              <a:off x="6501378" y="1870320"/>
               <a:ext cx="49651" cy="49651"/>
             </a:xfrm>
             <a:prstGeom prst="ellipse">
@@ -11890,7 +11890,7 @@
           </p:nvSpPr>
           <p:spPr>
             <a:xfrm>
-              <a:off x="3123265" y="2624567"/>
+              <a:off x="3099866" y="2066056"/>
               <a:ext cx="49651" cy="49651"/>
             </a:xfrm>
             <a:prstGeom prst="ellipse">
@@ -11925,7 +11925,7 @@
           </p:nvSpPr>
           <p:spPr>
             <a:xfrm>
-              <a:off x="6533844" y="2169809"/>
+              <a:off x="6496864" y="2442484"/>
               <a:ext cx="49651" cy="49651"/>
             </a:xfrm>
             <a:prstGeom prst="ellipse">
@@ -11960,7 +11960,7 @@
           </p:nvSpPr>
           <p:spPr>
             <a:xfrm>
-              <a:off x="3095820" y="1872148"/>
+              <a:off x="3087541" y="2240870"/>
               <a:ext cx="49651" cy="49651"/>
             </a:xfrm>
             <a:prstGeom prst="ellipse">
@@ -11995,7 +11995,7 @@
           </p:nvSpPr>
           <p:spPr>
             <a:xfrm>
-              <a:off x="6492441" y="2812849"/>
+              <a:off x="6496144" y="2243523"/>
               <a:ext cx="49651" cy="49651"/>
             </a:xfrm>
             <a:prstGeom prst="ellipse">
@@ -12030,7 +12030,7 @@
           </p:nvSpPr>
           <p:spPr>
             <a:xfrm>
-              <a:off x="3084943" y="2798508"/>
+              <a:off x="3086295" y="2043135"/>
               <a:ext cx="49651" cy="49651"/>
             </a:xfrm>
             <a:prstGeom prst="ellipse">
@@ -12065,7 +12065,7 @@
           </p:nvSpPr>
           <p:spPr>
             <a:xfrm>
-              <a:off x="6553783" y="2816876"/>
+              <a:off x="6503893" y="2434825"/>
               <a:ext cx="49651" cy="49651"/>
             </a:xfrm>
             <a:prstGeom prst="ellipse">
@@ -12100,7 +12100,7 @@
           </p:nvSpPr>
           <p:spPr>
             <a:xfrm>
-              <a:off x="3118014" y="2424869"/>
+              <a:off x="3130076" y="5059865"/>
               <a:ext cx="49651" cy="49651"/>
             </a:xfrm>
             <a:prstGeom prst="ellipse">
@@ -12135,7 +12135,7 @@
           </p:nvSpPr>
           <p:spPr>
             <a:xfrm>
-              <a:off x="6520187" y="2419348"/>
+              <a:off x="6507361" y="5082011"/>
               <a:ext cx="49651" cy="49651"/>
             </a:xfrm>
             <a:prstGeom prst="ellipse">
@@ -12170,7 +12170,7 @@
           </p:nvSpPr>
           <p:spPr>
             <a:xfrm>
-              <a:off x="3145999" y="3195138"/>
+              <a:off x="3141880" y="2250741"/>
               <a:ext cx="49651" cy="49651"/>
             </a:xfrm>
             <a:prstGeom prst="ellipse">
@@ -12205,7 +12205,7 @@
           </p:nvSpPr>
           <p:spPr>
             <a:xfrm>
-              <a:off x="6494713" y="2816336"/>
+              <a:off x="6500805" y="2807625"/>
               <a:ext cx="49651" cy="49651"/>
             </a:xfrm>
             <a:prstGeom prst="ellipse">
@@ -12240,7 +12240,7 @@
           </p:nvSpPr>
           <p:spPr>
             <a:xfrm>
-              <a:off x="3085762" y="2052038"/>
+              <a:off x="3129974" y="5384104"/>
               <a:ext cx="49651" cy="49651"/>
             </a:xfrm>
             <a:prstGeom prst="ellipse">
@@ -12275,7 +12275,7 @@
           </p:nvSpPr>
           <p:spPr>
             <a:xfrm>
-              <a:off x="6493465" y="1989159"/>
+              <a:off x="6516275" y="5377453"/>
               <a:ext cx="49651" cy="49651"/>
             </a:xfrm>
             <a:prstGeom prst="ellipse">
@@ -12310,7 +12310,7 @@
           </p:nvSpPr>
           <p:spPr>
             <a:xfrm>
-              <a:off x="3080745" y="2617345"/>
+              <a:off x="3089681" y="4891296"/>
               <a:ext cx="49651" cy="49651"/>
             </a:xfrm>
             <a:prstGeom prst="ellipse">
@@ -12345,7 +12345,7 @@
           </p:nvSpPr>
           <p:spPr>
             <a:xfrm>
-              <a:off x="6498179" y="2437054"/>
+              <a:off x="6541237" y="4321611"/>
               <a:ext cx="49651" cy="49651"/>
             </a:xfrm>
             <a:prstGeom prst="ellipse">
@@ -12380,7 +12380,7 @@
           </p:nvSpPr>
           <p:spPr>
             <a:xfrm>
-              <a:off x="3093141" y="1684513"/>
+              <a:off x="3114837" y="2994355"/>
               <a:ext cx="49651" cy="49651"/>
             </a:xfrm>
             <a:prstGeom prst="ellipse">
@@ -12415,7 +12415,7 @@
           </p:nvSpPr>
           <p:spPr>
             <a:xfrm>
-              <a:off x="6546758" y="1683155"/>
+              <a:off x="6539853" y="3564715"/>
               <a:ext cx="49651" cy="49651"/>
             </a:xfrm>
             <a:prstGeom prst="ellipse">
@@ -12450,7 +12450,7 @@
           </p:nvSpPr>
           <p:spPr>
             <a:xfrm>
-              <a:off x="3102696" y="1669029"/>
+              <a:off x="3102575" y="2439703"/>
               <a:ext cx="49651" cy="49651"/>
             </a:xfrm>
             <a:prstGeom prst="ellipse">
@@ -12485,7 +12485,7 @@
           </p:nvSpPr>
           <p:spPr>
             <a:xfrm>
-              <a:off x="6493501" y="2240653"/>
+              <a:off x="6542002" y="4313218"/>
               <a:ext cx="49651" cy="49651"/>
             </a:xfrm>
             <a:prstGeom prst="ellipse">
@@ -12520,7 +12520,7 @@
           </p:nvSpPr>
           <p:spPr>
             <a:xfrm>
-              <a:off x="3142350" y="2418198"/>
+              <a:off x="3085871" y="2061790"/>
               <a:ext cx="49651" cy="49651"/>
             </a:xfrm>
             <a:prstGeom prst="ellipse">
@@ -12555,7 +12555,7 @@
           </p:nvSpPr>
           <p:spPr>
             <a:xfrm>
-              <a:off x="6533521" y="4868465"/>
+              <a:off x="6527309" y="2441472"/>
               <a:ext cx="49651" cy="49651"/>
             </a:xfrm>
             <a:prstGeom prst="ellipse">
@@ -12590,7 +12590,7 @@
           </p:nvSpPr>
           <p:spPr>
             <a:xfrm>
-              <a:off x="3104651" y="2249804"/>
+              <a:off x="3112300" y="2418286"/>
               <a:ext cx="49651" cy="49651"/>
             </a:xfrm>
             <a:prstGeom prst="ellipse">
@@ -12625,7 +12625,7 @@
           </p:nvSpPr>
           <p:spPr>
             <a:xfrm>
-              <a:off x="6533809" y="3003249"/>
+              <a:off x="6506203" y="3177663"/>
               <a:ext cx="49651" cy="49651"/>
             </a:xfrm>
             <a:prstGeom prst="ellipse">
@@ -12660,7 +12660,7 @@
           </p:nvSpPr>
           <p:spPr>
             <a:xfrm>
-              <a:off x="3117198" y="3175124"/>
+              <a:off x="3129053" y="2235673"/>
               <a:ext cx="49651" cy="49651"/>
             </a:xfrm>
             <a:prstGeom prst="ellipse">
@@ -12695,7 +12695,7 @@
           </p:nvSpPr>
           <p:spPr>
             <a:xfrm>
-              <a:off x="6552929" y="2812306"/>
+              <a:off x="6552362" y="4498027"/>
               <a:ext cx="49651" cy="49651"/>
             </a:xfrm>
             <a:prstGeom prst="ellipse">
@@ -12730,7 +12730,7 @@
           </p:nvSpPr>
           <p:spPr>
             <a:xfrm>
-              <a:off x="3120890" y="2444362"/>
+              <a:off x="3117268" y="4701919"/>
               <a:ext cx="49651" cy="49651"/>
             </a:xfrm>
             <a:prstGeom prst="ellipse">
@@ -12765,42 +12765,952 @@
           </p:nvSpPr>
           <p:spPr>
             <a:xfrm>
-              <a:off x="6558037" y="3356932"/>
-              <a:ext cx="49651" cy="49651"/>
-            </a:xfrm>
-            <a:prstGeom prst="ellipse">
-              <a:avLst/>
-            </a:prstGeom>
-            <a:solidFill>
-              <a:srgbClr val="000000">
-                <a:alpha val="100000"/>
-              </a:srgbClr>
-            </a:solidFill>
-            <a:ln w="9000" cap="rnd">
-              <a:solidFill>
-                <a:srgbClr val="000000">
-                  <a:alpha val="100000"/>
-                </a:srgbClr>
-              </a:solidFill>
-              <a:prstDash val="solid"/>
-              <a:round/>
-            </a:ln>
-          </p:spPr>
-          <p:txBody>
-            <a:bodyPr/>
-            <a:lstStyle/>
-            <a:p/>
-          </p:txBody>
-        </p:sp>
-        <p:sp>
-          <p:nvSpPr>
-            <p:cNvPr id="303" name="tx303"/>
-            <p:cNvSpPr/>
-            <p:nvPr/>
-          </p:nvSpPr>
-          <p:spPr>
-            <a:xfrm>
-              <a:off x="3601929" y="2394793"/>
+              <a:off x="6518294" y="2419341"/>
+              <a:ext cx="49651" cy="49651"/>
+            </a:xfrm>
+            <a:prstGeom prst="ellipse">
+              <a:avLst/>
+            </a:prstGeom>
+            <a:solidFill>
+              <a:srgbClr val="000000">
+                <a:alpha val="100000"/>
+              </a:srgbClr>
+            </a:solidFill>
+            <a:ln w="9000" cap="rnd">
+              <a:solidFill>
+                <a:srgbClr val="000000">
+                  <a:alpha val="100000"/>
+                </a:srgbClr>
+              </a:solidFill>
+              <a:prstDash val="solid"/>
+              <a:round/>
+            </a:ln>
+          </p:spPr>
+          <p:txBody>
+            <a:bodyPr/>
+            <a:lstStyle/>
+            <a:p/>
+          </p:txBody>
+        </p:sp>
+        <p:sp>
+          <p:nvSpPr>
+            <p:cNvPr id="303" name="pt303"/>
+            <p:cNvSpPr/>
+            <p:nvPr/>
+          </p:nvSpPr>
+          <p:spPr>
+            <a:xfrm>
+              <a:off x="3134111" y="2605602"/>
+              <a:ext cx="49651" cy="49651"/>
+            </a:xfrm>
+            <a:prstGeom prst="ellipse">
+              <a:avLst/>
+            </a:prstGeom>
+            <a:solidFill>
+              <a:srgbClr val="000000">
+                <a:alpha val="100000"/>
+              </a:srgbClr>
+            </a:solidFill>
+            <a:ln w="9000" cap="rnd">
+              <a:solidFill>
+                <a:srgbClr val="000000">
+                  <a:alpha val="100000"/>
+                </a:srgbClr>
+              </a:solidFill>
+              <a:prstDash val="solid"/>
+              <a:round/>
+            </a:ln>
+          </p:spPr>
+          <p:txBody>
+            <a:bodyPr/>
+            <a:lstStyle/>
+            <a:p/>
+          </p:txBody>
+        </p:sp>
+        <p:sp>
+          <p:nvSpPr>
+            <p:cNvPr id="304" name="pt304"/>
+            <p:cNvSpPr/>
+            <p:nvPr/>
+          </p:nvSpPr>
+          <p:spPr>
+            <a:xfrm>
+              <a:off x="6535069" y="2177404"/>
+              <a:ext cx="49651" cy="49651"/>
+            </a:xfrm>
+            <a:prstGeom prst="ellipse">
+              <a:avLst/>
+            </a:prstGeom>
+            <a:solidFill>
+              <a:srgbClr val="000000">
+                <a:alpha val="100000"/>
+              </a:srgbClr>
+            </a:solidFill>
+            <a:ln w="9000" cap="rnd">
+              <a:solidFill>
+                <a:srgbClr val="000000">
+                  <a:alpha val="100000"/>
+                </a:srgbClr>
+              </a:solidFill>
+              <a:prstDash val="solid"/>
+              <a:round/>
+            </a:ln>
+          </p:spPr>
+          <p:txBody>
+            <a:bodyPr/>
+            <a:lstStyle/>
+            <a:p/>
+          </p:txBody>
+        </p:sp>
+        <p:sp>
+          <p:nvSpPr>
+            <p:cNvPr id="305" name="pt305"/>
+            <p:cNvSpPr/>
+            <p:nvPr/>
+          </p:nvSpPr>
+          <p:spPr>
+            <a:xfrm>
+              <a:off x="3086513" y="1871286"/>
+              <a:ext cx="49651" cy="49651"/>
+            </a:xfrm>
+            <a:prstGeom prst="ellipse">
+              <a:avLst/>
+            </a:prstGeom>
+            <a:solidFill>
+              <a:srgbClr val="000000">
+                <a:alpha val="100000"/>
+              </a:srgbClr>
+            </a:solidFill>
+            <a:ln w="9000" cap="rnd">
+              <a:solidFill>
+                <a:srgbClr val="000000">
+                  <a:alpha val="100000"/>
+                </a:srgbClr>
+              </a:solidFill>
+              <a:prstDash val="solid"/>
+              <a:round/>
+            </a:ln>
+          </p:spPr>
+          <p:txBody>
+            <a:bodyPr/>
+            <a:lstStyle/>
+            <a:p/>
+          </p:txBody>
+        </p:sp>
+        <p:sp>
+          <p:nvSpPr>
+            <p:cNvPr id="306" name="pt306"/>
+            <p:cNvSpPr/>
+            <p:nvPr/>
+          </p:nvSpPr>
+          <p:spPr>
+            <a:xfrm>
+              <a:off x="6493290" y="2804567"/>
+              <a:ext cx="49651" cy="49651"/>
+            </a:xfrm>
+            <a:prstGeom prst="ellipse">
+              <a:avLst/>
+            </a:prstGeom>
+            <a:solidFill>
+              <a:srgbClr val="000000">
+                <a:alpha val="100000"/>
+              </a:srgbClr>
+            </a:solidFill>
+            <a:ln w="9000" cap="rnd">
+              <a:solidFill>
+                <a:srgbClr val="000000">
+                  <a:alpha val="100000"/>
+                </a:srgbClr>
+              </a:solidFill>
+              <a:prstDash val="solid"/>
+              <a:round/>
+            </a:ln>
+          </p:spPr>
+          <p:txBody>
+            <a:bodyPr/>
+            <a:lstStyle/>
+            <a:p/>
+          </p:txBody>
+        </p:sp>
+        <p:sp>
+          <p:nvSpPr>
+            <p:cNvPr id="307" name="pt307"/>
+            <p:cNvSpPr/>
+            <p:nvPr/>
+          </p:nvSpPr>
+          <p:spPr>
+            <a:xfrm>
+              <a:off x="3085844" y="2801049"/>
+              <a:ext cx="49651" cy="49651"/>
+            </a:xfrm>
+            <a:prstGeom prst="ellipse">
+              <a:avLst/>
+            </a:prstGeom>
+            <a:solidFill>
+              <a:srgbClr val="000000">
+                <a:alpha val="100000"/>
+              </a:srgbClr>
+            </a:solidFill>
+            <a:ln w="9000" cap="rnd">
+              <a:solidFill>
+                <a:srgbClr val="000000">
+                  <a:alpha val="100000"/>
+                </a:srgbClr>
+              </a:solidFill>
+              <a:prstDash val="solid"/>
+              <a:round/>
+            </a:ln>
+          </p:spPr>
+          <p:txBody>
+            <a:bodyPr/>
+            <a:lstStyle/>
+            <a:p/>
+          </p:txBody>
+        </p:sp>
+        <p:sp>
+          <p:nvSpPr>
+            <p:cNvPr id="308" name="pt308"/>
+            <p:cNvSpPr/>
+            <p:nvPr/>
+          </p:nvSpPr>
+          <p:spPr>
+            <a:xfrm>
+              <a:off x="6531066" y="2806301"/>
+              <a:ext cx="49651" cy="49651"/>
+            </a:xfrm>
+            <a:prstGeom prst="ellipse">
+              <a:avLst/>
+            </a:prstGeom>
+            <a:solidFill>
+              <a:srgbClr val="000000">
+                <a:alpha val="100000"/>
+              </a:srgbClr>
+            </a:solidFill>
+            <a:ln w="9000" cap="rnd">
+              <a:solidFill>
+                <a:srgbClr val="000000">
+                  <a:alpha val="100000"/>
+                </a:srgbClr>
+              </a:solidFill>
+              <a:prstDash val="solid"/>
+              <a:round/>
+            </a:ln>
+          </p:spPr>
+          <p:txBody>
+            <a:bodyPr/>
+            <a:lstStyle/>
+            <a:p/>
+          </p:txBody>
+        </p:sp>
+        <p:sp>
+          <p:nvSpPr>
+            <p:cNvPr id="309" name="pt309"/>
+            <p:cNvSpPr/>
+            <p:nvPr/>
+          </p:nvSpPr>
+          <p:spPr>
+            <a:xfrm>
+              <a:off x="3092993" y="2431307"/>
+              <a:ext cx="49651" cy="49651"/>
+            </a:xfrm>
+            <a:prstGeom prst="ellipse">
+              <a:avLst/>
+            </a:prstGeom>
+            <a:solidFill>
+              <a:srgbClr val="000000">
+                <a:alpha val="100000"/>
+              </a:srgbClr>
+            </a:solidFill>
+            <a:ln w="9000" cap="rnd">
+              <a:solidFill>
+                <a:srgbClr val="000000">
+                  <a:alpha val="100000"/>
+                </a:srgbClr>
+              </a:solidFill>
+              <a:prstDash val="solid"/>
+              <a:round/>
+            </a:ln>
+          </p:spPr>
+          <p:txBody>
+            <a:bodyPr/>
+            <a:lstStyle/>
+            <a:p/>
+          </p:txBody>
+        </p:sp>
+        <p:sp>
+          <p:nvSpPr>
+            <p:cNvPr id="310" name="pt310"/>
+            <p:cNvSpPr/>
+            <p:nvPr/>
+          </p:nvSpPr>
+          <p:spPr>
+            <a:xfrm>
+              <a:off x="6513254" y="2432249"/>
+              <a:ext cx="49651" cy="49651"/>
+            </a:xfrm>
+            <a:prstGeom prst="ellipse">
+              <a:avLst/>
+            </a:prstGeom>
+            <a:solidFill>
+              <a:srgbClr val="000000">
+                <a:alpha val="100000"/>
+              </a:srgbClr>
+            </a:solidFill>
+            <a:ln w="9000" cap="rnd">
+              <a:solidFill>
+                <a:srgbClr val="000000">
+                  <a:alpha val="100000"/>
+                </a:srgbClr>
+              </a:solidFill>
+              <a:prstDash val="solid"/>
+              <a:round/>
+            </a:ln>
+          </p:spPr>
+          <p:txBody>
+            <a:bodyPr/>
+            <a:lstStyle/>
+            <a:p/>
+          </p:txBody>
+        </p:sp>
+        <p:sp>
+          <p:nvSpPr>
+            <p:cNvPr id="311" name="pt311"/>
+            <p:cNvSpPr/>
+            <p:nvPr/>
+          </p:nvSpPr>
+          <p:spPr>
+            <a:xfrm>
+              <a:off x="3118966" y="3184755"/>
+              <a:ext cx="49651" cy="49651"/>
+            </a:xfrm>
+            <a:prstGeom prst="ellipse">
+              <a:avLst/>
+            </a:prstGeom>
+            <a:solidFill>
+              <a:srgbClr val="000000">
+                <a:alpha val="100000"/>
+              </a:srgbClr>
+            </a:solidFill>
+            <a:ln w="9000" cap="rnd">
+              <a:solidFill>
+                <a:srgbClr val="000000">
+                  <a:alpha val="100000"/>
+                </a:srgbClr>
+              </a:solidFill>
+              <a:prstDash val="solid"/>
+              <a:round/>
+            </a:ln>
+          </p:spPr>
+          <p:txBody>
+            <a:bodyPr/>
+            <a:lstStyle/>
+            <a:p/>
+          </p:txBody>
+        </p:sp>
+        <p:sp>
+          <p:nvSpPr>
+            <p:cNvPr id="312" name="pt312"/>
+            <p:cNvSpPr/>
+            <p:nvPr/>
+          </p:nvSpPr>
+          <p:spPr>
+            <a:xfrm>
+              <a:off x="6534582" y="2803963"/>
+              <a:ext cx="49651" cy="49651"/>
+            </a:xfrm>
+            <a:prstGeom prst="ellipse">
+              <a:avLst/>
+            </a:prstGeom>
+            <a:solidFill>
+              <a:srgbClr val="000000">
+                <a:alpha val="100000"/>
+              </a:srgbClr>
+            </a:solidFill>
+            <a:ln w="9000" cap="rnd">
+              <a:solidFill>
+                <a:srgbClr val="000000">
+                  <a:alpha val="100000"/>
+                </a:srgbClr>
+              </a:solidFill>
+              <a:prstDash val="solid"/>
+              <a:round/>
+            </a:ln>
+          </p:spPr>
+          <p:txBody>
+            <a:bodyPr/>
+            <a:lstStyle/>
+            <a:p/>
+          </p:txBody>
+        </p:sp>
+        <p:sp>
+          <p:nvSpPr>
+            <p:cNvPr id="313" name="pt313"/>
+            <p:cNvSpPr/>
+            <p:nvPr/>
+          </p:nvSpPr>
+          <p:spPr>
+            <a:xfrm>
+              <a:off x="3116381" y="2045590"/>
+              <a:ext cx="49651" cy="49651"/>
+            </a:xfrm>
+            <a:prstGeom prst="ellipse">
+              <a:avLst/>
+            </a:prstGeom>
+            <a:solidFill>
+              <a:srgbClr val="000000">
+                <a:alpha val="100000"/>
+              </a:srgbClr>
+            </a:solidFill>
+            <a:ln w="9000" cap="rnd">
+              <a:solidFill>
+                <a:srgbClr val="000000">
+                  <a:alpha val="100000"/>
+                </a:srgbClr>
+              </a:solidFill>
+              <a:prstDash val="solid"/>
+              <a:round/>
+            </a:ln>
+          </p:spPr>
+          <p:txBody>
+            <a:bodyPr/>
+            <a:lstStyle/>
+            <a:p/>
+          </p:txBody>
+        </p:sp>
+        <p:sp>
+          <p:nvSpPr>
+            <p:cNvPr id="314" name="pt314"/>
+            <p:cNvSpPr/>
+            <p:nvPr/>
+          </p:nvSpPr>
+          <p:spPr>
+            <a:xfrm>
+              <a:off x="6531387" y="1976389"/>
+              <a:ext cx="49651" cy="49651"/>
+            </a:xfrm>
+            <a:prstGeom prst="ellipse">
+              <a:avLst/>
+            </a:prstGeom>
+            <a:solidFill>
+              <a:srgbClr val="000000">
+                <a:alpha val="100000"/>
+              </a:srgbClr>
+            </a:solidFill>
+            <a:ln w="9000" cap="rnd">
+              <a:solidFill>
+                <a:srgbClr val="000000">
+                  <a:alpha val="100000"/>
+                </a:srgbClr>
+              </a:solidFill>
+              <a:prstDash val="solid"/>
+              <a:round/>
+            </a:ln>
+          </p:spPr>
+          <p:txBody>
+            <a:bodyPr/>
+            <a:lstStyle/>
+            <a:p/>
+          </p:txBody>
+        </p:sp>
+        <p:sp>
+          <p:nvSpPr>
+            <p:cNvPr id="315" name="pt315"/>
+            <p:cNvSpPr/>
+            <p:nvPr/>
+          </p:nvSpPr>
+          <p:spPr>
+            <a:xfrm>
+              <a:off x="3081758" y="2615899"/>
+              <a:ext cx="49651" cy="49651"/>
+            </a:xfrm>
+            <a:prstGeom prst="ellipse">
+              <a:avLst/>
+            </a:prstGeom>
+            <a:solidFill>
+              <a:srgbClr val="000000">
+                <a:alpha val="100000"/>
+              </a:srgbClr>
+            </a:solidFill>
+            <a:ln w="9000" cap="rnd">
+              <a:solidFill>
+                <a:srgbClr val="000000">
+                  <a:alpha val="100000"/>
+                </a:srgbClr>
+              </a:solidFill>
+              <a:prstDash val="solid"/>
+              <a:round/>
+            </a:ln>
+          </p:spPr>
+          <p:txBody>
+            <a:bodyPr/>
+            <a:lstStyle/>
+            <a:p/>
+          </p:txBody>
+        </p:sp>
+        <p:sp>
+          <p:nvSpPr>
+            <p:cNvPr id="316" name="pt316"/>
+            <p:cNvSpPr/>
+            <p:nvPr/>
+          </p:nvSpPr>
+          <p:spPr>
+            <a:xfrm>
+              <a:off x="6558420" y="2444232"/>
+              <a:ext cx="49651" cy="49651"/>
+            </a:xfrm>
+            <a:prstGeom prst="ellipse">
+              <a:avLst/>
+            </a:prstGeom>
+            <a:solidFill>
+              <a:srgbClr val="000000">
+                <a:alpha val="100000"/>
+              </a:srgbClr>
+            </a:solidFill>
+            <a:ln w="9000" cap="rnd">
+              <a:solidFill>
+                <a:srgbClr val="000000">
+                  <a:alpha val="100000"/>
+                </a:srgbClr>
+              </a:solidFill>
+              <a:prstDash val="solid"/>
+              <a:round/>
+            </a:ln>
+          </p:spPr>
+          <p:txBody>
+            <a:bodyPr/>
+            <a:lstStyle/>
+            <a:p/>
+          </p:txBody>
+        </p:sp>
+        <p:sp>
+          <p:nvSpPr>
+            <p:cNvPr id="317" name="pt317"/>
+            <p:cNvSpPr/>
+            <p:nvPr/>
+          </p:nvSpPr>
+          <p:spPr>
+            <a:xfrm>
+              <a:off x="3124129" y="1677412"/>
+              <a:ext cx="49651" cy="49651"/>
+            </a:xfrm>
+            <a:prstGeom prst="ellipse">
+              <a:avLst/>
+            </a:prstGeom>
+            <a:solidFill>
+              <a:srgbClr val="000000">
+                <a:alpha val="100000"/>
+              </a:srgbClr>
+            </a:solidFill>
+            <a:ln w="9000" cap="rnd">
+              <a:solidFill>
+                <a:srgbClr val="000000">
+                  <a:alpha val="100000"/>
+                </a:srgbClr>
+              </a:solidFill>
+              <a:prstDash val="solid"/>
+              <a:round/>
+            </a:ln>
+          </p:spPr>
+          <p:txBody>
+            <a:bodyPr/>
+            <a:lstStyle/>
+            <a:p/>
+          </p:txBody>
+        </p:sp>
+        <p:sp>
+          <p:nvSpPr>
+            <p:cNvPr id="318" name="pt318"/>
+            <p:cNvSpPr/>
+            <p:nvPr/>
+          </p:nvSpPr>
+          <p:spPr>
+            <a:xfrm>
+              <a:off x="6545144" y="1674466"/>
+              <a:ext cx="49651" cy="49651"/>
+            </a:xfrm>
+            <a:prstGeom prst="ellipse">
+              <a:avLst/>
+            </a:prstGeom>
+            <a:solidFill>
+              <a:srgbClr val="000000">
+                <a:alpha val="100000"/>
+              </a:srgbClr>
+            </a:solidFill>
+            <a:ln w="9000" cap="rnd">
+              <a:solidFill>
+                <a:srgbClr val="000000">
+                  <a:alpha val="100000"/>
+                </a:srgbClr>
+              </a:solidFill>
+              <a:prstDash val="solid"/>
+              <a:round/>
+            </a:ln>
+          </p:spPr>
+          <p:txBody>
+            <a:bodyPr/>
+            <a:lstStyle/>
+            <a:p/>
+          </p:txBody>
+        </p:sp>
+        <p:sp>
+          <p:nvSpPr>
+            <p:cNvPr id="319" name="pt319"/>
+            <p:cNvSpPr/>
+            <p:nvPr/>
+          </p:nvSpPr>
+          <p:spPr>
+            <a:xfrm>
+              <a:off x="3127860" y="1680190"/>
+              <a:ext cx="49651" cy="49651"/>
+            </a:xfrm>
+            <a:prstGeom prst="ellipse">
+              <a:avLst/>
+            </a:prstGeom>
+            <a:solidFill>
+              <a:srgbClr val="000000">
+                <a:alpha val="100000"/>
+              </a:srgbClr>
+            </a:solidFill>
+            <a:ln w="9000" cap="rnd">
+              <a:solidFill>
+                <a:srgbClr val="000000">
+                  <a:alpha val="100000"/>
+                </a:srgbClr>
+              </a:solidFill>
+              <a:prstDash val="solid"/>
+              <a:round/>
+            </a:ln>
+          </p:spPr>
+          <p:txBody>
+            <a:bodyPr/>
+            <a:lstStyle/>
+            <a:p/>
+          </p:txBody>
+        </p:sp>
+        <p:sp>
+          <p:nvSpPr>
+            <p:cNvPr id="320" name="pt320"/>
+            <p:cNvSpPr/>
+            <p:nvPr/>
+          </p:nvSpPr>
+          <p:spPr>
+            <a:xfrm>
+              <a:off x="6502545" y="2244674"/>
+              <a:ext cx="49651" cy="49651"/>
+            </a:xfrm>
+            <a:prstGeom prst="ellipse">
+              <a:avLst/>
+            </a:prstGeom>
+            <a:solidFill>
+              <a:srgbClr val="000000">
+                <a:alpha val="100000"/>
+              </a:srgbClr>
+            </a:solidFill>
+            <a:ln w="9000" cap="rnd">
+              <a:solidFill>
+                <a:srgbClr val="000000">
+                  <a:alpha val="100000"/>
+                </a:srgbClr>
+              </a:solidFill>
+              <a:prstDash val="solid"/>
+              <a:round/>
+            </a:ln>
+          </p:spPr>
+          <p:txBody>
+            <a:bodyPr/>
+            <a:lstStyle/>
+            <a:p/>
+          </p:txBody>
+        </p:sp>
+        <p:sp>
+          <p:nvSpPr>
+            <p:cNvPr id="321" name="pt321"/>
+            <p:cNvSpPr/>
+            <p:nvPr/>
+          </p:nvSpPr>
+          <p:spPr>
+            <a:xfrm>
+              <a:off x="3092717" y="2418497"/>
+              <a:ext cx="49651" cy="49651"/>
+            </a:xfrm>
+            <a:prstGeom prst="ellipse">
+              <a:avLst/>
+            </a:prstGeom>
+            <a:solidFill>
+              <a:srgbClr val="000000">
+                <a:alpha val="100000"/>
+              </a:srgbClr>
+            </a:solidFill>
+            <a:ln w="9000" cap="rnd">
+              <a:solidFill>
+                <a:srgbClr val="000000">
+                  <a:alpha val="100000"/>
+                </a:srgbClr>
+              </a:solidFill>
+              <a:prstDash val="solid"/>
+              <a:round/>
+            </a:ln>
+          </p:spPr>
+          <p:txBody>
+            <a:bodyPr/>
+            <a:lstStyle/>
+            <a:p/>
+          </p:txBody>
+        </p:sp>
+        <p:sp>
+          <p:nvSpPr>
+            <p:cNvPr id="322" name="pt322"/>
+            <p:cNvSpPr/>
+            <p:nvPr/>
+          </p:nvSpPr>
+          <p:spPr>
+            <a:xfrm>
+              <a:off x="6502136" y="4875553"/>
+              <a:ext cx="49651" cy="49651"/>
+            </a:xfrm>
+            <a:prstGeom prst="ellipse">
+              <a:avLst/>
+            </a:prstGeom>
+            <a:solidFill>
+              <a:srgbClr val="000000">
+                <a:alpha val="100000"/>
+              </a:srgbClr>
+            </a:solidFill>
+            <a:ln w="9000" cap="rnd">
+              <a:solidFill>
+                <a:srgbClr val="000000">
+                  <a:alpha val="100000"/>
+                </a:srgbClr>
+              </a:solidFill>
+              <a:prstDash val="solid"/>
+              <a:round/>
+            </a:ln>
+          </p:spPr>
+          <p:txBody>
+            <a:bodyPr/>
+            <a:lstStyle/>
+            <a:p/>
+          </p:txBody>
+        </p:sp>
+        <p:sp>
+          <p:nvSpPr>
+            <p:cNvPr id="323" name="pt323"/>
+            <p:cNvSpPr/>
+            <p:nvPr/>
+          </p:nvSpPr>
+          <p:spPr>
+            <a:xfrm>
+              <a:off x="3145771" y="2240777"/>
+              <a:ext cx="49651" cy="49651"/>
+            </a:xfrm>
+            <a:prstGeom prst="ellipse">
+              <a:avLst/>
+            </a:prstGeom>
+            <a:solidFill>
+              <a:srgbClr val="000000">
+                <a:alpha val="100000"/>
+              </a:srgbClr>
+            </a:solidFill>
+            <a:ln w="9000" cap="rnd">
+              <a:solidFill>
+                <a:srgbClr val="000000">
+                  <a:alpha val="100000"/>
+                </a:srgbClr>
+              </a:solidFill>
+              <a:prstDash val="solid"/>
+              <a:round/>
+            </a:ln>
+          </p:spPr>
+          <p:txBody>
+            <a:bodyPr/>
+            <a:lstStyle/>
+            <a:p/>
+          </p:txBody>
+        </p:sp>
+        <p:sp>
+          <p:nvSpPr>
+            <p:cNvPr id="324" name="pt324"/>
+            <p:cNvSpPr/>
+            <p:nvPr/>
+          </p:nvSpPr>
+          <p:spPr>
+            <a:xfrm>
+              <a:off x="6496226" y="2999852"/>
+              <a:ext cx="49651" cy="49651"/>
+            </a:xfrm>
+            <a:prstGeom prst="ellipse">
+              <a:avLst/>
+            </a:prstGeom>
+            <a:solidFill>
+              <a:srgbClr val="000000">
+                <a:alpha val="100000"/>
+              </a:srgbClr>
+            </a:solidFill>
+            <a:ln w="9000" cap="rnd">
+              <a:solidFill>
+                <a:srgbClr val="000000">
+                  <a:alpha val="100000"/>
+                </a:srgbClr>
+              </a:solidFill>
+              <a:prstDash val="solid"/>
+              <a:round/>
+            </a:ln>
+          </p:spPr>
+          <p:txBody>
+            <a:bodyPr/>
+            <a:lstStyle/>
+            <a:p/>
+          </p:txBody>
+        </p:sp>
+        <p:sp>
+          <p:nvSpPr>
+            <p:cNvPr id="325" name="pt325"/>
+            <p:cNvSpPr/>
+            <p:nvPr/>
+          </p:nvSpPr>
+          <p:spPr>
+            <a:xfrm>
+              <a:off x="3134900" y="3195484"/>
+              <a:ext cx="49651" cy="49651"/>
+            </a:xfrm>
+            <a:prstGeom prst="ellipse">
+              <a:avLst/>
+            </a:prstGeom>
+            <a:solidFill>
+              <a:srgbClr val="000000">
+                <a:alpha val="100000"/>
+              </a:srgbClr>
+            </a:solidFill>
+            <a:ln w="9000" cap="rnd">
+              <a:solidFill>
+                <a:srgbClr val="000000">
+                  <a:alpha val="100000"/>
+                </a:srgbClr>
+              </a:solidFill>
+              <a:prstDash val="solid"/>
+              <a:round/>
+            </a:ln>
+          </p:spPr>
+          <p:txBody>
+            <a:bodyPr/>
+            <a:lstStyle/>
+            <a:p/>
+          </p:txBody>
+        </p:sp>
+        <p:sp>
+          <p:nvSpPr>
+            <p:cNvPr id="326" name="pt326"/>
+            <p:cNvSpPr/>
+            <p:nvPr/>
+          </p:nvSpPr>
+          <p:spPr>
+            <a:xfrm>
+              <a:off x="6522152" y="2811561"/>
+              <a:ext cx="49651" cy="49651"/>
+            </a:xfrm>
+            <a:prstGeom prst="ellipse">
+              <a:avLst/>
+            </a:prstGeom>
+            <a:solidFill>
+              <a:srgbClr val="000000">
+                <a:alpha val="100000"/>
+              </a:srgbClr>
+            </a:solidFill>
+            <a:ln w="9000" cap="rnd">
+              <a:solidFill>
+                <a:srgbClr val="000000">
+                  <a:alpha val="100000"/>
+                </a:srgbClr>
+              </a:solidFill>
+              <a:prstDash val="solid"/>
+              <a:round/>
+            </a:ln>
+          </p:spPr>
+          <p:txBody>
+            <a:bodyPr/>
+            <a:lstStyle/>
+            <a:p/>
+          </p:txBody>
+        </p:sp>
+        <p:sp>
+          <p:nvSpPr>
+            <p:cNvPr id="327" name="pt327"/>
+            <p:cNvSpPr/>
+            <p:nvPr/>
+          </p:nvSpPr>
+          <p:spPr>
+            <a:xfrm>
+              <a:off x="3142283" y="2447148"/>
+              <a:ext cx="49651" cy="49651"/>
+            </a:xfrm>
+            <a:prstGeom prst="ellipse">
+              <a:avLst/>
+            </a:prstGeom>
+            <a:solidFill>
+              <a:srgbClr val="000000">
+                <a:alpha val="100000"/>
+              </a:srgbClr>
+            </a:solidFill>
+            <a:ln w="9000" cap="rnd">
+              <a:solidFill>
+                <a:srgbClr val="000000">
+                  <a:alpha val="100000"/>
+                </a:srgbClr>
+              </a:solidFill>
+              <a:prstDash val="solid"/>
+              <a:round/>
+            </a:ln>
+          </p:spPr>
+          <p:txBody>
+            <a:bodyPr/>
+            <a:lstStyle/>
+            <a:p/>
+          </p:txBody>
+        </p:sp>
+        <p:sp>
+          <p:nvSpPr>
+            <p:cNvPr id="328" name="pt328"/>
+            <p:cNvSpPr/>
+            <p:nvPr/>
+          </p:nvSpPr>
+          <p:spPr>
+            <a:xfrm>
+              <a:off x="6555740" y="3376409"/>
+              <a:ext cx="49651" cy="49651"/>
+            </a:xfrm>
+            <a:prstGeom prst="ellipse">
+              <a:avLst/>
+            </a:prstGeom>
+            <a:solidFill>
+              <a:srgbClr val="000000">
+                <a:alpha val="100000"/>
+              </a:srgbClr>
+            </a:solidFill>
+            <a:ln w="9000" cap="rnd">
+              <a:solidFill>
+                <a:srgbClr val="000000">
+                  <a:alpha val="100000"/>
+                </a:srgbClr>
+              </a:solidFill>
+              <a:prstDash val="solid"/>
+              <a:round/>
+            </a:ln>
+          </p:spPr>
+          <p:txBody>
+            <a:bodyPr/>
+            <a:lstStyle/>
+            <a:p/>
+          </p:txBody>
+        </p:sp>
+        <p:sp>
+          <p:nvSpPr>
+            <p:cNvPr id="329" name="tx329"/>
+            <p:cNvSpPr/>
+            <p:nvPr/>
+          </p:nvSpPr>
+          <p:spPr>
+            <a:xfrm>
+              <a:off x="3601929" y="2396303"/>
               <a:ext cx="804541" cy="118859"/>
             </a:xfrm>
             <a:prstGeom prst="rect">
@@ -12840,13 +13750,13 @@
         </p:sp>
         <p:sp>
           <p:nvSpPr>
-            <p:cNvPr id="304" name="tx304"/>
-            <p:cNvSpPr/>
-            <p:nvPr/>
-          </p:nvSpPr>
-          <p:spPr>
-            <a:xfrm>
-              <a:off x="3466238" y="2762329"/>
+            <p:cNvPr id="330" name="tx330"/>
+            <p:cNvSpPr/>
+            <p:nvPr/>
+          </p:nvSpPr>
+          <p:spPr>
+            <a:xfrm>
+              <a:off x="3466238" y="2953094"/>
               <a:ext cx="668850" cy="127513"/>
             </a:xfrm>
             <a:prstGeom prst="rect">
@@ -12879,20 +13789,20 @@
                   <a:latin typeface="Arial"/>
                   <a:cs typeface="Arial"/>
                 </a:rPr>
-                <a:t>    Q1: 70</a:t>
+                <a:t>    Q1: 65</a:t>
               </a:r>
             </a:p>
           </p:txBody>
         </p:sp>
         <p:sp>
           <p:nvSpPr>
-            <p:cNvPr id="305" name="tx305"/>
-            <p:cNvSpPr/>
-            <p:nvPr/>
-          </p:nvSpPr>
-          <p:spPr>
-            <a:xfrm>
-              <a:off x="3466238" y="2009948"/>
+            <p:cNvPr id="331" name="tx331"/>
+            <p:cNvSpPr/>
+            <p:nvPr/>
+          </p:nvSpPr>
+          <p:spPr>
+            <a:xfrm>
+              <a:off x="3466238" y="2010685"/>
               <a:ext cx="668850" cy="127513"/>
             </a:xfrm>
             <a:prstGeom prst="rect">
@@ -12932,13 +13842,13 @@
         </p:sp>
         <p:sp>
           <p:nvSpPr>
-            <p:cNvPr id="306" name="tx306"/>
-            <p:cNvSpPr/>
-            <p:nvPr/>
-          </p:nvSpPr>
-          <p:spPr>
-            <a:xfrm>
-              <a:off x="7014191" y="2959079"/>
+            <p:cNvPr id="332" name="tx332"/>
+            <p:cNvSpPr/>
+            <p:nvPr/>
+          </p:nvSpPr>
+          <p:spPr>
+            <a:xfrm>
+              <a:off x="7014191" y="3150230"/>
               <a:ext cx="804541" cy="118859"/>
             </a:xfrm>
             <a:prstGeom prst="rect">
@@ -12971,20 +13881,20 @@
                   <a:latin typeface="Arial"/>
                   <a:cs typeface="Arial"/>
                 </a:rPr>
-                <a:t>Median: 65</a:t>
+                <a:t>Median: 60</a:t>
               </a:r>
             </a:p>
           </p:txBody>
         </p:sp>
         <p:sp>
           <p:nvSpPr>
-            <p:cNvPr id="307" name="tx307"/>
-            <p:cNvSpPr/>
-            <p:nvPr/>
-          </p:nvSpPr>
-          <p:spPr>
-            <a:xfrm>
-              <a:off x="6878499" y="3627567"/>
+            <p:cNvPr id="333" name="tx333"/>
+            <p:cNvSpPr/>
+            <p:nvPr/>
+          </p:nvSpPr>
+          <p:spPr>
+            <a:xfrm>
+              <a:off x="6878499" y="3707021"/>
               <a:ext cx="668850" cy="127513"/>
             </a:xfrm>
             <a:prstGeom prst="rect">
@@ -13017,20 +13927,20 @@
                   <a:latin typeface="Arial"/>
                   <a:cs typeface="Arial"/>
                 </a:rPr>
-                <a:t>    Q1: 47</a:t>
+                <a:t>    Q1: 45</a:t>
               </a:r>
             </a:p>
           </p:txBody>
         </p:sp>
         <p:sp>
           <p:nvSpPr>
-            <p:cNvPr id="308" name="tx308"/>
-            <p:cNvSpPr/>
-            <p:nvPr/>
-          </p:nvSpPr>
-          <p:spPr>
-            <a:xfrm>
-              <a:off x="6878499" y="2386138"/>
+            <p:cNvPr id="334" name="tx334"/>
+            <p:cNvSpPr/>
+            <p:nvPr/>
+          </p:nvSpPr>
+          <p:spPr>
+            <a:xfrm>
+              <a:off x="6878499" y="2576131"/>
               <a:ext cx="668850" cy="127513"/>
             </a:xfrm>
             <a:prstGeom prst="rect">
@@ -13063,14 +13973,14 @@
                   <a:latin typeface="Arial"/>
                   <a:cs typeface="Arial"/>
                 </a:rPr>
-                <a:t>    Q3: 80</a:t>
+                <a:t>    Q3: 75</a:t>
               </a:r>
             </a:p>
           </p:txBody>
         </p:sp>
         <p:sp>
           <p:nvSpPr>
-            <p:cNvPr id="309" name="pl309"/>
+            <p:cNvPr id="335" name="pl335"/>
             <p:cNvSpPr/>
             <p:nvPr/>
           </p:nvSpPr>
@@ -13110,13 +14020,13 @@
         </p:sp>
         <p:sp>
           <p:nvSpPr>
-            <p:cNvPr id="310" name="tx310"/>
-            <p:cNvSpPr/>
-            <p:nvPr/>
-          </p:nvSpPr>
-          <p:spPr>
-            <a:xfrm>
-              <a:off x="924257" y="5408126"/>
+            <p:cNvPr id="336" name="tx336"/>
+            <p:cNvSpPr/>
+            <p:nvPr/>
+          </p:nvSpPr>
+          <p:spPr>
+            <a:xfrm>
+              <a:off x="924257" y="5415819"/>
               <a:ext cx="84757" cy="111397"/>
             </a:xfrm>
             <a:prstGeom prst="rect">
@@ -13156,13 +14066,13 @@
         </p:sp>
         <p:sp>
           <p:nvSpPr>
-            <p:cNvPr id="311" name="tx311"/>
-            <p:cNvSpPr/>
-            <p:nvPr/>
-          </p:nvSpPr>
-          <p:spPr>
-            <a:xfrm>
-              <a:off x="839500" y="4467649"/>
+            <p:cNvPr id="337" name="tx337"/>
+            <p:cNvSpPr/>
+            <p:nvPr/>
+          </p:nvSpPr>
+          <p:spPr>
+            <a:xfrm>
+              <a:off x="839500" y="4473411"/>
               <a:ext cx="169515" cy="111397"/>
             </a:xfrm>
             <a:prstGeom prst="rect">
@@ -13202,13 +14112,13 @@
         </p:sp>
         <p:sp>
           <p:nvSpPr>
-            <p:cNvPr id="312" name="tx312"/>
-            <p:cNvSpPr/>
-            <p:nvPr/>
-          </p:nvSpPr>
-          <p:spPr>
-            <a:xfrm>
-              <a:off x="839500" y="3527173"/>
+            <p:cNvPr id="338" name="tx338"/>
+            <p:cNvSpPr/>
+            <p:nvPr/>
+          </p:nvSpPr>
+          <p:spPr>
+            <a:xfrm>
+              <a:off x="839500" y="3531002"/>
               <a:ext cx="169515" cy="111397"/>
             </a:xfrm>
             <a:prstGeom prst="rect">
@@ -13248,13 +14158,13 @@
         </p:sp>
         <p:sp>
           <p:nvSpPr>
-            <p:cNvPr id="313" name="tx313"/>
-            <p:cNvSpPr/>
-            <p:nvPr/>
-          </p:nvSpPr>
-          <p:spPr>
-            <a:xfrm>
-              <a:off x="839500" y="2588556"/>
+            <p:cNvPr id="339" name="tx339"/>
+            <p:cNvSpPr/>
+            <p:nvPr/>
+          </p:nvSpPr>
+          <p:spPr>
+            <a:xfrm>
+              <a:off x="839500" y="2590453"/>
               <a:ext cx="169515" cy="109537"/>
             </a:xfrm>
             <a:prstGeom prst="rect">
@@ -13294,13 +14204,13 @@
         </p:sp>
         <p:sp>
           <p:nvSpPr>
-            <p:cNvPr id="314" name="tx314"/>
-            <p:cNvSpPr/>
-            <p:nvPr/>
-          </p:nvSpPr>
-          <p:spPr>
-            <a:xfrm>
-              <a:off x="754742" y="1646219"/>
+            <p:cNvPr id="340" name="tx340"/>
+            <p:cNvSpPr/>
+            <p:nvPr/>
+          </p:nvSpPr>
+          <p:spPr>
+            <a:xfrm>
+              <a:off x="754742" y="1646184"/>
               <a:ext cx="254272" cy="111397"/>
             </a:xfrm>
             <a:prstGeom prst="rect">
@@ -13340,13 +14250,13 @@
         </p:sp>
         <p:sp>
           <p:nvSpPr>
-            <p:cNvPr id="315" name="pl315"/>
-            <p:cNvSpPr/>
-            <p:nvPr/>
-          </p:nvSpPr>
-          <p:spPr>
-            <a:xfrm>
-              <a:off x="1046973" y="5464978"/>
+            <p:cNvPr id="341" name="pl341"/>
+            <p:cNvSpPr/>
+            <p:nvPr/>
+          </p:nvSpPr>
+          <p:spPr>
+            <a:xfrm>
+              <a:off x="1046973" y="5472672"/>
               <a:ext cx="44283" cy="0"/>
             </a:xfrm>
             <a:custGeom>
@@ -13380,13 +14290,13 @@
         </p:sp>
         <p:sp>
           <p:nvSpPr>
-            <p:cNvPr id="316" name="pl316"/>
-            <p:cNvSpPr/>
-            <p:nvPr/>
-          </p:nvSpPr>
-          <p:spPr>
-            <a:xfrm>
-              <a:off x="1046973" y="4524501"/>
+            <p:cNvPr id="342" name="pl342"/>
+            <p:cNvSpPr/>
+            <p:nvPr/>
+          </p:nvSpPr>
+          <p:spPr>
+            <a:xfrm>
+              <a:off x="1046973" y="4530263"/>
               <a:ext cx="44283" cy="0"/>
             </a:xfrm>
             <a:custGeom>
@@ -13420,13 +14330,13 @@
         </p:sp>
         <p:sp>
           <p:nvSpPr>
-            <p:cNvPr id="317" name="pl317"/>
-            <p:cNvSpPr/>
-            <p:nvPr/>
-          </p:nvSpPr>
-          <p:spPr>
-            <a:xfrm>
-              <a:off x="1046973" y="3584025"/>
+            <p:cNvPr id="343" name="pl343"/>
+            <p:cNvSpPr/>
+            <p:nvPr/>
+          </p:nvSpPr>
+          <p:spPr>
+            <a:xfrm>
+              <a:off x="1046973" y="3587854"/>
               <a:ext cx="44283" cy="0"/>
             </a:xfrm>
             <a:custGeom>
@@ -13460,13 +14370,13 @@
         </p:sp>
         <p:sp>
           <p:nvSpPr>
-            <p:cNvPr id="318" name="pl318"/>
-            <p:cNvSpPr/>
-            <p:nvPr/>
-          </p:nvSpPr>
-          <p:spPr>
-            <a:xfrm>
-              <a:off x="1046973" y="2643548"/>
+            <p:cNvPr id="344" name="pl344"/>
+            <p:cNvSpPr/>
+            <p:nvPr/>
+          </p:nvSpPr>
+          <p:spPr>
+            <a:xfrm>
+              <a:off x="1046973" y="2645445"/>
               <a:ext cx="44283" cy="0"/>
             </a:xfrm>
             <a:custGeom>
@@ -13500,13 +14410,13 @@
         </p:sp>
         <p:sp>
           <p:nvSpPr>
-            <p:cNvPr id="319" name="pl319"/>
-            <p:cNvSpPr/>
-            <p:nvPr/>
-          </p:nvSpPr>
-          <p:spPr>
-            <a:xfrm>
-              <a:off x="1046973" y="1703072"/>
+            <p:cNvPr id="345" name="pl345"/>
+            <p:cNvSpPr/>
+            <p:nvPr/>
+          </p:nvSpPr>
+          <p:spPr>
+            <a:xfrm>
+              <a:off x="1046973" y="1703037"/>
               <a:ext cx="44283" cy="0"/>
             </a:xfrm>
             <a:custGeom>
@@ -13540,7 +14450,7 @@
         </p:sp>
         <p:sp>
           <p:nvSpPr>
-            <p:cNvPr id="320" name="pl320"/>
+            <p:cNvPr id="346" name="pl346"/>
             <p:cNvSpPr/>
             <p:nvPr/>
           </p:nvSpPr>
@@ -13580,7 +14490,7 @@
         </p:sp>
         <p:sp>
           <p:nvSpPr>
-            <p:cNvPr id="321" name="pl321"/>
+            <p:cNvPr id="347" name="pl347"/>
             <p:cNvSpPr/>
             <p:nvPr/>
           </p:nvSpPr>
@@ -13620,7 +14530,7 @@
         </p:sp>
         <p:sp>
           <p:nvSpPr>
-            <p:cNvPr id="322" name="pl322"/>
+            <p:cNvPr id="348" name="pl348"/>
             <p:cNvSpPr/>
             <p:nvPr/>
           </p:nvSpPr>
@@ -13660,7 +14570,7 @@
         </p:sp>
         <p:sp>
           <p:nvSpPr>
-            <p:cNvPr id="323" name="tx323"/>
+            <p:cNvPr id="349" name="tx349"/>
             <p:cNvSpPr/>
             <p:nvPr/>
           </p:nvSpPr>
@@ -13706,7 +14616,7 @@
         </p:sp>
         <p:sp>
           <p:nvSpPr>
-            <p:cNvPr id="324" name="tx324"/>
+            <p:cNvPr id="350" name="tx350"/>
             <p:cNvSpPr/>
             <p:nvPr/>
           </p:nvSpPr>
@@ -13752,7 +14662,7 @@
         </p:sp>
         <p:sp>
           <p:nvSpPr>
-            <p:cNvPr id="325" name="tx325"/>
+            <p:cNvPr id="351" name="tx351"/>
             <p:cNvSpPr/>
             <p:nvPr/>
           </p:nvSpPr>
@@ -13798,7 +14708,7 @@
         </p:sp>
         <p:sp>
           <p:nvSpPr>
-            <p:cNvPr id="326" name="tx326"/>
+            <p:cNvPr id="352" name="tx352"/>
             <p:cNvSpPr/>
             <p:nvPr/>
           </p:nvSpPr>
@@ -13844,7 +14754,7 @@
         </p:sp>
         <p:sp>
           <p:nvSpPr>
-            <p:cNvPr id="327" name="tx327"/>
+            <p:cNvPr id="353" name="tx353"/>
             <p:cNvSpPr/>
             <p:nvPr/>
           </p:nvSpPr>
@@ -13883,14 +14793,14 @@
                   <a:latin typeface="Arial"/>
                   <a:cs typeface="Arial"/>
                 </a:rPr>
-                <a:t>symptoms and today (N=168)</a:t>
+                <a:t>symptoms and today (N=159)</a:t>
               </a:r>
             </a:p>
           </p:txBody>
         </p:sp>
         <p:sp>
           <p:nvSpPr>
-            <p:cNvPr id="328" name="tx328"/>
+            <p:cNvPr id="354" name="tx354"/>
             <p:cNvSpPr/>
             <p:nvPr/>
           </p:nvSpPr>
